--- a/레벨 디자인 기획서/Supper Up 레벨 만들기.pptx
+++ b/레벨 디자인 기획서/Supper Up 레벨 만들기.pptx
@@ -5,17 +5,28 @@
     <p:sldMasterId id="2147483648" r:id="rId1"/>
   </p:sldMasterIdLst>
   <p:notesMasterIdLst>
-    <p:notesMasterId r:id="rId10"/>
+    <p:notesMasterId r:id="rId21"/>
   </p:notesMasterIdLst>
   <p:sldIdLst>
-    <p:sldId id="256" r:id="rId2"/>
-    <p:sldId id="257" r:id="rId3"/>
-    <p:sldId id="258" r:id="rId4"/>
-    <p:sldId id="259" r:id="rId5"/>
-    <p:sldId id="260" r:id="rId6"/>
-    <p:sldId id="261" r:id="rId7"/>
-    <p:sldId id="262" r:id="rId8"/>
-    <p:sldId id="263" r:id="rId9"/>
+    <p:sldId id="266" r:id="rId2"/>
+    <p:sldId id="256" r:id="rId3"/>
+    <p:sldId id="257" r:id="rId4"/>
+    <p:sldId id="258" r:id="rId5"/>
+    <p:sldId id="259" r:id="rId6"/>
+    <p:sldId id="260" r:id="rId7"/>
+    <p:sldId id="261" r:id="rId8"/>
+    <p:sldId id="262" r:id="rId9"/>
+    <p:sldId id="263" r:id="rId10"/>
+    <p:sldId id="269" r:id="rId11"/>
+    <p:sldId id="267" r:id="rId12"/>
+    <p:sldId id="264" r:id="rId13"/>
+    <p:sldId id="265" r:id="rId14"/>
+    <p:sldId id="270" r:id="rId15"/>
+    <p:sldId id="271" r:id="rId16"/>
+    <p:sldId id="272" r:id="rId17"/>
+    <p:sldId id="273" r:id="rId18"/>
+    <p:sldId id="274" r:id="rId19"/>
+    <p:sldId id="275" r:id="rId20"/>
   </p:sldIdLst>
   <p:sldSz cx="12192000" cy="6858000"/>
   <p:notesSz cx="6858000" cy="9144000"/>
@@ -204,7 +215,7 @@
           <a:p>
             <a:fld id="{95E70BDC-7D1F-43F4-85E6-C902B1C1EDD0}" type="datetimeFigureOut">
               <a:rPr lang="ko-KR" altLang="en-US" smtClean="0"/>
-              <a:t>2025-04-12</a:t>
+              <a:t>2025-04-27</a:t>
             </a:fld>
             <a:endParaRPr lang="ko-KR" altLang="en-US"/>
           </a:p>
@@ -618,7 +629,7 @@
           <a:p>
             <a:fld id="{ECD873A7-1E07-4B0B-BDD3-8C4D998403BF}" type="datetimeFigureOut">
               <a:rPr lang="ko-KR" altLang="en-US" smtClean="0"/>
-              <a:t>2025-04-12</a:t>
+              <a:t>2025-04-27</a:t>
             </a:fld>
             <a:endParaRPr lang="ko-KR" altLang="en-US"/>
           </a:p>
@@ -816,7 +827,7 @@
           <a:p>
             <a:fld id="{ECD873A7-1E07-4B0B-BDD3-8C4D998403BF}" type="datetimeFigureOut">
               <a:rPr lang="ko-KR" altLang="en-US" smtClean="0"/>
-              <a:t>2025-04-12</a:t>
+              <a:t>2025-04-27</a:t>
             </a:fld>
             <a:endParaRPr lang="ko-KR" altLang="en-US"/>
           </a:p>
@@ -1024,7 +1035,7 @@
           <a:p>
             <a:fld id="{ECD873A7-1E07-4B0B-BDD3-8C4D998403BF}" type="datetimeFigureOut">
               <a:rPr lang="ko-KR" altLang="en-US" smtClean="0"/>
-              <a:t>2025-04-12</a:t>
+              <a:t>2025-04-27</a:t>
             </a:fld>
             <a:endParaRPr lang="ko-KR" altLang="en-US"/>
           </a:p>
@@ -1222,7 +1233,7 @@
           <a:p>
             <a:fld id="{ECD873A7-1E07-4B0B-BDD3-8C4D998403BF}" type="datetimeFigureOut">
               <a:rPr lang="ko-KR" altLang="en-US" smtClean="0"/>
-              <a:t>2025-04-12</a:t>
+              <a:t>2025-04-27</a:t>
             </a:fld>
             <a:endParaRPr lang="ko-KR" altLang="en-US"/>
           </a:p>
@@ -1497,7 +1508,7 @@
           <a:p>
             <a:fld id="{ECD873A7-1E07-4B0B-BDD3-8C4D998403BF}" type="datetimeFigureOut">
               <a:rPr lang="ko-KR" altLang="en-US" smtClean="0"/>
-              <a:t>2025-04-12</a:t>
+              <a:t>2025-04-27</a:t>
             </a:fld>
             <a:endParaRPr lang="ko-KR" altLang="en-US"/>
           </a:p>
@@ -1762,7 +1773,7 @@
           <a:p>
             <a:fld id="{ECD873A7-1E07-4B0B-BDD3-8C4D998403BF}" type="datetimeFigureOut">
               <a:rPr lang="ko-KR" altLang="en-US" smtClean="0"/>
-              <a:t>2025-04-12</a:t>
+              <a:t>2025-04-27</a:t>
             </a:fld>
             <a:endParaRPr lang="ko-KR" altLang="en-US"/>
           </a:p>
@@ -2174,7 +2185,7 @@
           <a:p>
             <a:fld id="{ECD873A7-1E07-4B0B-BDD3-8C4D998403BF}" type="datetimeFigureOut">
               <a:rPr lang="ko-KR" altLang="en-US" smtClean="0"/>
-              <a:t>2025-04-12</a:t>
+              <a:t>2025-04-27</a:t>
             </a:fld>
             <a:endParaRPr lang="ko-KR" altLang="en-US"/>
           </a:p>
@@ -2315,7 +2326,7 @@
           <a:p>
             <a:fld id="{ECD873A7-1E07-4B0B-BDD3-8C4D998403BF}" type="datetimeFigureOut">
               <a:rPr lang="ko-KR" altLang="en-US" smtClean="0"/>
-              <a:t>2025-04-12</a:t>
+              <a:t>2025-04-27</a:t>
             </a:fld>
             <a:endParaRPr lang="ko-KR" altLang="en-US"/>
           </a:p>
@@ -2428,7 +2439,7 @@
           <a:p>
             <a:fld id="{ECD873A7-1E07-4B0B-BDD3-8C4D998403BF}" type="datetimeFigureOut">
               <a:rPr lang="ko-KR" altLang="en-US" smtClean="0"/>
-              <a:t>2025-04-12</a:t>
+              <a:t>2025-04-27</a:t>
             </a:fld>
             <a:endParaRPr lang="ko-KR" altLang="en-US"/>
           </a:p>
@@ -2739,7 +2750,7 @@
           <a:p>
             <a:fld id="{ECD873A7-1E07-4B0B-BDD3-8C4D998403BF}" type="datetimeFigureOut">
               <a:rPr lang="ko-KR" altLang="en-US" smtClean="0"/>
-              <a:t>2025-04-12</a:t>
+              <a:t>2025-04-27</a:t>
             </a:fld>
             <a:endParaRPr lang="ko-KR" altLang="en-US"/>
           </a:p>
@@ -3027,7 +3038,7 @@
           <a:p>
             <a:fld id="{ECD873A7-1E07-4B0B-BDD3-8C4D998403BF}" type="datetimeFigureOut">
               <a:rPr lang="ko-KR" altLang="en-US" smtClean="0"/>
-              <a:t>2025-04-12</a:t>
+              <a:t>2025-04-27</a:t>
             </a:fld>
             <a:endParaRPr lang="ko-KR" altLang="en-US"/>
           </a:p>
@@ -3268,7 +3279,7 @@
           <a:p>
             <a:fld id="{ECD873A7-1E07-4B0B-BDD3-8C4D998403BF}" type="datetimeFigureOut">
               <a:rPr lang="ko-KR" altLang="en-US" smtClean="0"/>
-              <a:t>2025-04-12</a:t>
+              <a:t>2025-04-27</a:t>
             </a:fld>
             <a:endParaRPr lang="ko-KR" altLang="en-US"/>
           </a:p>
@@ -3687,6 +3698,9752 @@
       </p:grpSpPr>
       <p:sp>
         <p:nvSpPr>
+          <p:cNvPr id="4" name="TextBox 3">
+            <a:extLst>
+              <a:ext uri="{FF2B5EF4-FFF2-40B4-BE49-F238E27FC236}">
+                <a16:creationId xmlns:a16="http://schemas.microsoft.com/office/drawing/2014/main" id="{D3560812-7C73-4A90-29BB-1A12275F5B5A}"/>
+              </a:ext>
+            </a:extLst>
+          </p:cNvPr>
+          <p:cNvSpPr txBox="1"/>
+          <p:nvPr/>
+        </p:nvSpPr>
+        <p:spPr>
+          <a:xfrm>
+            <a:off x="4359564" y="2817091"/>
+            <a:ext cx="2908168" cy="938719"/>
+          </a:xfrm>
+          <a:prstGeom prst="rect">
+            <a:avLst/>
+          </a:prstGeom>
+          <a:noFill/>
+        </p:spPr>
+        <p:txBody>
+          <a:bodyPr wrap="none" rtlCol="0">
+            <a:spAutoFit/>
+          </a:bodyPr>
+          <a:lstStyle/>
+          <a:p>
+            <a:r>
+              <a:rPr lang="en-US" altLang="ko-KR" sz="5500" dirty="0"/>
+              <a:t>1-1 </a:t>
+            </a:r>
+            <a:r>
+              <a:rPr lang="ko-KR" altLang="en-US" sz="5500" dirty="0"/>
+              <a:t>구역</a:t>
+            </a:r>
+          </a:p>
+        </p:txBody>
+      </p:sp>
+    </p:spTree>
+    <p:extLst>
+      <p:ext uri="{BB962C8B-B14F-4D97-AF65-F5344CB8AC3E}">
+        <p14:creationId xmlns:p14="http://schemas.microsoft.com/office/powerpoint/2010/main" val="3952805307"/>
+      </p:ext>
+    </p:extLst>
+  </p:cSld>
+  <p:clrMapOvr>
+    <a:masterClrMapping/>
+  </p:clrMapOvr>
+</p:sld>
+</file>
+
+<file path=ppt/slides/slide10.xml><?xml version="1.0" encoding="utf-8"?>
+<p:sld xmlns:a="http://schemas.openxmlformats.org/drawingml/2006/main" xmlns:r="http://schemas.openxmlformats.org/officeDocument/2006/relationships" xmlns:p="http://schemas.openxmlformats.org/presentationml/2006/main">
+  <p:cSld>
+    <p:spTree>
+      <p:nvGrpSpPr>
+        <p:cNvPr id="1" name="">
+          <a:extLst>
+            <a:ext uri="{FF2B5EF4-FFF2-40B4-BE49-F238E27FC236}">
+              <a16:creationId xmlns:a16="http://schemas.microsoft.com/office/drawing/2014/main" id="{AA2C93AD-D6E8-6F74-B28F-53AE8A60C237}"/>
+            </a:ext>
+          </a:extLst>
+        </p:cNvPr>
+        <p:cNvGrpSpPr/>
+        <p:nvPr/>
+      </p:nvGrpSpPr>
+      <p:grpSpPr>
+        <a:xfrm>
+          <a:off x="0" y="0"/>
+          <a:ext cx="0" cy="0"/>
+          <a:chOff x="0" y="0"/>
+          <a:chExt cx="0" cy="0"/>
+        </a:xfrm>
+      </p:grpSpPr>
+      <p:sp>
+        <p:nvSpPr>
+          <p:cNvPr id="2" name="제목 1">
+            <a:extLst>
+              <a:ext uri="{FF2B5EF4-FFF2-40B4-BE49-F238E27FC236}">
+                <a16:creationId xmlns:a16="http://schemas.microsoft.com/office/drawing/2014/main" id="{8C9BB507-3FAC-2E97-9767-4A480AFD3FBD}"/>
+              </a:ext>
+            </a:extLst>
+          </p:cNvPr>
+          <p:cNvSpPr>
+            <a:spLocks noGrp="1"/>
+          </p:cNvSpPr>
+          <p:nvPr>
+            <p:ph type="title"/>
+          </p:nvPr>
+        </p:nvSpPr>
+        <p:spPr>
+          <a:xfrm>
+            <a:off x="718127" y="-73943"/>
+            <a:ext cx="10515600" cy="964911"/>
+          </a:xfrm>
+        </p:spPr>
+        <p:txBody>
+          <a:bodyPr>
+            <a:normAutofit/>
+          </a:bodyPr>
+          <a:lstStyle/>
+          <a:p>
+            <a:r>
+              <a:rPr lang="en-US" altLang="ko-KR" sz="3000" dirty="0"/>
+              <a:t>(</a:t>
+            </a:r>
+            <a:r>
+              <a:rPr lang="ko-KR" altLang="en-US" sz="3000" dirty="0"/>
+              <a:t>임시</a:t>
+            </a:r>
+            <a:r>
+              <a:rPr lang="en-US" altLang="ko-KR" sz="3000" dirty="0"/>
+              <a:t>) </a:t>
+            </a:r>
+            <a:r>
+              <a:rPr lang="ko-KR" altLang="en-US" sz="3000" dirty="0"/>
+              <a:t>사다리 구간 워프</a:t>
+            </a:r>
+          </a:p>
+        </p:txBody>
+      </p:sp>
+      <p:sp>
+        <p:nvSpPr>
+          <p:cNvPr id="14" name="TextBox 13">
+            <a:extLst>
+              <a:ext uri="{FF2B5EF4-FFF2-40B4-BE49-F238E27FC236}">
+                <a16:creationId xmlns:a16="http://schemas.microsoft.com/office/drawing/2014/main" id="{985DA771-E855-3B16-3355-DCE8355B6CE8}"/>
+              </a:ext>
+            </a:extLst>
+          </p:cNvPr>
+          <p:cNvSpPr txBox="1"/>
+          <p:nvPr/>
+        </p:nvSpPr>
+        <p:spPr>
+          <a:xfrm>
+            <a:off x="6884063" y="5125297"/>
+            <a:ext cx="4963218" cy="677108"/>
+          </a:xfrm>
+          <a:prstGeom prst="rect">
+            <a:avLst/>
+          </a:prstGeom>
+          <a:noFill/>
+        </p:spPr>
+        <p:txBody>
+          <a:bodyPr wrap="none" rtlCol="0">
+            <a:spAutoFit/>
+          </a:bodyPr>
+          <a:lstStyle/>
+          <a:p>
+            <a:r>
+              <a:rPr lang="ko-KR" altLang="en-US" sz="1900" dirty="0"/>
+              <a:t>의도</a:t>
+            </a:r>
+            <a:r>
+              <a:rPr lang="en-US" altLang="ko-KR" sz="1900" dirty="0"/>
+              <a:t>: </a:t>
+            </a:r>
+            <a:r>
+              <a:rPr lang="ko-KR" altLang="en-US" sz="1900" dirty="0"/>
+              <a:t>플레이어가 사다리구간을 클리어할 시</a:t>
+            </a:r>
+            <a:endParaRPr lang="en-US" altLang="ko-KR" sz="1900" dirty="0"/>
+          </a:p>
+          <a:p>
+            <a:r>
+              <a:rPr lang="ko-KR" altLang="en-US" sz="1900" dirty="0"/>
+              <a:t>도달 하게 되는 위치로 이동시킨다</a:t>
+            </a:r>
+            <a:r>
+              <a:rPr lang="en-US" altLang="ko-KR" sz="1900" dirty="0"/>
+              <a:t>.</a:t>
+            </a:r>
+            <a:endParaRPr lang="ko-KR" altLang="en-US" sz="1900" dirty="0"/>
+          </a:p>
+        </p:txBody>
+      </p:sp>
+      <p:sp>
+        <p:nvSpPr>
+          <p:cNvPr id="9" name="직사각형 8">
+            <a:extLst>
+              <a:ext uri="{FF2B5EF4-FFF2-40B4-BE49-F238E27FC236}">
+                <a16:creationId xmlns:a16="http://schemas.microsoft.com/office/drawing/2014/main" id="{E3C9596E-6B3A-C61D-175C-522B0A6EC90A}"/>
+              </a:ext>
+            </a:extLst>
+          </p:cNvPr>
+          <p:cNvSpPr/>
+          <p:nvPr/>
+        </p:nvSpPr>
+        <p:spPr>
+          <a:xfrm>
+            <a:off x="1509469" y="1102229"/>
+            <a:ext cx="315023" cy="2364193"/>
+          </a:xfrm>
+          <a:prstGeom prst="rect">
+            <a:avLst/>
+          </a:prstGeom>
+          <a:solidFill>
+            <a:schemeClr val="accent2">
+              <a:lumMod val="50000"/>
+            </a:schemeClr>
+          </a:solidFill>
+        </p:spPr>
+        <p:style>
+          <a:lnRef idx="2">
+            <a:schemeClr val="accent1">
+              <a:shade val="15000"/>
+            </a:schemeClr>
+          </a:lnRef>
+          <a:fillRef idx="1">
+            <a:schemeClr val="accent1"/>
+          </a:fillRef>
+          <a:effectRef idx="0">
+            <a:schemeClr val="accent1"/>
+          </a:effectRef>
+          <a:fontRef idx="minor">
+            <a:schemeClr val="lt1"/>
+          </a:fontRef>
+        </p:style>
+        <p:txBody>
+          <a:bodyPr rtlCol="0" anchor="ctr"/>
+          <a:lstStyle/>
+          <a:p>
+            <a:pPr algn="ctr"/>
+            <a:endParaRPr lang="ko-KR" altLang="en-US"/>
+          </a:p>
+        </p:txBody>
+      </p:sp>
+      <p:sp>
+        <p:nvSpPr>
+          <p:cNvPr id="25" name="직사각형 24">
+            <a:extLst>
+              <a:ext uri="{FF2B5EF4-FFF2-40B4-BE49-F238E27FC236}">
+                <a16:creationId xmlns:a16="http://schemas.microsoft.com/office/drawing/2014/main" id="{ED4014B5-D862-1A42-2407-8D11DDA2E49A}"/>
+              </a:ext>
+            </a:extLst>
+          </p:cNvPr>
+          <p:cNvSpPr/>
+          <p:nvPr/>
+        </p:nvSpPr>
+        <p:spPr>
+          <a:xfrm>
+            <a:off x="1509469" y="1782406"/>
+            <a:ext cx="335132" cy="363651"/>
+          </a:xfrm>
+          <a:prstGeom prst="rect">
+            <a:avLst/>
+          </a:prstGeom>
+          <a:solidFill>
+            <a:schemeClr val="tx1">
+              <a:lumMod val="95000"/>
+              <a:lumOff val="5000"/>
+            </a:schemeClr>
+          </a:solidFill>
+        </p:spPr>
+        <p:style>
+          <a:lnRef idx="2">
+            <a:schemeClr val="accent1">
+              <a:shade val="15000"/>
+            </a:schemeClr>
+          </a:lnRef>
+          <a:fillRef idx="1">
+            <a:schemeClr val="accent1"/>
+          </a:fillRef>
+          <a:effectRef idx="0">
+            <a:schemeClr val="accent1"/>
+          </a:effectRef>
+          <a:fontRef idx="minor">
+            <a:schemeClr val="lt1"/>
+          </a:fontRef>
+        </p:style>
+        <p:txBody>
+          <a:bodyPr rtlCol="0" anchor="ctr"/>
+          <a:lstStyle/>
+          <a:p>
+            <a:pPr algn="ctr"/>
+            <a:endParaRPr lang="ko-KR" altLang="en-US"/>
+          </a:p>
+        </p:txBody>
+      </p:sp>
+      <p:sp>
+        <p:nvSpPr>
+          <p:cNvPr id="26" name="직사각형 25">
+            <a:extLst>
+              <a:ext uri="{FF2B5EF4-FFF2-40B4-BE49-F238E27FC236}">
+                <a16:creationId xmlns:a16="http://schemas.microsoft.com/office/drawing/2014/main" id="{B9DC7590-BC7D-1AC8-5C74-1C26A5E07685}"/>
+              </a:ext>
+            </a:extLst>
+          </p:cNvPr>
+          <p:cNvSpPr/>
+          <p:nvPr/>
+        </p:nvSpPr>
+        <p:spPr>
+          <a:xfrm>
+            <a:off x="1549389" y="1782406"/>
+            <a:ext cx="229146" cy="90913"/>
+          </a:xfrm>
+          <a:prstGeom prst="rect">
+            <a:avLst/>
+          </a:prstGeom>
+          <a:solidFill>
+            <a:schemeClr val="bg1"/>
+          </a:solidFill>
+        </p:spPr>
+        <p:style>
+          <a:lnRef idx="2">
+            <a:schemeClr val="accent1">
+              <a:shade val="15000"/>
+            </a:schemeClr>
+          </a:lnRef>
+          <a:fillRef idx="1">
+            <a:schemeClr val="accent1"/>
+          </a:fillRef>
+          <a:effectRef idx="0">
+            <a:schemeClr val="accent1"/>
+          </a:effectRef>
+          <a:fontRef idx="minor">
+            <a:schemeClr val="lt1"/>
+          </a:fontRef>
+        </p:style>
+        <p:txBody>
+          <a:bodyPr rtlCol="0" anchor="ctr"/>
+          <a:lstStyle/>
+          <a:p>
+            <a:pPr algn="ctr"/>
+            <a:endParaRPr lang="ko-KR" altLang="en-US"/>
+          </a:p>
+        </p:txBody>
+      </p:sp>
+      <p:sp>
+        <p:nvSpPr>
+          <p:cNvPr id="27" name="직사각형 26">
+            <a:extLst>
+              <a:ext uri="{FF2B5EF4-FFF2-40B4-BE49-F238E27FC236}">
+                <a16:creationId xmlns:a16="http://schemas.microsoft.com/office/drawing/2014/main" id="{44D65216-87D0-A8A6-2A68-2D529885E42F}"/>
+              </a:ext>
+            </a:extLst>
+          </p:cNvPr>
+          <p:cNvSpPr/>
+          <p:nvPr/>
+        </p:nvSpPr>
+        <p:spPr>
+          <a:xfrm>
+            <a:off x="1554010" y="1971750"/>
+            <a:ext cx="229146" cy="90913"/>
+          </a:xfrm>
+          <a:prstGeom prst="rect">
+            <a:avLst/>
+          </a:prstGeom>
+          <a:solidFill>
+            <a:schemeClr val="bg1"/>
+          </a:solidFill>
+        </p:spPr>
+        <p:style>
+          <a:lnRef idx="2">
+            <a:schemeClr val="accent1">
+              <a:shade val="15000"/>
+            </a:schemeClr>
+          </a:lnRef>
+          <a:fillRef idx="1">
+            <a:schemeClr val="accent1"/>
+          </a:fillRef>
+          <a:effectRef idx="0">
+            <a:schemeClr val="accent1"/>
+          </a:effectRef>
+          <a:fontRef idx="minor">
+            <a:schemeClr val="lt1"/>
+          </a:fontRef>
+        </p:style>
+        <p:txBody>
+          <a:bodyPr rtlCol="0" anchor="ctr"/>
+          <a:lstStyle/>
+          <a:p>
+            <a:pPr algn="ctr"/>
+            <a:endParaRPr lang="ko-KR" altLang="en-US"/>
+          </a:p>
+        </p:txBody>
+      </p:sp>
+      <p:sp>
+        <p:nvSpPr>
+          <p:cNvPr id="30" name="직사각형 29">
+            <a:extLst>
+              <a:ext uri="{FF2B5EF4-FFF2-40B4-BE49-F238E27FC236}">
+                <a16:creationId xmlns:a16="http://schemas.microsoft.com/office/drawing/2014/main" id="{E5996EAC-B4BB-36F7-DCA8-B6FD0547D4CE}"/>
+              </a:ext>
+            </a:extLst>
+          </p:cNvPr>
+          <p:cNvSpPr/>
+          <p:nvPr/>
+        </p:nvSpPr>
+        <p:spPr>
+          <a:xfrm>
+            <a:off x="1500233" y="3675207"/>
+            <a:ext cx="315023" cy="2364193"/>
+          </a:xfrm>
+          <a:prstGeom prst="rect">
+            <a:avLst/>
+          </a:prstGeom>
+          <a:solidFill>
+            <a:schemeClr val="accent2">
+              <a:lumMod val="50000"/>
+            </a:schemeClr>
+          </a:solidFill>
+        </p:spPr>
+        <p:style>
+          <a:lnRef idx="2">
+            <a:schemeClr val="accent1">
+              <a:shade val="15000"/>
+            </a:schemeClr>
+          </a:lnRef>
+          <a:fillRef idx="1">
+            <a:schemeClr val="accent1"/>
+          </a:fillRef>
+          <a:effectRef idx="0">
+            <a:schemeClr val="accent1"/>
+          </a:effectRef>
+          <a:fontRef idx="minor">
+            <a:schemeClr val="lt1"/>
+          </a:fontRef>
+        </p:style>
+        <p:txBody>
+          <a:bodyPr rtlCol="0" anchor="ctr"/>
+          <a:lstStyle/>
+          <a:p>
+            <a:pPr algn="ctr"/>
+            <a:endParaRPr lang="ko-KR" altLang="en-US"/>
+          </a:p>
+        </p:txBody>
+      </p:sp>
+      <p:sp>
+        <p:nvSpPr>
+          <p:cNvPr id="31" name="직사각형 30">
+            <a:extLst>
+              <a:ext uri="{FF2B5EF4-FFF2-40B4-BE49-F238E27FC236}">
+                <a16:creationId xmlns:a16="http://schemas.microsoft.com/office/drawing/2014/main" id="{F3B992FD-F449-F9E6-42BA-2292ECC6DC0E}"/>
+              </a:ext>
+            </a:extLst>
+          </p:cNvPr>
+          <p:cNvSpPr/>
+          <p:nvPr/>
+        </p:nvSpPr>
+        <p:spPr>
+          <a:xfrm>
+            <a:off x="1478238" y="2643906"/>
+            <a:ext cx="335132" cy="363651"/>
+          </a:xfrm>
+          <a:prstGeom prst="rect">
+            <a:avLst/>
+          </a:prstGeom>
+          <a:solidFill>
+            <a:schemeClr val="tx1">
+              <a:lumMod val="95000"/>
+              <a:lumOff val="5000"/>
+            </a:schemeClr>
+          </a:solidFill>
+        </p:spPr>
+        <p:style>
+          <a:lnRef idx="2">
+            <a:schemeClr val="accent1">
+              <a:shade val="15000"/>
+            </a:schemeClr>
+          </a:lnRef>
+          <a:fillRef idx="1">
+            <a:schemeClr val="accent1"/>
+          </a:fillRef>
+          <a:effectRef idx="0">
+            <a:schemeClr val="accent1"/>
+          </a:effectRef>
+          <a:fontRef idx="minor">
+            <a:schemeClr val="lt1"/>
+          </a:fontRef>
+        </p:style>
+        <p:txBody>
+          <a:bodyPr rtlCol="0" anchor="ctr"/>
+          <a:lstStyle/>
+          <a:p>
+            <a:pPr algn="ctr"/>
+            <a:endParaRPr lang="ko-KR" altLang="en-US"/>
+          </a:p>
+        </p:txBody>
+      </p:sp>
+      <p:sp>
+        <p:nvSpPr>
+          <p:cNvPr id="32" name="직사각형 31">
+            <a:extLst>
+              <a:ext uri="{FF2B5EF4-FFF2-40B4-BE49-F238E27FC236}">
+                <a16:creationId xmlns:a16="http://schemas.microsoft.com/office/drawing/2014/main" id="{CA04F564-FDB5-EA6A-0906-FDDCFA074833}"/>
+              </a:ext>
+            </a:extLst>
+          </p:cNvPr>
+          <p:cNvSpPr/>
+          <p:nvPr/>
+        </p:nvSpPr>
+        <p:spPr>
+          <a:xfrm>
+            <a:off x="1518158" y="2643906"/>
+            <a:ext cx="229146" cy="90913"/>
+          </a:xfrm>
+          <a:prstGeom prst="rect">
+            <a:avLst/>
+          </a:prstGeom>
+          <a:solidFill>
+            <a:schemeClr val="bg1"/>
+          </a:solidFill>
+        </p:spPr>
+        <p:style>
+          <a:lnRef idx="2">
+            <a:schemeClr val="accent1">
+              <a:shade val="15000"/>
+            </a:schemeClr>
+          </a:lnRef>
+          <a:fillRef idx="1">
+            <a:schemeClr val="accent1"/>
+          </a:fillRef>
+          <a:effectRef idx="0">
+            <a:schemeClr val="accent1"/>
+          </a:effectRef>
+          <a:fontRef idx="minor">
+            <a:schemeClr val="lt1"/>
+          </a:fontRef>
+        </p:style>
+        <p:txBody>
+          <a:bodyPr rtlCol="0" anchor="ctr"/>
+          <a:lstStyle/>
+          <a:p>
+            <a:pPr algn="ctr"/>
+            <a:endParaRPr lang="ko-KR" altLang="en-US"/>
+          </a:p>
+        </p:txBody>
+      </p:sp>
+      <p:sp>
+        <p:nvSpPr>
+          <p:cNvPr id="33" name="직사각형 32">
+            <a:extLst>
+              <a:ext uri="{FF2B5EF4-FFF2-40B4-BE49-F238E27FC236}">
+                <a16:creationId xmlns:a16="http://schemas.microsoft.com/office/drawing/2014/main" id="{E7D87E38-8653-D4E6-06DF-1F8D600104DA}"/>
+              </a:ext>
+            </a:extLst>
+          </p:cNvPr>
+          <p:cNvSpPr/>
+          <p:nvPr/>
+        </p:nvSpPr>
+        <p:spPr>
+          <a:xfrm>
+            <a:off x="1522779" y="2833250"/>
+            <a:ext cx="229146" cy="90913"/>
+          </a:xfrm>
+          <a:prstGeom prst="rect">
+            <a:avLst/>
+          </a:prstGeom>
+          <a:solidFill>
+            <a:schemeClr val="bg1"/>
+          </a:solidFill>
+        </p:spPr>
+        <p:style>
+          <a:lnRef idx="2">
+            <a:schemeClr val="accent1">
+              <a:shade val="15000"/>
+            </a:schemeClr>
+          </a:lnRef>
+          <a:fillRef idx="1">
+            <a:schemeClr val="accent1"/>
+          </a:fillRef>
+          <a:effectRef idx="0">
+            <a:schemeClr val="accent1"/>
+          </a:effectRef>
+          <a:fontRef idx="minor">
+            <a:schemeClr val="lt1"/>
+          </a:fontRef>
+        </p:style>
+        <p:txBody>
+          <a:bodyPr rtlCol="0" anchor="ctr"/>
+          <a:lstStyle/>
+          <a:p>
+            <a:pPr algn="ctr"/>
+            <a:endParaRPr lang="ko-KR" altLang="en-US"/>
+          </a:p>
+        </p:txBody>
+      </p:sp>
+      <p:sp>
+        <p:nvSpPr>
+          <p:cNvPr id="34" name="직사각형 33">
+            <a:extLst>
+              <a:ext uri="{FF2B5EF4-FFF2-40B4-BE49-F238E27FC236}">
+                <a16:creationId xmlns:a16="http://schemas.microsoft.com/office/drawing/2014/main" id="{6BAC5F10-F309-9191-499A-2D958F047F0F}"/>
+              </a:ext>
+            </a:extLst>
+          </p:cNvPr>
+          <p:cNvSpPr/>
+          <p:nvPr/>
+        </p:nvSpPr>
+        <p:spPr>
+          <a:xfrm>
+            <a:off x="1488891" y="6248185"/>
+            <a:ext cx="335132" cy="363651"/>
+          </a:xfrm>
+          <a:prstGeom prst="rect">
+            <a:avLst/>
+          </a:prstGeom>
+          <a:solidFill>
+            <a:schemeClr val="tx1">
+              <a:lumMod val="95000"/>
+              <a:lumOff val="5000"/>
+            </a:schemeClr>
+          </a:solidFill>
+        </p:spPr>
+        <p:style>
+          <a:lnRef idx="2">
+            <a:schemeClr val="accent1">
+              <a:shade val="15000"/>
+            </a:schemeClr>
+          </a:lnRef>
+          <a:fillRef idx="1">
+            <a:schemeClr val="accent1"/>
+          </a:fillRef>
+          <a:effectRef idx="0">
+            <a:schemeClr val="accent1"/>
+          </a:effectRef>
+          <a:fontRef idx="minor">
+            <a:schemeClr val="lt1"/>
+          </a:fontRef>
+        </p:style>
+        <p:txBody>
+          <a:bodyPr rtlCol="0" anchor="ctr"/>
+          <a:lstStyle/>
+          <a:p>
+            <a:pPr algn="ctr"/>
+            <a:endParaRPr lang="ko-KR" altLang="en-US"/>
+          </a:p>
+        </p:txBody>
+      </p:sp>
+      <p:sp>
+        <p:nvSpPr>
+          <p:cNvPr id="35" name="TextBox 34">
+            <a:extLst>
+              <a:ext uri="{FF2B5EF4-FFF2-40B4-BE49-F238E27FC236}">
+                <a16:creationId xmlns:a16="http://schemas.microsoft.com/office/drawing/2014/main" id="{59EC07F4-008F-2E53-CEA7-092A2FCE1290}"/>
+              </a:ext>
+            </a:extLst>
+          </p:cNvPr>
+          <p:cNvSpPr txBox="1"/>
+          <p:nvPr/>
+        </p:nvSpPr>
+        <p:spPr>
+          <a:xfrm>
+            <a:off x="1958110" y="6242504"/>
+            <a:ext cx="5686172" cy="369332"/>
+          </a:xfrm>
+          <a:prstGeom prst="rect">
+            <a:avLst/>
+          </a:prstGeom>
+          <a:noFill/>
+        </p:spPr>
+        <p:txBody>
+          <a:bodyPr wrap="none" rtlCol="0">
+            <a:spAutoFit/>
+          </a:bodyPr>
+          <a:lstStyle/>
+          <a:p>
+            <a:r>
+              <a:rPr lang="ko-KR" altLang="en-US" dirty="0"/>
+              <a:t>플레이어기 사다리 밑 워프 발판을 밟을 시 위로 워프</a:t>
+            </a:r>
+          </a:p>
+        </p:txBody>
+      </p:sp>
+      <p:sp>
+        <p:nvSpPr>
+          <p:cNvPr id="36" name="직사각형 35">
+            <a:extLst>
+              <a:ext uri="{FF2B5EF4-FFF2-40B4-BE49-F238E27FC236}">
+                <a16:creationId xmlns:a16="http://schemas.microsoft.com/office/drawing/2014/main" id="{7D635B90-D343-BAB5-9728-74ACC758B415}"/>
+              </a:ext>
+            </a:extLst>
+          </p:cNvPr>
+          <p:cNvSpPr/>
+          <p:nvPr/>
+        </p:nvSpPr>
+        <p:spPr>
+          <a:xfrm>
+            <a:off x="1496396" y="711618"/>
+            <a:ext cx="335132" cy="363651"/>
+          </a:xfrm>
+          <a:prstGeom prst="rect">
+            <a:avLst/>
+          </a:prstGeom>
+          <a:solidFill>
+            <a:schemeClr val="accent1">
+              <a:lumMod val="20000"/>
+              <a:lumOff val="80000"/>
+            </a:schemeClr>
+          </a:solidFill>
+        </p:spPr>
+        <p:style>
+          <a:lnRef idx="2">
+            <a:schemeClr val="accent1">
+              <a:shade val="15000"/>
+            </a:schemeClr>
+          </a:lnRef>
+          <a:fillRef idx="1">
+            <a:schemeClr val="accent1"/>
+          </a:fillRef>
+          <a:effectRef idx="0">
+            <a:schemeClr val="accent1"/>
+          </a:effectRef>
+          <a:fontRef idx="minor">
+            <a:schemeClr val="lt1"/>
+          </a:fontRef>
+        </p:style>
+        <p:txBody>
+          <a:bodyPr rtlCol="0" anchor="ctr"/>
+          <a:lstStyle/>
+          <a:p>
+            <a:pPr algn="ctr"/>
+            <a:endParaRPr lang="ko-KR" altLang="en-US"/>
+          </a:p>
+        </p:txBody>
+      </p:sp>
+      <p:sp>
+        <p:nvSpPr>
+          <p:cNvPr id="37" name="화살표: 오른쪽 36">
+            <a:extLst>
+              <a:ext uri="{FF2B5EF4-FFF2-40B4-BE49-F238E27FC236}">
+                <a16:creationId xmlns:a16="http://schemas.microsoft.com/office/drawing/2014/main" id="{A0E7FF11-11C6-7415-9F26-A3BF606F51DD}"/>
+              </a:ext>
+            </a:extLst>
+          </p:cNvPr>
+          <p:cNvSpPr/>
+          <p:nvPr/>
+        </p:nvSpPr>
+        <p:spPr>
+          <a:xfrm rot="10800000">
+            <a:off x="2075894" y="751457"/>
+            <a:ext cx="759669" cy="315022"/>
+          </a:xfrm>
+          <a:prstGeom prst="rightArrow">
+            <a:avLst/>
+          </a:prstGeom>
+          <a:solidFill>
+            <a:schemeClr val="accent1">
+              <a:lumMod val="60000"/>
+              <a:lumOff val="40000"/>
+            </a:schemeClr>
+          </a:solidFill>
+        </p:spPr>
+        <p:style>
+          <a:lnRef idx="2">
+            <a:schemeClr val="accent1">
+              <a:shade val="15000"/>
+            </a:schemeClr>
+          </a:lnRef>
+          <a:fillRef idx="1">
+            <a:schemeClr val="accent1"/>
+          </a:fillRef>
+          <a:effectRef idx="0">
+            <a:schemeClr val="accent1"/>
+          </a:effectRef>
+          <a:fontRef idx="minor">
+            <a:schemeClr val="lt1"/>
+          </a:fontRef>
+        </p:style>
+        <p:txBody>
+          <a:bodyPr rtlCol="0" anchor="ctr"/>
+          <a:lstStyle/>
+          <a:p>
+            <a:pPr algn="ctr"/>
+            <a:endParaRPr lang="ko-KR" altLang="en-US"/>
+          </a:p>
+        </p:txBody>
+      </p:sp>
+      <p:graphicFrame>
+        <p:nvGraphicFramePr>
+          <p:cNvPr id="40" name="표 39">
+            <a:extLst>
+              <a:ext uri="{FF2B5EF4-FFF2-40B4-BE49-F238E27FC236}">
+                <a16:creationId xmlns:a16="http://schemas.microsoft.com/office/drawing/2014/main" id="{E417C7C7-32AE-BBF4-AE81-61A5EA8B37A1}"/>
+              </a:ext>
+            </a:extLst>
+          </p:cNvPr>
+          <p:cNvGraphicFramePr>
+            <a:graphicFrameLocks noGrp="1"/>
+          </p:cNvGraphicFramePr>
+          <p:nvPr>
+            <p:extLst>
+              <p:ext uri="{D42A27DB-BD31-4B8C-83A1-F6EECF244321}">
+                <p14:modId xmlns:p14="http://schemas.microsoft.com/office/powerpoint/2010/main" val="2662027777"/>
+              </p:ext>
+            </p:extLst>
+          </p:nvPr>
+        </p:nvGraphicFramePr>
+        <p:xfrm>
+          <a:off x="6895960" y="1144381"/>
+          <a:ext cx="4337767" cy="1826805"/>
+        </p:xfrm>
+        <a:graphic>
+          <a:graphicData uri="http://schemas.openxmlformats.org/drawingml/2006/table">
+            <a:tbl>
+              <a:tblPr firstRow="1" bandRow="1">
+                <a:tableStyleId>{5C22544A-7EE6-4342-B048-85BDC9FD1C3A}</a:tableStyleId>
+              </a:tblPr>
+              <a:tblGrid>
+                <a:gridCol w="2110368">
+                  <a:extLst>
+                    <a:ext uri="{9D8B030D-6E8A-4147-A177-3AD203B41FA5}">
+                      <a16:colId xmlns:a16="http://schemas.microsoft.com/office/drawing/2014/main" val="954281706"/>
+                    </a:ext>
+                  </a:extLst>
+                </a:gridCol>
+                <a:gridCol w="2227399">
+                  <a:extLst>
+                    <a:ext uri="{9D8B030D-6E8A-4147-A177-3AD203B41FA5}">
+                      <a16:colId xmlns:a16="http://schemas.microsoft.com/office/drawing/2014/main" val="3432309301"/>
+                    </a:ext>
+                  </a:extLst>
+                </a:gridCol>
+              </a:tblGrid>
+              <a:tr h="416052">
+                <a:tc>
+                  <a:txBody>
+                    <a:bodyPr/>
+                    <a:lstStyle/>
+                    <a:p>
+                      <a:pPr latinLnBrk="1"/>
+                      <a:r>
+                        <a:rPr lang="ko-KR" altLang="en-US" dirty="0"/>
+                        <a:t>등장 하는 사물</a:t>
+                      </a:r>
+                    </a:p>
+                  </a:txBody>
+                  <a:tcPr/>
+                </a:tc>
+                <a:tc>
+                  <a:txBody>
+                    <a:bodyPr/>
+                    <a:lstStyle/>
+                    <a:p>
+                      <a:pPr latinLnBrk="1"/>
+                      <a:r>
+                        <a:rPr lang="ko-KR" altLang="en-US" dirty="0"/>
+                        <a:t>사진</a:t>
+                      </a:r>
+                    </a:p>
+                  </a:txBody>
+                  <a:tcPr/>
+                </a:tc>
+                <a:extLst>
+                  <a:ext uri="{0D108BD9-81ED-4DB2-BD59-A6C34878D82A}">
+                    <a16:rowId xmlns:a16="http://schemas.microsoft.com/office/drawing/2014/main" val="1138941506"/>
+                  </a:ext>
+                </a:extLst>
+              </a:tr>
+              <a:tr h="1410753">
+                <a:tc>
+                  <a:txBody>
+                    <a:bodyPr/>
+                    <a:lstStyle/>
+                    <a:p>
+                      <a:pPr latinLnBrk="1"/>
+                      <a:endParaRPr lang="en-US" altLang="ko-KR" dirty="0"/>
+                    </a:p>
+                    <a:p>
+                      <a:pPr latinLnBrk="1"/>
+                      <a:endParaRPr lang="en-US" altLang="ko-KR" dirty="0"/>
+                    </a:p>
+                    <a:p>
+                      <a:pPr latinLnBrk="1"/>
+                      <a:r>
+                        <a:rPr lang="ko-KR" altLang="en-US" dirty="0"/>
+                        <a:t>워프 발판</a:t>
+                      </a:r>
+                      <a:endParaRPr lang="en-US" altLang="ko-KR" dirty="0"/>
+                    </a:p>
+                  </a:txBody>
+                  <a:tcPr/>
+                </a:tc>
+                <a:tc>
+                  <a:txBody>
+                    <a:bodyPr/>
+                    <a:lstStyle/>
+                    <a:p>
+                      <a:pPr latinLnBrk="1"/>
+                      <a:endParaRPr lang="ko-KR" altLang="en-US" dirty="0"/>
+                    </a:p>
+                  </a:txBody>
+                  <a:tcPr/>
+                </a:tc>
+                <a:extLst>
+                  <a:ext uri="{0D108BD9-81ED-4DB2-BD59-A6C34878D82A}">
+                    <a16:rowId xmlns:a16="http://schemas.microsoft.com/office/drawing/2014/main" val="4192893207"/>
+                  </a:ext>
+                </a:extLst>
+              </a:tr>
+            </a:tbl>
+          </a:graphicData>
+        </a:graphic>
+      </p:graphicFrame>
+      <p:sp>
+        <p:nvSpPr>
+          <p:cNvPr id="41" name="직사각형 40">
+            <a:extLst>
+              <a:ext uri="{FF2B5EF4-FFF2-40B4-BE49-F238E27FC236}">
+                <a16:creationId xmlns:a16="http://schemas.microsoft.com/office/drawing/2014/main" id="{E846C313-11EF-FA1E-2330-1E7177E5C97D}"/>
+              </a:ext>
+            </a:extLst>
+          </p:cNvPr>
+          <p:cNvSpPr/>
+          <p:nvPr/>
+        </p:nvSpPr>
+        <p:spPr>
+          <a:xfrm>
+            <a:off x="9365672" y="1873318"/>
+            <a:ext cx="1514763" cy="770588"/>
+          </a:xfrm>
+          <a:prstGeom prst="rect">
+            <a:avLst/>
+          </a:prstGeom>
+          <a:solidFill>
+            <a:schemeClr val="tx1"/>
+          </a:solidFill>
+        </p:spPr>
+        <p:style>
+          <a:lnRef idx="2">
+            <a:schemeClr val="accent1">
+              <a:shade val="15000"/>
+            </a:schemeClr>
+          </a:lnRef>
+          <a:fillRef idx="1">
+            <a:schemeClr val="accent1"/>
+          </a:fillRef>
+          <a:effectRef idx="0">
+            <a:schemeClr val="accent1"/>
+          </a:effectRef>
+          <a:fontRef idx="minor">
+            <a:schemeClr val="lt1"/>
+          </a:fontRef>
+        </p:style>
+        <p:txBody>
+          <a:bodyPr rtlCol="0" anchor="ctr"/>
+          <a:lstStyle/>
+          <a:p>
+            <a:pPr algn="ctr"/>
+            <a:endParaRPr lang="ko-KR" altLang="en-US"/>
+          </a:p>
+        </p:txBody>
+      </p:sp>
+    </p:spTree>
+    <p:extLst>
+      <p:ext uri="{BB962C8B-B14F-4D97-AF65-F5344CB8AC3E}">
+        <p14:creationId xmlns:p14="http://schemas.microsoft.com/office/powerpoint/2010/main" val="1658178569"/>
+      </p:ext>
+    </p:extLst>
+  </p:cSld>
+  <p:clrMapOvr>
+    <a:masterClrMapping/>
+  </p:clrMapOvr>
+</p:sld>
+</file>
+
+<file path=ppt/slides/slide11.xml><?xml version="1.0" encoding="utf-8"?>
+<p:sld xmlns:a="http://schemas.openxmlformats.org/drawingml/2006/main" xmlns:r="http://schemas.openxmlformats.org/officeDocument/2006/relationships" xmlns:p="http://schemas.openxmlformats.org/presentationml/2006/main">
+  <p:cSld>
+    <p:spTree>
+      <p:nvGrpSpPr>
+        <p:cNvPr id="1" name="">
+          <a:extLst>
+            <a:ext uri="{FF2B5EF4-FFF2-40B4-BE49-F238E27FC236}">
+              <a16:creationId xmlns:a16="http://schemas.microsoft.com/office/drawing/2014/main" id="{747E9D8C-92F1-470B-F3EF-3C89472483F2}"/>
+            </a:ext>
+          </a:extLst>
+        </p:cNvPr>
+        <p:cNvGrpSpPr/>
+        <p:nvPr/>
+      </p:nvGrpSpPr>
+      <p:grpSpPr>
+        <a:xfrm>
+          <a:off x="0" y="0"/>
+          <a:ext cx="0" cy="0"/>
+          <a:chOff x="0" y="0"/>
+          <a:chExt cx="0" cy="0"/>
+        </a:xfrm>
+      </p:grpSpPr>
+      <p:sp>
+        <p:nvSpPr>
+          <p:cNvPr id="4" name="TextBox 3">
+            <a:extLst>
+              <a:ext uri="{FF2B5EF4-FFF2-40B4-BE49-F238E27FC236}">
+                <a16:creationId xmlns:a16="http://schemas.microsoft.com/office/drawing/2014/main" id="{0A38AC84-F789-2F2D-6D2B-8ABBFA2A94A0}"/>
+              </a:ext>
+            </a:extLst>
+          </p:cNvPr>
+          <p:cNvSpPr txBox="1"/>
+          <p:nvPr/>
+        </p:nvSpPr>
+        <p:spPr>
+          <a:xfrm>
+            <a:off x="4359564" y="2817091"/>
+            <a:ext cx="2908168" cy="938719"/>
+          </a:xfrm>
+          <a:prstGeom prst="rect">
+            <a:avLst/>
+          </a:prstGeom>
+          <a:noFill/>
+        </p:spPr>
+        <p:txBody>
+          <a:bodyPr wrap="none" rtlCol="0">
+            <a:spAutoFit/>
+          </a:bodyPr>
+          <a:lstStyle/>
+          <a:p>
+            <a:r>
+              <a:rPr lang="en-US" altLang="ko-KR" sz="5500" dirty="0"/>
+              <a:t>1-2 </a:t>
+            </a:r>
+            <a:r>
+              <a:rPr lang="ko-KR" altLang="en-US" sz="5500" dirty="0"/>
+              <a:t>구역</a:t>
+            </a:r>
+          </a:p>
+        </p:txBody>
+      </p:sp>
+    </p:spTree>
+    <p:extLst>
+      <p:ext uri="{BB962C8B-B14F-4D97-AF65-F5344CB8AC3E}">
+        <p14:creationId xmlns:p14="http://schemas.microsoft.com/office/powerpoint/2010/main" val="496839247"/>
+      </p:ext>
+    </p:extLst>
+  </p:cSld>
+  <p:clrMapOvr>
+    <a:masterClrMapping/>
+  </p:clrMapOvr>
+</p:sld>
+</file>
+
+<file path=ppt/slides/slide12.xml><?xml version="1.0" encoding="utf-8"?>
+<p:sld xmlns:a="http://schemas.openxmlformats.org/drawingml/2006/main" xmlns:r="http://schemas.openxmlformats.org/officeDocument/2006/relationships" xmlns:p="http://schemas.openxmlformats.org/presentationml/2006/main">
+  <p:cSld>
+    <p:spTree>
+      <p:nvGrpSpPr>
+        <p:cNvPr id="1" name="">
+          <a:extLst>
+            <a:ext uri="{FF2B5EF4-FFF2-40B4-BE49-F238E27FC236}">
+              <a16:creationId xmlns:a16="http://schemas.microsoft.com/office/drawing/2014/main" id="{45AAAD91-E308-A9EA-0F96-7FBE5367BF79}"/>
+            </a:ext>
+          </a:extLst>
+        </p:cNvPr>
+        <p:cNvGrpSpPr/>
+        <p:nvPr/>
+      </p:nvGrpSpPr>
+      <p:grpSpPr>
+        <a:xfrm>
+          <a:off x="0" y="0"/>
+          <a:ext cx="0" cy="0"/>
+          <a:chOff x="0" y="0"/>
+          <a:chExt cx="0" cy="0"/>
+        </a:xfrm>
+      </p:grpSpPr>
+      <p:sp>
+        <p:nvSpPr>
+          <p:cNvPr id="4" name="직사각형 3">
+            <a:extLst>
+              <a:ext uri="{FF2B5EF4-FFF2-40B4-BE49-F238E27FC236}">
+                <a16:creationId xmlns:a16="http://schemas.microsoft.com/office/drawing/2014/main" id="{43510083-0009-9D68-D109-9A462FBAAA16}"/>
+              </a:ext>
+            </a:extLst>
+          </p:cNvPr>
+          <p:cNvSpPr/>
+          <p:nvPr/>
+        </p:nvSpPr>
+        <p:spPr>
+          <a:xfrm>
+            <a:off x="4202544" y="163944"/>
+            <a:ext cx="2650837" cy="6440056"/>
+          </a:xfrm>
+          <a:prstGeom prst="rect">
+            <a:avLst/>
+          </a:prstGeom>
+          <a:solidFill>
+            <a:schemeClr val="bg2">
+              <a:lumMod val="90000"/>
+            </a:schemeClr>
+          </a:solidFill>
+        </p:spPr>
+        <p:style>
+          <a:lnRef idx="2">
+            <a:schemeClr val="accent1">
+              <a:shade val="15000"/>
+            </a:schemeClr>
+          </a:lnRef>
+          <a:fillRef idx="1">
+            <a:schemeClr val="accent1"/>
+          </a:fillRef>
+          <a:effectRef idx="0">
+            <a:schemeClr val="accent1"/>
+          </a:effectRef>
+          <a:fontRef idx="minor">
+            <a:schemeClr val="lt1"/>
+          </a:fontRef>
+        </p:style>
+        <p:txBody>
+          <a:bodyPr rtlCol="0" anchor="ctr"/>
+          <a:lstStyle/>
+          <a:p>
+            <a:pPr algn="ctr"/>
+            <a:endParaRPr lang="ko-KR" altLang="en-US"/>
+          </a:p>
+        </p:txBody>
+      </p:sp>
+      <p:sp>
+        <p:nvSpPr>
+          <p:cNvPr id="5" name="TextBox 4">
+            <a:hlinkClick r:id="rId2" action="ppaction://hlinksldjump"/>
+            <a:extLst>
+              <a:ext uri="{FF2B5EF4-FFF2-40B4-BE49-F238E27FC236}">
+                <a16:creationId xmlns:a16="http://schemas.microsoft.com/office/drawing/2014/main" id="{3618ABFA-90C3-5104-AA87-17AE3169940D}"/>
+              </a:ext>
+            </a:extLst>
+          </p:cNvPr>
+          <p:cNvSpPr txBox="1"/>
+          <p:nvPr/>
+        </p:nvSpPr>
+        <p:spPr>
+          <a:xfrm>
+            <a:off x="7020264" y="6093569"/>
+            <a:ext cx="1895071" cy="369332"/>
+          </a:xfrm>
+          <a:prstGeom prst="rect">
+            <a:avLst/>
+          </a:prstGeom>
+          <a:noFill/>
+        </p:spPr>
+        <p:txBody>
+          <a:bodyPr wrap="none" rtlCol="0">
+            <a:spAutoFit/>
+          </a:bodyPr>
+          <a:lstStyle/>
+          <a:p>
+            <a:r>
+              <a:rPr lang="ko-KR" altLang="en-US" dirty="0"/>
+              <a:t>사다리</a:t>
+            </a:r>
+            <a:r>
+              <a:rPr lang="en-US" altLang="ko-KR" dirty="0"/>
+              <a:t>+ </a:t>
+            </a:r>
+            <a:r>
+              <a:rPr lang="ko-KR" altLang="en-US" dirty="0" err="1"/>
+              <a:t>뾰족</a:t>
+            </a:r>
+            <a:r>
+              <a:rPr lang="ko-KR" altLang="en-US" dirty="0"/>
+              <a:t> 덫</a:t>
+            </a:r>
+          </a:p>
+        </p:txBody>
+      </p:sp>
+      <p:sp>
+        <p:nvSpPr>
+          <p:cNvPr id="6" name="TextBox 5">
+            <a:hlinkClick r:id="rId3" action="ppaction://hlinksldjump"/>
+            <a:extLst>
+              <a:ext uri="{FF2B5EF4-FFF2-40B4-BE49-F238E27FC236}">
+                <a16:creationId xmlns:a16="http://schemas.microsoft.com/office/drawing/2014/main" id="{C7C5119E-EE86-5804-6AE3-6FB260DD07D9}"/>
+              </a:ext>
+            </a:extLst>
+          </p:cNvPr>
+          <p:cNvSpPr txBox="1"/>
+          <p:nvPr/>
+        </p:nvSpPr>
+        <p:spPr>
+          <a:xfrm>
+            <a:off x="1324454" y="5458635"/>
+            <a:ext cx="2507418" cy="369332"/>
+          </a:xfrm>
+          <a:prstGeom prst="rect">
+            <a:avLst/>
+          </a:prstGeom>
+          <a:noFill/>
+        </p:spPr>
+        <p:txBody>
+          <a:bodyPr wrap="none" rtlCol="0">
+            <a:spAutoFit/>
+          </a:bodyPr>
+          <a:lstStyle/>
+          <a:p>
+            <a:r>
+              <a:rPr lang="ko-KR" altLang="en-US" dirty="0"/>
+              <a:t>여러가지 소품 점프 맵</a:t>
+            </a:r>
+            <a:endParaRPr lang="en-US" altLang="ko-KR" dirty="0"/>
+          </a:p>
+        </p:txBody>
+      </p:sp>
+      <p:sp>
+        <p:nvSpPr>
+          <p:cNvPr id="7" name="TextBox 6">
+            <a:hlinkClick r:id="rId4" action="ppaction://hlinksldjump"/>
+            <a:extLst>
+              <a:ext uri="{FF2B5EF4-FFF2-40B4-BE49-F238E27FC236}">
+                <a16:creationId xmlns:a16="http://schemas.microsoft.com/office/drawing/2014/main" id="{37500BAA-F51E-1F87-A681-195150D2ED03}"/>
+              </a:ext>
+            </a:extLst>
+          </p:cNvPr>
+          <p:cNvSpPr txBox="1"/>
+          <p:nvPr/>
+        </p:nvSpPr>
+        <p:spPr>
+          <a:xfrm>
+            <a:off x="1440870" y="4729883"/>
+            <a:ext cx="2657073" cy="369332"/>
+          </a:xfrm>
+          <a:prstGeom prst="rect">
+            <a:avLst/>
+          </a:prstGeom>
+          <a:noFill/>
+        </p:spPr>
+        <p:txBody>
+          <a:bodyPr wrap="square" rtlCol="0">
+            <a:spAutoFit/>
+          </a:bodyPr>
+          <a:lstStyle/>
+          <a:p>
+            <a:r>
+              <a:rPr lang="ko-KR" altLang="en-US" dirty="0"/>
+              <a:t>더 얇은 나무통 점프 맵</a:t>
+            </a:r>
+          </a:p>
+        </p:txBody>
+      </p:sp>
+      <p:sp>
+        <p:nvSpPr>
+          <p:cNvPr id="8" name="TextBox 7">
+            <a:hlinkClick r:id="rId5" action="ppaction://hlinksldjump"/>
+            <a:extLst>
+              <a:ext uri="{FF2B5EF4-FFF2-40B4-BE49-F238E27FC236}">
+                <a16:creationId xmlns:a16="http://schemas.microsoft.com/office/drawing/2014/main" id="{0CDAEBF8-51A3-185D-773B-D73E45834A02}"/>
+              </a:ext>
+            </a:extLst>
+          </p:cNvPr>
+          <p:cNvSpPr txBox="1"/>
+          <p:nvPr/>
+        </p:nvSpPr>
+        <p:spPr>
+          <a:xfrm>
+            <a:off x="7963641" y="3776722"/>
+            <a:ext cx="1651414" cy="369332"/>
+          </a:xfrm>
+          <a:prstGeom prst="rect">
+            <a:avLst/>
+          </a:prstGeom>
+          <a:noFill/>
+        </p:spPr>
+        <p:txBody>
+          <a:bodyPr wrap="none" rtlCol="0">
+            <a:spAutoFit/>
+          </a:bodyPr>
+          <a:lstStyle/>
+          <a:p>
+            <a:r>
+              <a:rPr lang="ko-KR" altLang="en-US" dirty="0"/>
+              <a:t>사라지는 발판</a:t>
+            </a:r>
+          </a:p>
+        </p:txBody>
+      </p:sp>
+      <p:sp>
+        <p:nvSpPr>
+          <p:cNvPr id="9" name="TextBox 8">
+            <a:hlinkClick r:id="rId6" action="ppaction://hlinksldjump"/>
+            <a:extLst>
+              <a:ext uri="{FF2B5EF4-FFF2-40B4-BE49-F238E27FC236}">
+                <a16:creationId xmlns:a16="http://schemas.microsoft.com/office/drawing/2014/main" id="{AF5C79EB-FC97-4255-2561-3FE70FFC0F58}"/>
+              </a:ext>
+            </a:extLst>
+          </p:cNvPr>
+          <p:cNvSpPr txBox="1"/>
+          <p:nvPr/>
+        </p:nvSpPr>
+        <p:spPr>
+          <a:xfrm>
+            <a:off x="2167500" y="2650046"/>
+            <a:ext cx="1733167" cy="369332"/>
+          </a:xfrm>
+          <a:prstGeom prst="rect">
+            <a:avLst/>
+          </a:prstGeom>
+          <a:noFill/>
+        </p:spPr>
+        <p:txBody>
+          <a:bodyPr wrap="none" rtlCol="0">
+            <a:spAutoFit/>
+          </a:bodyPr>
+          <a:lstStyle/>
+          <a:p>
+            <a:r>
+              <a:rPr lang="ko-KR" altLang="en-US" dirty="0"/>
+              <a:t>턱이 높은 계단</a:t>
+            </a:r>
+            <a:endParaRPr lang="en-US" altLang="ko-KR" dirty="0"/>
+          </a:p>
+        </p:txBody>
+      </p:sp>
+      <p:sp>
+        <p:nvSpPr>
+          <p:cNvPr id="10" name="TextBox 9">
+            <a:hlinkClick r:id="rId7" action="ppaction://hlinksldjump"/>
+            <a:extLst>
+              <a:ext uri="{FF2B5EF4-FFF2-40B4-BE49-F238E27FC236}">
+                <a16:creationId xmlns:a16="http://schemas.microsoft.com/office/drawing/2014/main" id="{EF7A2397-EEF6-D9BC-806D-F6541A236DB0}"/>
+              </a:ext>
+            </a:extLst>
+          </p:cNvPr>
+          <p:cNvSpPr txBox="1"/>
+          <p:nvPr/>
+        </p:nvSpPr>
+        <p:spPr>
+          <a:xfrm>
+            <a:off x="1855643" y="1829924"/>
+            <a:ext cx="2358338" cy="369332"/>
+          </a:xfrm>
+          <a:prstGeom prst="rect">
+            <a:avLst/>
+          </a:prstGeom>
+          <a:noFill/>
+        </p:spPr>
+        <p:txBody>
+          <a:bodyPr wrap="none" rtlCol="0">
+            <a:spAutoFit/>
+          </a:bodyPr>
+          <a:lstStyle/>
+          <a:p>
+            <a:r>
+              <a:rPr lang="ko-KR" altLang="en-US" dirty="0"/>
+              <a:t>얇은 돌 발판 점프 맵</a:t>
+            </a:r>
+          </a:p>
+        </p:txBody>
+      </p:sp>
+      <p:sp>
+        <p:nvSpPr>
+          <p:cNvPr id="12" name="TextBox 11">
+            <a:hlinkClick r:id="rId8" action="ppaction://hlinksldjump"/>
+            <a:extLst>
+              <a:ext uri="{FF2B5EF4-FFF2-40B4-BE49-F238E27FC236}">
+                <a16:creationId xmlns:a16="http://schemas.microsoft.com/office/drawing/2014/main" id="{7DCB1AC6-80D1-E3EA-CCDB-B161636C5B69}"/>
+              </a:ext>
+            </a:extLst>
+          </p:cNvPr>
+          <p:cNvSpPr txBox="1"/>
+          <p:nvPr/>
+        </p:nvSpPr>
+        <p:spPr>
+          <a:xfrm>
+            <a:off x="6941982" y="1132783"/>
+            <a:ext cx="1921164" cy="369332"/>
+          </a:xfrm>
+          <a:prstGeom prst="rect">
+            <a:avLst/>
+          </a:prstGeom>
+          <a:noFill/>
+        </p:spPr>
+        <p:txBody>
+          <a:bodyPr wrap="square">
+            <a:spAutoFit/>
+          </a:bodyPr>
+          <a:lstStyle/>
+          <a:p>
+            <a:r>
+              <a:rPr lang="ko-KR" altLang="en-US" dirty="0"/>
+              <a:t>대포 구간</a:t>
+            </a:r>
+            <a:endParaRPr lang="en-US" altLang="ko-KR" dirty="0"/>
+          </a:p>
+        </p:txBody>
+      </p:sp>
+      <p:sp>
+        <p:nvSpPr>
+          <p:cNvPr id="13" name="화살표: 오른쪽 12">
+            <a:extLst>
+              <a:ext uri="{FF2B5EF4-FFF2-40B4-BE49-F238E27FC236}">
+                <a16:creationId xmlns:a16="http://schemas.microsoft.com/office/drawing/2014/main" id="{0DD7F7C0-1D0F-C3B5-8261-17A38C6B2258}"/>
+              </a:ext>
+            </a:extLst>
+          </p:cNvPr>
+          <p:cNvSpPr/>
+          <p:nvPr/>
+        </p:nvSpPr>
+        <p:spPr>
+          <a:xfrm>
+            <a:off x="4260516" y="5474674"/>
+            <a:ext cx="711443" cy="302550"/>
+          </a:xfrm>
+          <a:prstGeom prst="rightArrow">
+            <a:avLst/>
+          </a:prstGeom>
+          <a:solidFill>
+            <a:schemeClr val="tx1">
+              <a:lumMod val="50000"/>
+              <a:lumOff val="50000"/>
+            </a:schemeClr>
+          </a:solidFill>
+        </p:spPr>
+        <p:style>
+          <a:lnRef idx="2">
+            <a:schemeClr val="accent1">
+              <a:shade val="15000"/>
+            </a:schemeClr>
+          </a:lnRef>
+          <a:fillRef idx="1">
+            <a:schemeClr val="accent1"/>
+          </a:fillRef>
+          <a:effectRef idx="0">
+            <a:schemeClr val="accent1"/>
+          </a:effectRef>
+          <a:fontRef idx="minor">
+            <a:schemeClr val="lt1"/>
+          </a:fontRef>
+        </p:style>
+        <p:txBody>
+          <a:bodyPr rtlCol="0" anchor="ctr"/>
+          <a:lstStyle/>
+          <a:p>
+            <a:pPr algn="ctr"/>
+            <a:endParaRPr lang="ko-KR" altLang="en-US"/>
+          </a:p>
+        </p:txBody>
+      </p:sp>
+      <p:sp>
+        <p:nvSpPr>
+          <p:cNvPr id="14" name="화살표: 오른쪽 13">
+            <a:extLst>
+              <a:ext uri="{FF2B5EF4-FFF2-40B4-BE49-F238E27FC236}">
+                <a16:creationId xmlns:a16="http://schemas.microsoft.com/office/drawing/2014/main" id="{90C87923-7C4D-AD62-16CD-352D8E287482}"/>
+              </a:ext>
+            </a:extLst>
+          </p:cNvPr>
+          <p:cNvSpPr/>
+          <p:nvPr/>
+        </p:nvSpPr>
+        <p:spPr>
+          <a:xfrm rot="10800000">
+            <a:off x="6142179" y="6144650"/>
+            <a:ext cx="711443" cy="284859"/>
+          </a:xfrm>
+          <a:prstGeom prst="rightArrow">
+            <a:avLst/>
+          </a:prstGeom>
+          <a:solidFill>
+            <a:schemeClr val="tx1">
+              <a:lumMod val="50000"/>
+              <a:lumOff val="50000"/>
+            </a:schemeClr>
+          </a:solidFill>
+        </p:spPr>
+        <p:style>
+          <a:lnRef idx="2">
+            <a:schemeClr val="accent1">
+              <a:shade val="15000"/>
+            </a:schemeClr>
+          </a:lnRef>
+          <a:fillRef idx="1">
+            <a:schemeClr val="accent1"/>
+          </a:fillRef>
+          <a:effectRef idx="0">
+            <a:schemeClr val="accent1"/>
+          </a:effectRef>
+          <a:fontRef idx="minor">
+            <a:schemeClr val="lt1"/>
+          </a:fontRef>
+        </p:style>
+        <p:txBody>
+          <a:bodyPr rtlCol="0" anchor="ctr"/>
+          <a:lstStyle/>
+          <a:p>
+            <a:pPr algn="ctr"/>
+            <a:endParaRPr lang="ko-KR" altLang="en-US" dirty="0"/>
+          </a:p>
+        </p:txBody>
+      </p:sp>
+      <p:sp>
+        <p:nvSpPr>
+          <p:cNvPr id="15" name="화살표: 오른쪽 14">
+            <a:extLst>
+              <a:ext uri="{FF2B5EF4-FFF2-40B4-BE49-F238E27FC236}">
+                <a16:creationId xmlns:a16="http://schemas.microsoft.com/office/drawing/2014/main" id="{E43EEB9C-CE00-3808-C7BC-C7C44F183789}"/>
+              </a:ext>
+            </a:extLst>
+          </p:cNvPr>
+          <p:cNvSpPr/>
+          <p:nvPr/>
+        </p:nvSpPr>
+        <p:spPr>
+          <a:xfrm>
+            <a:off x="4358663" y="2683437"/>
+            <a:ext cx="711443" cy="302550"/>
+          </a:xfrm>
+          <a:prstGeom prst="rightArrow">
+            <a:avLst/>
+          </a:prstGeom>
+          <a:solidFill>
+            <a:schemeClr val="tx1">
+              <a:lumMod val="50000"/>
+              <a:lumOff val="50000"/>
+            </a:schemeClr>
+          </a:solidFill>
+        </p:spPr>
+        <p:style>
+          <a:lnRef idx="2">
+            <a:schemeClr val="accent1">
+              <a:shade val="15000"/>
+            </a:schemeClr>
+          </a:lnRef>
+          <a:fillRef idx="1">
+            <a:schemeClr val="accent1"/>
+          </a:fillRef>
+          <a:effectRef idx="0">
+            <a:schemeClr val="accent1"/>
+          </a:effectRef>
+          <a:fontRef idx="minor">
+            <a:schemeClr val="lt1"/>
+          </a:fontRef>
+        </p:style>
+        <p:txBody>
+          <a:bodyPr rtlCol="0" anchor="ctr"/>
+          <a:lstStyle/>
+          <a:p>
+            <a:pPr algn="ctr"/>
+            <a:endParaRPr lang="ko-KR" altLang="en-US"/>
+          </a:p>
+        </p:txBody>
+      </p:sp>
+      <p:sp>
+        <p:nvSpPr>
+          <p:cNvPr id="17" name="화살표: 오른쪽 16">
+            <a:extLst>
+              <a:ext uri="{FF2B5EF4-FFF2-40B4-BE49-F238E27FC236}">
+                <a16:creationId xmlns:a16="http://schemas.microsoft.com/office/drawing/2014/main" id="{1BDDAFFA-878C-277F-EE8D-B4332448D62F}"/>
+              </a:ext>
+            </a:extLst>
+          </p:cNvPr>
+          <p:cNvSpPr/>
+          <p:nvPr/>
+        </p:nvSpPr>
+        <p:spPr>
+          <a:xfrm>
+            <a:off x="4249824" y="4729883"/>
+            <a:ext cx="711443" cy="283851"/>
+          </a:xfrm>
+          <a:prstGeom prst="rightArrow">
+            <a:avLst/>
+          </a:prstGeom>
+          <a:solidFill>
+            <a:schemeClr val="tx1">
+              <a:lumMod val="50000"/>
+              <a:lumOff val="50000"/>
+            </a:schemeClr>
+          </a:solidFill>
+        </p:spPr>
+        <p:style>
+          <a:lnRef idx="2">
+            <a:schemeClr val="accent1">
+              <a:shade val="15000"/>
+            </a:schemeClr>
+          </a:lnRef>
+          <a:fillRef idx="1">
+            <a:schemeClr val="accent1"/>
+          </a:fillRef>
+          <a:effectRef idx="0">
+            <a:schemeClr val="accent1"/>
+          </a:effectRef>
+          <a:fontRef idx="minor">
+            <a:schemeClr val="lt1"/>
+          </a:fontRef>
+        </p:style>
+        <p:txBody>
+          <a:bodyPr rtlCol="0" anchor="ctr"/>
+          <a:lstStyle/>
+          <a:p>
+            <a:pPr algn="ctr"/>
+            <a:endParaRPr lang="ko-KR" altLang="en-US"/>
+          </a:p>
+        </p:txBody>
+      </p:sp>
+      <p:sp>
+        <p:nvSpPr>
+          <p:cNvPr id="18" name="화살표: 오른쪽 17">
+            <a:extLst>
+              <a:ext uri="{FF2B5EF4-FFF2-40B4-BE49-F238E27FC236}">
+                <a16:creationId xmlns:a16="http://schemas.microsoft.com/office/drawing/2014/main" id="{E71CB22B-101B-3449-F2AB-E9068715666A}"/>
+              </a:ext>
+            </a:extLst>
+          </p:cNvPr>
+          <p:cNvSpPr/>
+          <p:nvPr/>
+        </p:nvSpPr>
+        <p:spPr>
+          <a:xfrm rot="10800000">
+            <a:off x="7077137" y="3818960"/>
+            <a:ext cx="711443" cy="284856"/>
+          </a:xfrm>
+          <a:prstGeom prst="rightArrow">
+            <a:avLst/>
+          </a:prstGeom>
+          <a:solidFill>
+            <a:schemeClr val="tx1">
+              <a:lumMod val="50000"/>
+              <a:lumOff val="50000"/>
+            </a:schemeClr>
+          </a:solidFill>
+        </p:spPr>
+        <p:style>
+          <a:lnRef idx="2">
+            <a:schemeClr val="accent1">
+              <a:shade val="15000"/>
+            </a:schemeClr>
+          </a:lnRef>
+          <a:fillRef idx="1">
+            <a:schemeClr val="accent1"/>
+          </a:fillRef>
+          <a:effectRef idx="0">
+            <a:schemeClr val="accent1"/>
+          </a:effectRef>
+          <a:fontRef idx="minor">
+            <a:schemeClr val="lt1"/>
+          </a:fontRef>
+        </p:style>
+        <p:txBody>
+          <a:bodyPr rtlCol="0" anchor="ctr"/>
+          <a:lstStyle/>
+          <a:p>
+            <a:pPr algn="ctr"/>
+            <a:endParaRPr lang="ko-KR" altLang="en-US" dirty="0"/>
+          </a:p>
+        </p:txBody>
+      </p:sp>
+      <p:sp>
+        <p:nvSpPr>
+          <p:cNvPr id="19" name="화살표: 오른쪽 18">
+            <a:extLst>
+              <a:ext uri="{FF2B5EF4-FFF2-40B4-BE49-F238E27FC236}">
+                <a16:creationId xmlns:a16="http://schemas.microsoft.com/office/drawing/2014/main" id="{F25F1238-1884-3788-6CDF-802F812E6AEE}"/>
+              </a:ext>
+            </a:extLst>
+          </p:cNvPr>
+          <p:cNvSpPr/>
+          <p:nvPr/>
+        </p:nvSpPr>
+        <p:spPr>
+          <a:xfrm rot="10800000">
+            <a:off x="6127477" y="1157739"/>
+            <a:ext cx="711443" cy="302551"/>
+          </a:xfrm>
+          <a:prstGeom prst="rightArrow">
+            <a:avLst/>
+          </a:prstGeom>
+          <a:solidFill>
+            <a:schemeClr val="tx1">
+              <a:lumMod val="50000"/>
+              <a:lumOff val="50000"/>
+            </a:schemeClr>
+          </a:solidFill>
+        </p:spPr>
+        <p:style>
+          <a:lnRef idx="2">
+            <a:schemeClr val="accent1">
+              <a:shade val="15000"/>
+            </a:schemeClr>
+          </a:lnRef>
+          <a:fillRef idx="1">
+            <a:schemeClr val="accent1"/>
+          </a:fillRef>
+          <a:effectRef idx="0">
+            <a:schemeClr val="accent1"/>
+          </a:effectRef>
+          <a:fontRef idx="minor">
+            <a:schemeClr val="lt1"/>
+          </a:fontRef>
+        </p:style>
+        <p:txBody>
+          <a:bodyPr rtlCol="0" anchor="ctr"/>
+          <a:lstStyle/>
+          <a:p>
+            <a:pPr algn="ctr"/>
+            <a:endParaRPr lang="ko-KR" altLang="en-US"/>
+          </a:p>
+        </p:txBody>
+      </p:sp>
+      <p:sp>
+        <p:nvSpPr>
+          <p:cNvPr id="20" name="직사각형 19">
+            <a:extLst>
+              <a:ext uri="{FF2B5EF4-FFF2-40B4-BE49-F238E27FC236}">
+                <a16:creationId xmlns:a16="http://schemas.microsoft.com/office/drawing/2014/main" id="{3F0D946D-DDA4-2CB6-99CA-E55DD80E4E46}"/>
+              </a:ext>
+            </a:extLst>
+          </p:cNvPr>
+          <p:cNvSpPr/>
+          <p:nvPr/>
+        </p:nvSpPr>
+        <p:spPr>
+          <a:xfrm>
+            <a:off x="5400603" y="6093569"/>
+            <a:ext cx="392010" cy="369332"/>
+          </a:xfrm>
+          <a:prstGeom prst="rect">
+            <a:avLst/>
+          </a:prstGeom>
+          <a:solidFill>
+            <a:schemeClr val="bg1"/>
+          </a:solidFill>
+        </p:spPr>
+        <p:style>
+          <a:lnRef idx="2">
+            <a:schemeClr val="accent1">
+              <a:shade val="15000"/>
+            </a:schemeClr>
+          </a:lnRef>
+          <a:fillRef idx="1">
+            <a:schemeClr val="accent1"/>
+          </a:fillRef>
+          <a:effectRef idx="0">
+            <a:schemeClr val="accent1"/>
+          </a:effectRef>
+          <a:fontRef idx="minor">
+            <a:schemeClr val="lt1"/>
+          </a:fontRef>
+        </p:style>
+        <p:txBody>
+          <a:bodyPr rtlCol="0" anchor="ctr"/>
+          <a:lstStyle/>
+          <a:p>
+            <a:pPr algn="ctr"/>
+            <a:endParaRPr lang="ko-KR" altLang="en-US"/>
+          </a:p>
+        </p:txBody>
+      </p:sp>
+      <p:sp>
+        <p:nvSpPr>
+          <p:cNvPr id="22" name="직사각형 21">
+            <a:extLst>
+              <a:ext uri="{FF2B5EF4-FFF2-40B4-BE49-F238E27FC236}">
+                <a16:creationId xmlns:a16="http://schemas.microsoft.com/office/drawing/2014/main" id="{24790D1A-7112-D98E-7908-3B812A4DADAA}"/>
+              </a:ext>
+            </a:extLst>
+          </p:cNvPr>
+          <p:cNvSpPr/>
+          <p:nvPr/>
+        </p:nvSpPr>
+        <p:spPr>
+          <a:xfrm>
+            <a:off x="5400603" y="5485185"/>
+            <a:ext cx="392010" cy="369332"/>
+          </a:xfrm>
+          <a:prstGeom prst="rect">
+            <a:avLst/>
+          </a:prstGeom>
+          <a:solidFill>
+            <a:schemeClr val="bg1"/>
+          </a:solidFill>
+        </p:spPr>
+        <p:style>
+          <a:lnRef idx="2">
+            <a:schemeClr val="accent1">
+              <a:shade val="15000"/>
+            </a:schemeClr>
+          </a:lnRef>
+          <a:fillRef idx="1">
+            <a:schemeClr val="accent1"/>
+          </a:fillRef>
+          <a:effectRef idx="0">
+            <a:schemeClr val="accent1"/>
+          </a:effectRef>
+          <a:fontRef idx="minor">
+            <a:schemeClr val="lt1"/>
+          </a:fontRef>
+        </p:style>
+        <p:txBody>
+          <a:bodyPr rtlCol="0" anchor="ctr"/>
+          <a:lstStyle/>
+          <a:p>
+            <a:pPr algn="ctr"/>
+            <a:endParaRPr lang="ko-KR" altLang="en-US"/>
+          </a:p>
+        </p:txBody>
+      </p:sp>
+      <p:sp>
+        <p:nvSpPr>
+          <p:cNvPr id="24" name="화살표: 오른쪽 23">
+            <a:extLst>
+              <a:ext uri="{FF2B5EF4-FFF2-40B4-BE49-F238E27FC236}">
+                <a16:creationId xmlns:a16="http://schemas.microsoft.com/office/drawing/2014/main" id="{C06D2935-84A3-25D1-CC4B-41C7C58C12C2}"/>
+              </a:ext>
+            </a:extLst>
+          </p:cNvPr>
+          <p:cNvSpPr/>
+          <p:nvPr/>
+        </p:nvSpPr>
+        <p:spPr>
+          <a:xfrm rot="16200000">
+            <a:off x="5745085" y="5918729"/>
+            <a:ext cx="492419" cy="209408"/>
+          </a:xfrm>
+          <a:prstGeom prst="rightArrow">
+            <a:avLst/>
+          </a:prstGeom>
+          <a:solidFill>
+            <a:schemeClr val="accent1">
+              <a:lumMod val="20000"/>
+              <a:lumOff val="80000"/>
+            </a:schemeClr>
+          </a:solidFill>
+        </p:spPr>
+        <p:style>
+          <a:lnRef idx="2">
+            <a:schemeClr val="accent1">
+              <a:shade val="15000"/>
+            </a:schemeClr>
+          </a:lnRef>
+          <a:fillRef idx="1">
+            <a:schemeClr val="accent1"/>
+          </a:fillRef>
+          <a:effectRef idx="0">
+            <a:schemeClr val="accent1"/>
+          </a:effectRef>
+          <a:fontRef idx="minor">
+            <a:schemeClr val="lt1"/>
+          </a:fontRef>
+        </p:style>
+        <p:txBody>
+          <a:bodyPr rtlCol="0" anchor="ctr"/>
+          <a:lstStyle/>
+          <a:p>
+            <a:pPr algn="ctr"/>
+            <a:endParaRPr lang="ko-KR" altLang="en-US"/>
+          </a:p>
+        </p:txBody>
+      </p:sp>
+      <p:sp>
+        <p:nvSpPr>
+          <p:cNvPr id="25" name="화살표: 오른쪽 24">
+            <a:extLst>
+              <a:ext uri="{FF2B5EF4-FFF2-40B4-BE49-F238E27FC236}">
+                <a16:creationId xmlns:a16="http://schemas.microsoft.com/office/drawing/2014/main" id="{05167935-5668-4F9B-022A-3242CE53AE03}"/>
+              </a:ext>
+            </a:extLst>
+          </p:cNvPr>
+          <p:cNvSpPr/>
+          <p:nvPr/>
+        </p:nvSpPr>
+        <p:spPr>
+          <a:xfrm rot="16200000">
+            <a:off x="5778125" y="2195525"/>
+            <a:ext cx="492419" cy="209408"/>
+          </a:xfrm>
+          <a:prstGeom prst="rightArrow">
+            <a:avLst/>
+          </a:prstGeom>
+          <a:solidFill>
+            <a:schemeClr val="accent1">
+              <a:lumMod val="20000"/>
+              <a:lumOff val="80000"/>
+            </a:schemeClr>
+          </a:solidFill>
+        </p:spPr>
+        <p:style>
+          <a:lnRef idx="2">
+            <a:schemeClr val="accent1">
+              <a:shade val="15000"/>
+            </a:schemeClr>
+          </a:lnRef>
+          <a:fillRef idx="1">
+            <a:schemeClr val="accent1"/>
+          </a:fillRef>
+          <a:effectRef idx="0">
+            <a:schemeClr val="accent1"/>
+          </a:effectRef>
+          <a:fontRef idx="minor">
+            <a:schemeClr val="lt1"/>
+          </a:fontRef>
+        </p:style>
+        <p:txBody>
+          <a:bodyPr rtlCol="0" anchor="ctr"/>
+          <a:lstStyle/>
+          <a:p>
+            <a:pPr algn="ctr"/>
+            <a:endParaRPr lang="ko-KR" altLang="en-US"/>
+          </a:p>
+        </p:txBody>
+      </p:sp>
+      <p:sp>
+        <p:nvSpPr>
+          <p:cNvPr id="26" name="직사각형 25">
+            <a:extLst>
+              <a:ext uri="{FF2B5EF4-FFF2-40B4-BE49-F238E27FC236}">
+                <a16:creationId xmlns:a16="http://schemas.microsoft.com/office/drawing/2014/main" id="{B80B2EEF-9C5B-1CD3-1834-09E1EA170F6E}"/>
+              </a:ext>
+            </a:extLst>
+          </p:cNvPr>
+          <p:cNvSpPr/>
+          <p:nvPr/>
+        </p:nvSpPr>
+        <p:spPr>
+          <a:xfrm>
+            <a:off x="5403775" y="4729884"/>
+            <a:ext cx="392010" cy="369332"/>
+          </a:xfrm>
+          <a:prstGeom prst="rect">
+            <a:avLst/>
+          </a:prstGeom>
+          <a:solidFill>
+            <a:schemeClr val="bg1"/>
+          </a:solidFill>
+        </p:spPr>
+        <p:style>
+          <a:lnRef idx="2">
+            <a:schemeClr val="accent1">
+              <a:shade val="15000"/>
+            </a:schemeClr>
+          </a:lnRef>
+          <a:fillRef idx="1">
+            <a:schemeClr val="accent1"/>
+          </a:fillRef>
+          <a:effectRef idx="0">
+            <a:schemeClr val="accent1"/>
+          </a:effectRef>
+          <a:fontRef idx="minor">
+            <a:schemeClr val="lt1"/>
+          </a:fontRef>
+        </p:style>
+        <p:txBody>
+          <a:bodyPr rtlCol="0" anchor="ctr"/>
+          <a:lstStyle/>
+          <a:p>
+            <a:pPr algn="ctr"/>
+            <a:endParaRPr lang="ko-KR" altLang="en-US"/>
+          </a:p>
+        </p:txBody>
+      </p:sp>
+      <p:sp>
+        <p:nvSpPr>
+          <p:cNvPr id="27" name="화살표: 오른쪽 26">
+            <a:extLst>
+              <a:ext uri="{FF2B5EF4-FFF2-40B4-BE49-F238E27FC236}">
+                <a16:creationId xmlns:a16="http://schemas.microsoft.com/office/drawing/2014/main" id="{EFD55415-00BD-1685-0CC5-1331770B9D0B}"/>
+              </a:ext>
+            </a:extLst>
+          </p:cNvPr>
+          <p:cNvSpPr/>
+          <p:nvPr/>
+        </p:nvSpPr>
+        <p:spPr>
+          <a:xfrm rot="16200000">
+            <a:off x="5755355" y="5155240"/>
+            <a:ext cx="492419" cy="209408"/>
+          </a:xfrm>
+          <a:prstGeom prst="rightArrow">
+            <a:avLst/>
+          </a:prstGeom>
+          <a:solidFill>
+            <a:schemeClr val="accent1">
+              <a:lumMod val="20000"/>
+              <a:lumOff val="80000"/>
+            </a:schemeClr>
+          </a:solidFill>
+        </p:spPr>
+        <p:style>
+          <a:lnRef idx="2">
+            <a:schemeClr val="accent1">
+              <a:shade val="15000"/>
+            </a:schemeClr>
+          </a:lnRef>
+          <a:fillRef idx="1">
+            <a:schemeClr val="accent1"/>
+          </a:fillRef>
+          <a:effectRef idx="0">
+            <a:schemeClr val="accent1"/>
+          </a:effectRef>
+          <a:fontRef idx="minor">
+            <a:schemeClr val="lt1"/>
+          </a:fontRef>
+        </p:style>
+        <p:txBody>
+          <a:bodyPr rtlCol="0" anchor="ctr"/>
+          <a:lstStyle/>
+          <a:p>
+            <a:pPr algn="ctr"/>
+            <a:endParaRPr lang="ko-KR" altLang="en-US"/>
+          </a:p>
+        </p:txBody>
+      </p:sp>
+      <p:sp>
+        <p:nvSpPr>
+          <p:cNvPr id="28" name="직사각형 27">
+            <a:extLst>
+              <a:ext uri="{FF2B5EF4-FFF2-40B4-BE49-F238E27FC236}">
+                <a16:creationId xmlns:a16="http://schemas.microsoft.com/office/drawing/2014/main" id="{F748A17E-9359-3CC4-288A-755A930B9540}"/>
+              </a:ext>
+            </a:extLst>
+          </p:cNvPr>
+          <p:cNvSpPr/>
+          <p:nvPr/>
+        </p:nvSpPr>
+        <p:spPr>
+          <a:xfrm>
+            <a:off x="6223954" y="3776722"/>
+            <a:ext cx="392010" cy="369332"/>
+          </a:xfrm>
+          <a:prstGeom prst="rect">
+            <a:avLst/>
+          </a:prstGeom>
+          <a:solidFill>
+            <a:schemeClr val="bg1"/>
+          </a:solidFill>
+        </p:spPr>
+        <p:style>
+          <a:lnRef idx="2">
+            <a:schemeClr val="accent1">
+              <a:shade val="15000"/>
+            </a:schemeClr>
+          </a:lnRef>
+          <a:fillRef idx="1">
+            <a:schemeClr val="accent1"/>
+          </a:fillRef>
+          <a:effectRef idx="0">
+            <a:schemeClr val="accent1"/>
+          </a:effectRef>
+          <a:fontRef idx="minor">
+            <a:schemeClr val="lt1"/>
+          </a:fontRef>
+        </p:style>
+        <p:txBody>
+          <a:bodyPr rtlCol="0" anchor="ctr"/>
+          <a:lstStyle/>
+          <a:p>
+            <a:pPr algn="ctr"/>
+            <a:endParaRPr lang="ko-KR" altLang="en-US"/>
+          </a:p>
+        </p:txBody>
+      </p:sp>
+      <p:sp>
+        <p:nvSpPr>
+          <p:cNvPr id="30" name="직사각형 29">
+            <a:extLst>
+              <a:ext uri="{FF2B5EF4-FFF2-40B4-BE49-F238E27FC236}">
+                <a16:creationId xmlns:a16="http://schemas.microsoft.com/office/drawing/2014/main" id="{8E795C6C-8CF3-B835-7D42-D1285FC6E9FA}"/>
+              </a:ext>
+            </a:extLst>
+          </p:cNvPr>
+          <p:cNvSpPr/>
+          <p:nvPr/>
+        </p:nvSpPr>
+        <p:spPr>
+          <a:xfrm>
+            <a:off x="5331957" y="2683437"/>
+            <a:ext cx="392010" cy="369332"/>
+          </a:xfrm>
+          <a:prstGeom prst="rect">
+            <a:avLst/>
+          </a:prstGeom>
+          <a:solidFill>
+            <a:schemeClr val="bg1"/>
+          </a:solidFill>
+        </p:spPr>
+        <p:style>
+          <a:lnRef idx="2">
+            <a:schemeClr val="accent1">
+              <a:shade val="15000"/>
+            </a:schemeClr>
+          </a:lnRef>
+          <a:fillRef idx="1">
+            <a:schemeClr val="accent1"/>
+          </a:fillRef>
+          <a:effectRef idx="0">
+            <a:schemeClr val="accent1"/>
+          </a:effectRef>
+          <a:fontRef idx="minor">
+            <a:schemeClr val="lt1"/>
+          </a:fontRef>
+        </p:style>
+        <p:txBody>
+          <a:bodyPr rtlCol="0" anchor="ctr"/>
+          <a:lstStyle/>
+          <a:p>
+            <a:pPr algn="ctr"/>
+            <a:endParaRPr lang="ko-KR" altLang="en-US"/>
+          </a:p>
+        </p:txBody>
+      </p:sp>
+      <p:sp>
+        <p:nvSpPr>
+          <p:cNvPr id="31" name="직사각형 30">
+            <a:extLst>
+              <a:ext uri="{FF2B5EF4-FFF2-40B4-BE49-F238E27FC236}">
+                <a16:creationId xmlns:a16="http://schemas.microsoft.com/office/drawing/2014/main" id="{F5BF7E09-FCD4-E55F-8D81-DB8C2EAA41F3}"/>
+              </a:ext>
+            </a:extLst>
+          </p:cNvPr>
+          <p:cNvSpPr/>
+          <p:nvPr/>
+        </p:nvSpPr>
+        <p:spPr>
+          <a:xfrm>
+            <a:off x="5350882" y="1138888"/>
+            <a:ext cx="392010" cy="369332"/>
+          </a:xfrm>
+          <a:prstGeom prst="rect">
+            <a:avLst/>
+          </a:prstGeom>
+          <a:solidFill>
+            <a:schemeClr val="bg1"/>
+          </a:solidFill>
+        </p:spPr>
+        <p:style>
+          <a:lnRef idx="2">
+            <a:schemeClr val="accent1">
+              <a:shade val="15000"/>
+            </a:schemeClr>
+          </a:lnRef>
+          <a:fillRef idx="1">
+            <a:schemeClr val="accent1"/>
+          </a:fillRef>
+          <a:effectRef idx="0">
+            <a:schemeClr val="accent1"/>
+          </a:effectRef>
+          <a:fontRef idx="minor">
+            <a:schemeClr val="lt1"/>
+          </a:fontRef>
+        </p:style>
+        <p:txBody>
+          <a:bodyPr rtlCol="0" anchor="ctr"/>
+          <a:lstStyle/>
+          <a:p>
+            <a:pPr algn="ctr"/>
+            <a:endParaRPr lang="ko-KR" altLang="en-US"/>
+          </a:p>
+        </p:txBody>
+      </p:sp>
+      <p:sp>
+        <p:nvSpPr>
+          <p:cNvPr id="32" name="직사각형 31">
+            <a:extLst>
+              <a:ext uri="{FF2B5EF4-FFF2-40B4-BE49-F238E27FC236}">
+                <a16:creationId xmlns:a16="http://schemas.microsoft.com/office/drawing/2014/main" id="{AB231432-B23A-BF3E-5383-E11F20A88FBE}"/>
+              </a:ext>
+            </a:extLst>
+          </p:cNvPr>
+          <p:cNvSpPr/>
+          <p:nvPr/>
+        </p:nvSpPr>
+        <p:spPr>
+          <a:xfrm>
+            <a:off x="5350882" y="1884327"/>
+            <a:ext cx="392010" cy="369332"/>
+          </a:xfrm>
+          <a:prstGeom prst="rect">
+            <a:avLst/>
+          </a:prstGeom>
+          <a:solidFill>
+            <a:schemeClr val="bg1"/>
+          </a:solidFill>
+        </p:spPr>
+        <p:style>
+          <a:lnRef idx="2">
+            <a:schemeClr val="accent1">
+              <a:shade val="15000"/>
+            </a:schemeClr>
+          </a:lnRef>
+          <a:fillRef idx="1">
+            <a:schemeClr val="accent1"/>
+          </a:fillRef>
+          <a:effectRef idx="0">
+            <a:schemeClr val="accent1"/>
+          </a:effectRef>
+          <a:fontRef idx="minor">
+            <a:schemeClr val="lt1"/>
+          </a:fontRef>
+        </p:style>
+        <p:txBody>
+          <a:bodyPr rtlCol="0" anchor="ctr"/>
+          <a:lstStyle/>
+          <a:p>
+            <a:pPr algn="ctr"/>
+            <a:endParaRPr lang="ko-KR" altLang="en-US"/>
+          </a:p>
+        </p:txBody>
+      </p:sp>
+      <p:sp>
+        <p:nvSpPr>
+          <p:cNvPr id="34" name="화살표: 오른쪽 33">
+            <a:extLst>
+              <a:ext uri="{FF2B5EF4-FFF2-40B4-BE49-F238E27FC236}">
+                <a16:creationId xmlns:a16="http://schemas.microsoft.com/office/drawing/2014/main" id="{1D402C7A-5DBD-829C-F1B1-B4E6C7C843A3}"/>
+              </a:ext>
+            </a:extLst>
+          </p:cNvPr>
+          <p:cNvSpPr/>
+          <p:nvPr/>
+        </p:nvSpPr>
+        <p:spPr>
+          <a:xfrm rot="18422254">
+            <a:off x="5690205" y="4283799"/>
+            <a:ext cx="492419" cy="209408"/>
+          </a:xfrm>
+          <a:prstGeom prst="rightArrow">
+            <a:avLst/>
+          </a:prstGeom>
+          <a:solidFill>
+            <a:schemeClr val="accent1">
+              <a:lumMod val="20000"/>
+              <a:lumOff val="80000"/>
+            </a:schemeClr>
+          </a:solidFill>
+        </p:spPr>
+        <p:style>
+          <a:lnRef idx="2">
+            <a:schemeClr val="accent1">
+              <a:shade val="15000"/>
+            </a:schemeClr>
+          </a:lnRef>
+          <a:fillRef idx="1">
+            <a:schemeClr val="accent1"/>
+          </a:fillRef>
+          <a:effectRef idx="0">
+            <a:schemeClr val="accent1"/>
+          </a:effectRef>
+          <a:fontRef idx="minor">
+            <a:schemeClr val="lt1"/>
+          </a:fontRef>
+        </p:style>
+        <p:txBody>
+          <a:bodyPr rtlCol="0" anchor="ctr"/>
+          <a:lstStyle/>
+          <a:p>
+            <a:pPr algn="ctr"/>
+            <a:endParaRPr lang="ko-KR" altLang="en-US"/>
+          </a:p>
+        </p:txBody>
+      </p:sp>
+      <p:sp>
+        <p:nvSpPr>
+          <p:cNvPr id="36" name="화살표: 오른쪽 35">
+            <a:extLst>
+              <a:ext uri="{FF2B5EF4-FFF2-40B4-BE49-F238E27FC236}">
+                <a16:creationId xmlns:a16="http://schemas.microsoft.com/office/drawing/2014/main" id="{AB94EEAB-FBE6-D9A7-6822-E4F5B77BB012}"/>
+              </a:ext>
+            </a:extLst>
+          </p:cNvPr>
+          <p:cNvSpPr/>
+          <p:nvPr/>
+        </p:nvSpPr>
+        <p:spPr>
+          <a:xfrm rot="14080204">
+            <a:off x="5668169" y="3438346"/>
+            <a:ext cx="492419" cy="209408"/>
+          </a:xfrm>
+          <a:prstGeom prst="rightArrow">
+            <a:avLst/>
+          </a:prstGeom>
+          <a:solidFill>
+            <a:schemeClr val="accent1">
+              <a:lumMod val="20000"/>
+              <a:lumOff val="80000"/>
+            </a:schemeClr>
+          </a:solidFill>
+        </p:spPr>
+        <p:style>
+          <a:lnRef idx="2">
+            <a:schemeClr val="accent1">
+              <a:shade val="15000"/>
+            </a:schemeClr>
+          </a:lnRef>
+          <a:fillRef idx="1">
+            <a:schemeClr val="accent1"/>
+          </a:fillRef>
+          <a:effectRef idx="0">
+            <a:schemeClr val="accent1"/>
+          </a:effectRef>
+          <a:fontRef idx="minor">
+            <a:schemeClr val="lt1"/>
+          </a:fontRef>
+        </p:style>
+        <p:txBody>
+          <a:bodyPr rtlCol="0" anchor="ctr"/>
+          <a:lstStyle/>
+          <a:p>
+            <a:pPr algn="ctr"/>
+            <a:endParaRPr lang="ko-KR" altLang="en-US"/>
+          </a:p>
+        </p:txBody>
+      </p:sp>
+      <p:sp>
+        <p:nvSpPr>
+          <p:cNvPr id="37" name="화살표: 오른쪽 36">
+            <a:extLst>
+              <a:ext uri="{FF2B5EF4-FFF2-40B4-BE49-F238E27FC236}">
+                <a16:creationId xmlns:a16="http://schemas.microsoft.com/office/drawing/2014/main" id="{787B649F-8F83-7260-F91B-9879E1179EF7}"/>
+              </a:ext>
+            </a:extLst>
+          </p:cNvPr>
+          <p:cNvSpPr/>
+          <p:nvPr/>
+        </p:nvSpPr>
+        <p:spPr>
+          <a:xfrm rot="16200000">
+            <a:off x="9006264" y="666908"/>
+            <a:ext cx="492419" cy="209408"/>
+          </a:xfrm>
+          <a:prstGeom prst="rightArrow">
+            <a:avLst/>
+          </a:prstGeom>
+          <a:solidFill>
+            <a:schemeClr val="accent1">
+              <a:lumMod val="20000"/>
+              <a:lumOff val="80000"/>
+            </a:schemeClr>
+          </a:solidFill>
+        </p:spPr>
+        <p:style>
+          <a:lnRef idx="2">
+            <a:schemeClr val="accent1">
+              <a:shade val="15000"/>
+            </a:schemeClr>
+          </a:lnRef>
+          <a:fillRef idx="1">
+            <a:schemeClr val="accent1"/>
+          </a:fillRef>
+          <a:effectRef idx="0">
+            <a:schemeClr val="accent1"/>
+          </a:effectRef>
+          <a:fontRef idx="minor">
+            <a:schemeClr val="lt1"/>
+          </a:fontRef>
+        </p:style>
+        <p:txBody>
+          <a:bodyPr rtlCol="0" anchor="ctr"/>
+          <a:lstStyle/>
+          <a:p>
+            <a:pPr algn="ctr"/>
+            <a:endParaRPr lang="ko-KR" altLang="en-US"/>
+          </a:p>
+        </p:txBody>
+      </p:sp>
+      <p:sp>
+        <p:nvSpPr>
+          <p:cNvPr id="38" name="TextBox 37">
+            <a:extLst>
+              <a:ext uri="{FF2B5EF4-FFF2-40B4-BE49-F238E27FC236}">
+                <a16:creationId xmlns:a16="http://schemas.microsoft.com/office/drawing/2014/main" id="{BAC32CA1-6232-0455-F037-D54CBB61630C}"/>
+              </a:ext>
+            </a:extLst>
+          </p:cNvPr>
+          <p:cNvSpPr txBox="1"/>
+          <p:nvPr/>
+        </p:nvSpPr>
+        <p:spPr>
+          <a:xfrm>
+            <a:off x="9615055" y="648490"/>
+            <a:ext cx="2194832" cy="369332"/>
+          </a:xfrm>
+          <a:prstGeom prst="rect">
+            <a:avLst/>
+          </a:prstGeom>
+          <a:noFill/>
+        </p:spPr>
+        <p:txBody>
+          <a:bodyPr wrap="none" rtlCol="0">
+            <a:spAutoFit/>
+          </a:bodyPr>
+          <a:lstStyle/>
+          <a:p>
+            <a:r>
+              <a:rPr lang="ko-KR" altLang="en-US" dirty="0"/>
+              <a:t>플레이어 진행 방향</a:t>
+            </a:r>
+          </a:p>
+        </p:txBody>
+      </p:sp>
+      <p:sp>
+        <p:nvSpPr>
+          <p:cNvPr id="39" name="TextBox 38">
+            <a:extLst>
+              <a:ext uri="{FF2B5EF4-FFF2-40B4-BE49-F238E27FC236}">
+                <a16:creationId xmlns:a16="http://schemas.microsoft.com/office/drawing/2014/main" id="{FDE4D112-F784-199E-43AE-E20F24697385}"/>
+              </a:ext>
+            </a:extLst>
+          </p:cNvPr>
+          <p:cNvSpPr txBox="1"/>
+          <p:nvPr/>
+        </p:nvSpPr>
+        <p:spPr>
+          <a:xfrm>
+            <a:off x="9018460" y="1257670"/>
+            <a:ext cx="2481770" cy="323165"/>
+          </a:xfrm>
+          <a:prstGeom prst="rect">
+            <a:avLst/>
+          </a:prstGeom>
+          <a:noFill/>
+        </p:spPr>
+        <p:txBody>
+          <a:bodyPr wrap="none" rtlCol="0">
+            <a:spAutoFit/>
+          </a:bodyPr>
+          <a:lstStyle/>
+          <a:p>
+            <a:r>
+              <a:rPr lang="en-US" altLang="ko-KR" sz="1500" dirty="0"/>
+              <a:t>*</a:t>
+            </a:r>
+            <a:r>
+              <a:rPr lang="ko-KR" altLang="en-US" sz="1500" dirty="0"/>
+              <a:t>링크 누를 시 </a:t>
+            </a:r>
+            <a:r>
+              <a:rPr lang="en-US" altLang="ko-KR" sz="1500" dirty="0"/>
+              <a:t>ctrl+</a:t>
+            </a:r>
+            <a:r>
+              <a:rPr lang="ko-KR" altLang="en-US" sz="1500" dirty="0" err="1"/>
+              <a:t>좌클릭</a:t>
+            </a:r>
+            <a:r>
+              <a:rPr lang="en-US" altLang="ko-KR" sz="1500" dirty="0"/>
+              <a:t> </a:t>
+            </a:r>
+            <a:endParaRPr lang="ko-KR" altLang="en-US" sz="1500" dirty="0"/>
+          </a:p>
+        </p:txBody>
+      </p:sp>
+      <p:sp>
+        <p:nvSpPr>
+          <p:cNvPr id="40" name="화살표: 오른쪽 39">
+            <a:extLst>
+              <a:ext uri="{FF2B5EF4-FFF2-40B4-BE49-F238E27FC236}">
+                <a16:creationId xmlns:a16="http://schemas.microsoft.com/office/drawing/2014/main" id="{F5BA194E-8D21-1894-288A-3AA0A13B1C24}"/>
+              </a:ext>
+            </a:extLst>
+          </p:cNvPr>
+          <p:cNvSpPr/>
+          <p:nvPr/>
+        </p:nvSpPr>
+        <p:spPr>
+          <a:xfrm rot="16200000">
+            <a:off x="5263741" y="536802"/>
+            <a:ext cx="492419" cy="209408"/>
+          </a:xfrm>
+          <a:prstGeom prst="rightArrow">
+            <a:avLst/>
+          </a:prstGeom>
+          <a:solidFill>
+            <a:schemeClr val="accent1">
+              <a:lumMod val="20000"/>
+              <a:lumOff val="80000"/>
+            </a:schemeClr>
+          </a:solidFill>
+        </p:spPr>
+        <p:style>
+          <a:lnRef idx="2">
+            <a:schemeClr val="accent1">
+              <a:shade val="15000"/>
+            </a:schemeClr>
+          </a:lnRef>
+          <a:fillRef idx="1">
+            <a:schemeClr val="accent1"/>
+          </a:fillRef>
+          <a:effectRef idx="0">
+            <a:schemeClr val="accent1"/>
+          </a:effectRef>
+          <a:fontRef idx="minor">
+            <a:schemeClr val="lt1"/>
+          </a:fontRef>
+        </p:style>
+        <p:txBody>
+          <a:bodyPr rtlCol="0" anchor="ctr"/>
+          <a:lstStyle/>
+          <a:p>
+            <a:pPr algn="ctr"/>
+            <a:endParaRPr lang="ko-KR" altLang="en-US"/>
+          </a:p>
+        </p:txBody>
+      </p:sp>
+      <p:sp>
+        <p:nvSpPr>
+          <p:cNvPr id="3" name="화살표: 오른쪽 2">
+            <a:extLst>
+              <a:ext uri="{FF2B5EF4-FFF2-40B4-BE49-F238E27FC236}">
+                <a16:creationId xmlns:a16="http://schemas.microsoft.com/office/drawing/2014/main" id="{B50F5C4A-13FA-5A98-9982-5883902AE990}"/>
+              </a:ext>
+            </a:extLst>
+          </p:cNvPr>
+          <p:cNvSpPr/>
+          <p:nvPr/>
+        </p:nvSpPr>
+        <p:spPr>
+          <a:xfrm rot="16200000">
+            <a:off x="5791265" y="1452359"/>
+            <a:ext cx="492419" cy="209408"/>
+          </a:xfrm>
+          <a:prstGeom prst="rightArrow">
+            <a:avLst/>
+          </a:prstGeom>
+          <a:solidFill>
+            <a:schemeClr val="accent1">
+              <a:lumMod val="20000"/>
+              <a:lumOff val="80000"/>
+            </a:schemeClr>
+          </a:solidFill>
+        </p:spPr>
+        <p:style>
+          <a:lnRef idx="2">
+            <a:schemeClr val="accent1">
+              <a:shade val="15000"/>
+            </a:schemeClr>
+          </a:lnRef>
+          <a:fillRef idx="1">
+            <a:schemeClr val="accent1"/>
+          </a:fillRef>
+          <a:effectRef idx="0">
+            <a:schemeClr val="accent1"/>
+          </a:effectRef>
+          <a:fontRef idx="minor">
+            <a:schemeClr val="lt1"/>
+          </a:fontRef>
+        </p:style>
+        <p:txBody>
+          <a:bodyPr rtlCol="0" anchor="ctr"/>
+          <a:lstStyle/>
+          <a:p>
+            <a:pPr algn="ctr"/>
+            <a:endParaRPr lang="ko-KR" altLang="en-US"/>
+          </a:p>
+        </p:txBody>
+      </p:sp>
+      <p:sp>
+        <p:nvSpPr>
+          <p:cNvPr id="11" name="화살표: 오른쪽 10">
+            <a:extLst>
+              <a:ext uri="{FF2B5EF4-FFF2-40B4-BE49-F238E27FC236}">
+                <a16:creationId xmlns:a16="http://schemas.microsoft.com/office/drawing/2014/main" id="{1A2CBA18-15C8-8160-C856-C7CF93CA48EF}"/>
+              </a:ext>
+            </a:extLst>
+          </p:cNvPr>
+          <p:cNvSpPr/>
+          <p:nvPr/>
+        </p:nvSpPr>
+        <p:spPr>
+          <a:xfrm>
+            <a:off x="4366061" y="1886969"/>
+            <a:ext cx="711443" cy="302550"/>
+          </a:xfrm>
+          <a:prstGeom prst="rightArrow">
+            <a:avLst/>
+          </a:prstGeom>
+          <a:solidFill>
+            <a:schemeClr val="tx1">
+              <a:lumMod val="50000"/>
+              <a:lumOff val="50000"/>
+            </a:schemeClr>
+          </a:solidFill>
+        </p:spPr>
+        <p:style>
+          <a:lnRef idx="2">
+            <a:schemeClr val="accent1">
+              <a:shade val="15000"/>
+            </a:schemeClr>
+          </a:lnRef>
+          <a:fillRef idx="1">
+            <a:schemeClr val="accent1"/>
+          </a:fillRef>
+          <a:effectRef idx="0">
+            <a:schemeClr val="accent1"/>
+          </a:effectRef>
+          <a:fontRef idx="minor">
+            <a:schemeClr val="lt1"/>
+          </a:fontRef>
+        </p:style>
+        <p:txBody>
+          <a:bodyPr rtlCol="0" anchor="ctr"/>
+          <a:lstStyle/>
+          <a:p>
+            <a:pPr algn="ctr"/>
+            <a:endParaRPr lang="ko-KR" altLang="en-US"/>
+          </a:p>
+        </p:txBody>
+      </p:sp>
+    </p:spTree>
+    <p:extLst>
+      <p:ext uri="{BB962C8B-B14F-4D97-AF65-F5344CB8AC3E}">
+        <p14:creationId xmlns:p14="http://schemas.microsoft.com/office/powerpoint/2010/main" val="3271368668"/>
+      </p:ext>
+    </p:extLst>
+  </p:cSld>
+  <p:clrMapOvr>
+    <a:masterClrMapping/>
+  </p:clrMapOvr>
+</p:sld>
+</file>
+
+<file path=ppt/slides/slide13.xml><?xml version="1.0" encoding="utf-8"?>
+<p:sld xmlns:a="http://schemas.openxmlformats.org/drawingml/2006/main" xmlns:r="http://schemas.openxmlformats.org/officeDocument/2006/relationships" xmlns:p="http://schemas.openxmlformats.org/presentationml/2006/main">
+  <p:cSld>
+    <p:spTree>
+      <p:nvGrpSpPr>
+        <p:cNvPr id="1" name="">
+          <a:extLst>
+            <a:ext uri="{FF2B5EF4-FFF2-40B4-BE49-F238E27FC236}">
+              <a16:creationId xmlns:a16="http://schemas.microsoft.com/office/drawing/2014/main" id="{378CADCE-429C-B4FD-BC4B-F591B5DCC36F}"/>
+            </a:ext>
+          </a:extLst>
+        </p:cNvPr>
+        <p:cNvGrpSpPr/>
+        <p:nvPr/>
+      </p:nvGrpSpPr>
+      <p:grpSpPr>
+        <a:xfrm>
+          <a:off x="0" y="0"/>
+          <a:ext cx="0" cy="0"/>
+          <a:chOff x="0" y="0"/>
+          <a:chExt cx="0" cy="0"/>
+        </a:xfrm>
+      </p:grpSpPr>
+      <p:sp>
+        <p:nvSpPr>
+          <p:cNvPr id="2" name="제목 1">
+            <a:extLst>
+              <a:ext uri="{FF2B5EF4-FFF2-40B4-BE49-F238E27FC236}">
+                <a16:creationId xmlns:a16="http://schemas.microsoft.com/office/drawing/2014/main" id="{A5319859-387B-2120-4C49-8D09A24AF0A2}"/>
+              </a:ext>
+            </a:extLst>
+          </p:cNvPr>
+          <p:cNvSpPr>
+            <a:spLocks noGrp="1"/>
+          </p:cNvSpPr>
+          <p:nvPr>
+            <p:ph type="title"/>
+          </p:nvPr>
+        </p:nvSpPr>
+        <p:spPr>
+          <a:xfrm>
+            <a:off x="838200" y="198870"/>
+            <a:ext cx="10515600" cy="964911"/>
+          </a:xfrm>
+        </p:spPr>
+        <p:txBody>
+          <a:bodyPr>
+            <a:normAutofit/>
+          </a:bodyPr>
+          <a:lstStyle/>
+          <a:p>
+            <a:r>
+              <a:rPr lang="ko-KR" altLang="en-US" sz="3000" dirty="0"/>
+              <a:t>사다리</a:t>
+            </a:r>
+            <a:r>
+              <a:rPr lang="en-US" altLang="ko-KR" sz="3000" dirty="0"/>
+              <a:t>+</a:t>
+            </a:r>
+            <a:r>
+              <a:rPr lang="ko-KR" altLang="en-US" sz="3000" dirty="0" err="1"/>
+              <a:t>뾰족덫</a:t>
+            </a:r>
+            <a:r>
+              <a:rPr lang="ko-KR" altLang="en-US" sz="3000" dirty="0"/>
+              <a:t> 구간</a:t>
+            </a:r>
+            <a:r>
+              <a:rPr lang="en-US" altLang="ko-KR" sz="3000" dirty="0"/>
+              <a:t>(</a:t>
+            </a:r>
+            <a:r>
+              <a:rPr lang="ko-KR" altLang="en-US" sz="3000" dirty="0"/>
+              <a:t>난이도</a:t>
+            </a:r>
+            <a:r>
+              <a:rPr lang="en-US" altLang="ko-KR" sz="3000" dirty="0"/>
+              <a:t>: </a:t>
+            </a:r>
+            <a:r>
+              <a:rPr lang="ko-KR" altLang="en-US" sz="3000" dirty="0"/>
+              <a:t>조금 쉬움</a:t>
+            </a:r>
+            <a:r>
+              <a:rPr lang="en-US" altLang="ko-KR" sz="3000" dirty="0"/>
+              <a:t>) </a:t>
+            </a:r>
+            <a:r>
+              <a:rPr lang="ko-KR" altLang="en-US" sz="2000" dirty="0"/>
+              <a:t>중간발표 이후에 구현</a:t>
+            </a:r>
+          </a:p>
+        </p:txBody>
+      </p:sp>
+      <p:sp>
+        <p:nvSpPr>
+          <p:cNvPr id="4" name="직사각형 3">
+            <a:extLst>
+              <a:ext uri="{FF2B5EF4-FFF2-40B4-BE49-F238E27FC236}">
+                <a16:creationId xmlns:a16="http://schemas.microsoft.com/office/drawing/2014/main" id="{84A9D688-956D-560B-F912-FA3D91BF6835}"/>
+              </a:ext>
+            </a:extLst>
+          </p:cNvPr>
+          <p:cNvSpPr/>
+          <p:nvPr/>
+        </p:nvSpPr>
+        <p:spPr>
+          <a:xfrm>
+            <a:off x="3553577" y="1163781"/>
+            <a:ext cx="434109" cy="5375564"/>
+          </a:xfrm>
+          <a:prstGeom prst="rect">
+            <a:avLst/>
+          </a:prstGeom>
+          <a:solidFill>
+            <a:schemeClr val="accent2">
+              <a:lumMod val="50000"/>
+            </a:schemeClr>
+          </a:solidFill>
+        </p:spPr>
+        <p:style>
+          <a:lnRef idx="2">
+            <a:schemeClr val="accent1">
+              <a:shade val="15000"/>
+            </a:schemeClr>
+          </a:lnRef>
+          <a:fillRef idx="1">
+            <a:schemeClr val="accent1"/>
+          </a:fillRef>
+          <a:effectRef idx="0">
+            <a:schemeClr val="accent1"/>
+          </a:effectRef>
+          <a:fontRef idx="minor">
+            <a:schemeClr val="lt1"/>
+          </a:fontRef>
+        </p:style>
+        <p:txBody>
+          <a:bodyPr rtlCol="0" anchor="ctr"/>
+          <a:lstStyle/>
+          <a:p>
+            <a:pPr algn="ctr"/>
+            <a:endParaRPr lang="ko-KR" altLang="en-US"/>
+          </a:p>
+        </p:txBody>
+      </p:sp>
+      <p:sp>
+        <p:nvSpPr>
+          <p:cNvPr id="5" name="화살표: 오른쪽 4">
+            <a:extLst>
+              <a:ext uri="{FF2B5EF4-FFF2-40B4-BE49-F238E27FC236}">
+                <a16:creationId xmlns:a16="http://schemas.microsoft.com/office/drawing/2014/main" id="{C0F84AF1-72E6-D4AA-A815-75F3B007F0CE}"/>
+              </a:ext>
+            </a:extLst>
+          </p:cNvPr>
+          <p:cNvSpPr/>
+          <p:nvPr/>
+        </p:nvSpPr>
+        <p:spPr>
+          <a:xfrm rot="16200000">
+            <a:off x="4092289" y="3652635"/>
+            <a:ext cx="1806651" cy="315022"/>
+          </a:xfrm>
+          <a:prstGeom prst="rightArrow">
+            <a:avLst/>
+          </a:prstGeom>
+          <a:solidFill>
+            <a:schemeClr val="accent1">
+              <a:lumMod val="20000"/>
+              <a:lumOff val="80000"/>
+            </a:schemeClr>
+          </a:solidFill>
+        </p:spPr>
+        <p:style>
+          <a:lnRef idx="2">
+            <a:schemeClr val="accent1">
+              <a:shade val="15000"/>
+            </a:schemeClr>
+          </a:lnRef>
+          <a:fillRef idx="1">
+            <a:schemeClr val="accent1"/>
+          </a:fillRef>
+          <a:effectRef idx="0">
+            <a:schemeClr val="accent1"/>
+          </a:effectRef>
+          <a:fontRef idx="minor">
+            <a:schemeClr val="lt1"/>
+          </a:fontRef>
+        </p:style>
+        <p:txBody>
+          <a:bodyPr rtlCol="0" anchor="ctr"/>
+          <a:lstStyle/>
+          <a:p>
+            <a:pPr algn="ctr"/>
+            <a:endParaRPr lang="ko-KR" altLang="en-US"/>
+          </a:p>
+        </p:txBody>
+      </p:sp>
+      <p:graphicFrame>
+        <p:nvGraphicFramePr>
+          <p:cNvPr id="11" name="표 10">
+            <a:extLst>
+              <a:ext uri="{FF2B5EF4-FFF2-40B4-BE49-F238E27FC236}">
+                <a16:creationId xmlns:a16="http://schemas.microsoft.com/office/drawing/2014/main" id="{9AD27194-E76B-6D98-30AC-7E066DFB342A}"/>
+              </a:ext>
+            </a:extLst>
+          </p:cNvPr>
+          <p:cNvGraphicFramePr>
+            <a:graphicFrameLocks noGrp="1"/>
+          </p:cNvGraphicFramePr>
+          <p:nvPr>
+            <p:extLst>
+              <p:ext uri="{D42A27DB-BD31-4B8C-83A1-F6EECF244321}">
+                <p14:modId xmlns:p14="http://schemas.microsoft.com/office/powerpoint/2010/main" val="3242618571"/>
+              </p:ext>
+            </p:extLst>
+          </p:nvPr>
+        </p:nvGraphicFramePr>
+        <p:xfrm>
+          <a:off x="6900167" y="1164177"/>
+          <a:ext cx="4343543" cy="2432757"/>
+        </p:xfrm>
+        <a:graphic>
+          <a:graphicData uri="http://schemas.openxmlformats.org/drawingml/2006/table">
+            <a:tbl>
+              <a:tblPr firstRow="1" bandRow="1">
+                <a:tableStyleId>{5C22544A-7EE6-4342-B048-85BDC9FD1C3A}</a:tableStyleId>
+              </a:tblPr>
+              <a:tblGrid>
+                <a:gridCol w="2113178">
+                  <a:extLst>
+                    <a:ext uri="{9D8B030D-6E8A-4147-A177-3AD203B41FA5}">
+                      <a16:colId xmlns:a16="http://schemas.microsoft.com/office/drawing/2014/main" val="3816369926"/>
+                    </a:ext>
+                  </a:extLst>
+                </a:gridCol>
+                <a:gridCol w="2230365">
+                  <a:extLst>
+                    <a:ext uri="{9D8B030D-6E8A-4147-A177-3AD203B41FA5}">
+                      <a16:colId xmlns:a16="http://schemas.microsoft.com/office/drawing/2014/main" val="547672912"/>
+                    </a:ext>
+                  </a:extLst>
+                </a:gridCol>
+              </a:tblGrid>
+              <a:tr h="543294">
+                <a:tc>
+                  <a:txBody>
+                    <a:bodyPr/>
+                    <a:lstStyle/>
+                    <a:p>
+                      <a:pPr latinLnBrk="1"/>
+                      <a:r>
+                        <a:rPr lang="ko-KR" altLang="en-US" dirty="0"/>
+                        <a:t>등장 하는 사물</a:t>
+                      </a:r>
+                    </a:p>
+                  </a:txBody>
+                  <a:tcPr/>
+                </a:tc>
+                <a:tc>
+                  <a:txBody>
+                    <a:bodyPr/>
+                    <a:lstStyle/>
+                    <a:p>
+                      <a:pPr latinLnBrk="1"/>
+                      <a:r>
+                        <a:rPr lang="ko-KR" altLang="en-US" dirty="0"/>
+                        <a:t>사진</a:t>
+                      </a:r>
+                    </a:p>
+                  </a:txBody>
+                  <a:tcPr/>
+                </a:tc>
+                <a:extLst>
+                  <a:ext uri="{0D108BD9-81ED-4DB2-BD59-A6C34878D82A}">
+                    <a16:rowId xmlns:a16="http://schemas.microsoft.com/office/drawing/2014/main" val="2983487876"/>
+                  </a:ext>
+                </a:extLst>
+              </a:tr>
+              <a:tr h="1889463">
+                <a:tc>
+                  <a:txBody>
+                    <a:bodyPr/>
+                    <a:lstStyle/>
+                    <a:p>
+                      <a:pPr latinLnBrk="1"/>
+                      <a:endParaRPr lang="en-US" altLang="ko-KR" dirty="0"/>
+                    </a:p>
+                    <a:p>
+                      <a:pPr latinLnBrk="1"/>
+                      <a:endParaRPr lang="en-US" altLang="ko-KR" dirty="0"/>
+                    </a:p>
+                    <a:p>
+                      <a:pPr latinLnBrk="1"/>
+                      <a:endParaRPr lang="en-US" altLang="ko-KR" dirty="0"/>
+                    </a:p>
+                    <a:p>
+                      <a:pPr latinLnBrk="1"/>
+                      <a:r>
+                        <a:rPr lang="ko-KR" altLang="en-US" dirty="0"/>
+                        <a:t>사다리</a:t>
+                      </a:r>
+                      <a:endParaRPr lang="en-US" altLang="ko-KR" dirty="0"/>
+                    </a:p>
+                  </a:txBody>
+                  <a:tcPr/>
+                </a:tc>
+                <a:tc>
+                  <a:txBody>
+                    <a:bodyPr/>
+                    <a:lstStyle/>
+                    <a:p>
+                      <a:pPr latinLnBrk="1"/>
+                      <a:endParaRPr lang="ko-KR" altLang="en-US" dirty="0"/>
+                    </a:p>
+                  </a:txBody>
+                  <a:tcPr/>
+                </a:tc>
+                <a:extLst>
+                  <a:ext uri="{0D108BD9-81ED-4DB2-BD59-A6C34878D82A}">
+                    <a16:rowId xmlns:a16="http://schemas.microsoft.com/office/drawing/2014/main" val="1475488419"/>
+                  </a:ext>
+                </a:extLst>
+              </a:tr>
+            </a:tbl>
+          </a:graphicData>
+        </a:graphic>
+      </p:graphicFrame>
+      <p:pic>
+        <p:nvPicPr>
+          <p:cNvPr id="13" name="그림 12">
+            <a:extLst>
+              <a:ext uri="{FF2B5EF4-FFF2-40B4-BE49-F238E27FC236}">
+                <a16:creationId xmlns:a16="http://schemas.microsoft.com/office/drawing/2014/main" id="{03A2BB86-A1BE-D90D-C70C-8B5CAC20FDF8}"/>
+              </a:ext>
+            </a:extLst>
+          </p:cNvPr>
+          <p:cNvPicPr>
+            <a:picLocks noChangeAspect="1"/>
+          </p:cNvPicPr>
+          <p:nvPr/>
+        </p:nvPicPr>
+        <p:blipFill>
+          <a:blip r:embed="rId2"/>
+          <a:srcRect t="3671" b="14082"/>
+          <a:stretch/>
+        </p:blipFill>
+        <p:spPr>
+          <a:xfrm>
+            <a:off x="9657900" y="1720100"/>
+            <a:ext cx="921921" cy="1856404"/>
+          </a:xfrm>
+          <a:prstGeom prst="rect">
+            <a:avLst/>
+          </a:prstGeom>
+        </p:spPr>
+      </p:pic>
+      <p:sp>
+        <p:nvSpPr>
+          <p:cNvPr id="14" name="TextBox 13">
+            <a:extLst>
+              <a:ext uri="{FF2B5EF4-FFF2-40B4-BE49-F238E27FC236}">
+                <a16:creationId xmlns:a16="http://schemas.microsoft.com/office/drawing/2014/main" id="{28003457-A4FA-18AE-9B5C-07F0F31BA26F}"/>
+              </a:ext>
+            </a:extLst>
+          </p:cNvPr>
+          <p:cNvSpPr txBox="1"/>
+          <p:nvPr/>
+        </p:nvSpPr>
+        <p:spPr>
+          <a:xfrm>
+            <a:off x="6900167" y="5562284"/>
+            <a:ext cx="5291833" cy="677108"/>
+          </a:xfrm>
+          <a:prstGeom prst="rect">
+            <a:avLst/>
+          </a:prstGeom>
+          <a:noFill/>
+        </p:spPr>
+        <p:txBody>
+          <a:bodyPr wrap="none" rtlCol="0">
+            <a:spAutoFit/>
+          </a:bodyPr>
+          <a:lstStyle/>
+          <a:p>
+            <a:r>
+              <a:rPr lang="ko-KR" altLang="en-US" sz="1900" dirty="0"/>
+              <a:t>의도</a:t>
+            </a:r>
+            <a:r>
+              <a:rPr lang="en-US" altLang="ko-KR" sz="1900" dirty="0"/>
+              <a:t>:</a:t>
+            </a:r>
+            <a:r>
+              <a:rPr lang="ko-KR" altLang="en-US" sz="1900" dirty="0"/>
+              <a:t>플레이어가 지나온 </a:t>
+            </a:r>
+            <a:r>
+              <a:rPr lang="ko-KR" altLang="en-US" sz="1900" dirty="0" err="1"/>
+              <a:t>뾰족</a:t>
+            </a:r>
+            <a:r>
+              <a:rPr lang="ko-KR" altLang="en-US" sz="1900" dirty="0"/>
+              <a:t> 덫 과 사다리구간</a:t>
+            </a:r>
+            <a:endParaRPr lang="en-US" altLang="ko-KR" sz="1900" dirty="0"/>
+          </a:p>
+          <a:p>
+            <a:r>
+              <a:rPr lang="ko-KR" altLang="en-US" sz="1900" dirty="0"/>
+              <a:t>을 합쳐 플레이어의 응용력을 키운다</a:t>
+            </a:r>
+            <a:r>
+              <a:rPr lang="en-US" altLang="ko-KR" sz="1900" dirty="0"/>
+              <a:t>.</a:t>
+            </a:r>
+            <a:endParaRPr lang="ko-KR" altLang="en-US" sz="1900" dirty="0"/>
+          </a:p>
+        </p:txBody>
+      </p:sp>
+      <p:graphicFrame>
+        <p:nvGraphicFramePr>
+          <p:cNvPr id="3" name="표 2">
+            <a:extLst>
+              <a:ext uri="{FF2B5EF4-FFF2-40B4-BE49-F238E27FC236}">
+                <a16:creationId xmlns:a16="http://schemas.microsoft.com/office/drawing/2014/main" id="{9DB91973-A212-52E2-BB45-2156F62EDF6C}"/>
+              </a:ext>
+            </a:extLst>
+          </p:cNvPr>
+          <p:cNvGraphicFramePr>
+            <a:graphicFrameLocks noGrp="1"/>
+          </p:cNvGraphicFramePr>
+          <p:nvPr>
+            <p:extLst>
+              <p:ext uri="{D42A27DB-BD31-4B8C-83A1-F6EECF244321}">
+                <p14:modId xmlns:p14="http://schemas.microsoft.com/office/powerpoint/2010/main" val="1949868374"/>
+              </p:ext>
+            </p:extLst>
+          </p:nvPr>
+        </p:nvGraphicFramePr>
+        <p:xfrm>
+          <a:off x="6905943" y="3596934"/>
+          <a:ext cx="4337767" cy="1826805"/>
+        </p:xfrm>
+        <a:graphic>
+          <a:graphicData uri="http://schemas.openxmlformats.org/drawingml/2006/table">
+            <a:tbl>
+              <a:tblPr firstRow="1" bandRow="1">
+                <a:tableStyleId>{5C22544A-7EE6-4342-B048-85BDC9FD1C3A}</a:tableStyleId>
+              </a:tblPr>
+              <a:tblGrid>
+                <a:gridCol w="2110368">
+                  <a:extLst>
+                    <a:ext uri="{9D8B030D-6E8A-4147-A177-3AD203B41FA5}">
+                      <a16:colId xmlns:a16="http://schemas.microsoft.com/office/drawing/2014/main" val="954281706"/>
+                    </a:ext>
+                  </a:extLst>
+                </a:gridCol>
+                <a:gridCol w="2227399">
+                  <a:extLst>
+                    <a:ext uri="{9D8B030D-6E8A-4147-A177-3AD203B41FA5}">
+                      <a16:colId xmlns:a16="http://schemas.microsoft.com/office/drawing/2014/main" val="3432309301"/>
+                    </a:ext>
+                  </a:extLst>
+                </a:gridCol>
+              </a:tblGrid>
+              <a:tr h="416052">
+                <a:tc>
+                  <a:txBody>
+                    <a:bodyPr/>
+                    <a:lstStyle/>
+                    <a:p>
+                      <a:pPr latinLnBrk="1"/>
+                      <a:r>
+                        <a:rPr lang="ko-KR" altLang="en-US" dirty="0"/>
+                        <a:t>등장 하는 사물</a:t>
+                      </a:r>
+                    </a:p>
+                  </a:txBody>
+                  <a:tcPr/>
+                </a:tc>
+                <a:tc>
+                  <a:txBody>
+                    <a:bodyPr/>
+                    <a:lstStyle/>
+                    <a:p>
+                      <a:pPr latinLnBrk="1"/>
+                      <a:r>
+                        <a:rPr lang="ko-KR" altLang="en-US" dirty="0"/>
+                        <a:t>사진</a:t>
+                      </a:r>
+                    </a:p>
+                  </a:txBody>
+                  <a:tcPr/>
+                </a:tc>
+                <a:extLst>
+                  <a:ext uri="{0D108BD9-81ED-4DB2-BD59-A6C34878D82A}">
+                    <a16:rowId xmlns:a16="http://schemas.microsoft.com/office/drawing/2014/main" val="1138941506"/>
+                  </a:ext>
+                </a:extLst>
+              </a:tr>
+              <a:tr h="1410753">
+                <a:tc>
+                  <a:txBody>
+                    <a:bodyPr/>
+                    <a:lstStyle/>
+                    <a:p>
+                      <a:pPr latinLnBrk="1"/>
+                      <a:endParaRPr lang="en-US" altLang="ko-KR" dirty="0"/>
+                    </a:p>
+                    <a:p>
+                      <a:pPr latinLnBrk="1"/>
+                      <a:endParaRPr lang="en-US" altLang="ko-KR" dirty="0"/>
+                    </a:p>
+                    <a:p>
+                      <a:pPr latinLnBrk="1"/>
+                      <a:r>
+                        <a:rPr lang="ko-KR" altLang="en-US" dirty="0" err="1"/>
+                        <a:t>뾰족</a:t>
+                      </a:r>
+                      <a:r>
+                        <a:rPr lang="ko-KR" altLang="en-US" dirty="0"/>
+                        <a:t> 덫</a:t>
+                      </a:r>
+                      <a:endParaRPr lang="en-US" altLang="ko-KR" dirty="0"/>
+                    </a:p>
+                  </a:txBody>
+                  <a:tcPr/>
+                </a:tc>
+                <a:tc>
+                  <a:txBody>
+                    <a:bodyPr/>
+                    <a:lstStyle/>
+                    <a:p>
+                      <a:pPr latinLnBrk="1"/>
+                      <a:endParaRPr lang="ko-KR" altLang="en-US" dirty="0"/>
+                    </a:p>
+                  </a:txBody>
+                  <a:tcPr/>
+                </a:tc>
+                <a:extLst>
+                  <a:ext uri="{0D108BD9-81ED-4DB2-BD59-A6C34878D82A}">
+                    <a16:rowId xmlns:a16="http://schemas.microsoft.com/office/drawing/2014/main" val="4192893207"/>
+                  </a:ext>
+                </a:extLst>
+              </a:tr>
+            </a:tbl>
+          </a:graphicData>
+        </a:graphic>
+      </p:graphicFrame>
+      <p:pic>
+        <p:nvPicPr>
+          <p:cNvPr id="6" name="그림 5" descr="스크린샷, 예술이(가) 표시된 사진&#10;&#10;AI가 생성한 콘텐츠는 부정확할 수 있습니다.">
+            <a:extLst>
+              <a:ext uri="{FF2B5EF4-FFF2-40B4-BE49-F238E27FC236}">
+                <a16:creationId xmlns:a16="http://schemas.microsoft.com/office/drawing/2014/main" id="{AC4D4D5D-7C11-E96A-0D74-D75F9ECB115F}"/>
+              </a:ext>
+            </a:extLst>
+          </p:cNvPr>
+          <p:cNvPicPr>
+            <a:picLocks noChangeAspect="1"/>
+          </p:cNvPicPr>
+          <p:nvPr/>
+        </p:nvPicPr>
+        <p:blipFill>
+          <a:blip r:embed="rId3">
+            <a:extLst>
+              <a:ext uri="{28A0092B-C50C-407E-A947-70E740481C1C}">
+                <a14:useLocalDpi xmlns:a14="http://schemas.microsoft.com/office/drawing/2010/main" val="0"/>
+              </a:ext>
+            </a:extLst>
+          </a:blip>
+          <a:stretch>
+            <a:fillRect/>
+          </a:stretch>
+        </p:blipFill>
+        <p:spPr>
+          <a:xfrm>
+            <a:off x="9490498" y="4018774"/>
+            <a:ext cx="1558636" cy="1383015"/>
+          </a:xfrm>
+          <a:prstGeom prst="rect">
+            <a:avLst/>
+          </a:prstGeom>
+        </p:spPr>
+      </p:pic>
+      <p:sp>
+        <p:nvSpPr>
+          <p:cNvPr id="9" name="직사각형 8">
+            <a:extLst>
+              <a:ext uri="{FF2B5EF4-FFF2-40B4-BE49-F238E27FC236}">
+                <a16:creationId xmlns:a16="http://schemas.microsoft.com/office/drawing/2014/main" id="{21FB583A-68EF-40A1-C622-A5BFC22FAD0F}"/>
+              </a:ext>
+            </a:extLst>
+          </p:cNvPr>
+          <p:cNvSpPr/>
+          <p:nvPr/>
+        </p:nvSpPr>
+        <p:spPr>
+          <a:xfrm>
+            <a:off x="3567258" y="5285193"/>
+            <a:ext cx="461819" cy="554183"/>
+          </a:xfrm>
+          <a:prstGeom prst="rect">
+            <a:avLst/>
+          </a:prstGeom>
+          <a:solidFill>
+            <a:schemeClr val="tx1">
+              <a:lumMod val="95000"/>
+              <a:lumOff val="5000"/>
+            </a:schemeClr>
+          </a:solidFill>
+        </p:spPr>
+        <p:style>
+          <a:lnRef idx="2">
+            <a:schemeClr val="accent1">
+              <a:shade val="15000"/>
+            </a:schemeClr>
+          </a:lnRef>
+          <a:fillRef idx="1">
+            <a:schemeClr val="accent1"/>
+          </a:fillRef>
+          <a:effectRef idx="0">
+            <a:schemeClr val="accent1"/>
+          </a:effectRef>
+          <a:fontRef idx="minor">
+            <a:schemeClr val="lt1"/>
+          </a:fontRef>
+        </p:style>
+        <p:txBody>
+          <a:bodyPr rtlCol="0" anchor="ctr"/>
+          <a:lstStyle/>
+          <a:p>
+            <a:pPr algn="ctr"/>
+            <a:endParaRPr lang="ko-KR" altLang="en-US"/>
+          </a:p>
+        </p:txBody>
+      </p:sp>
+      <p:sp>
+        <p:nvSpPr>
+          <p:cNvPr id="10" name="직사각형 9">
+            <a:extLst>
+              <a:ext uri="{FF2B5EF4-FFF2-40B4-BE49-F238E27FC236}">
+                <a16:creationId xmlns:a16="http://schemas.microsoft.com/office/drawing/2014/main" id="{95DBA971-F4E3-0253-A42A-561EDF74BF12}"/>
+              </a:ext>
+            </a:extLst>
+          </p:cNvPr>
+          <p:cNvSpPr/>
+          <p:nvPr/>
+        </p:nvSpPr>
+        <p:spPr>
+          <a:xfrm>
+            <a:off x="3607179" y="5285193"/>
+            <a:ext cx="315768" cy="138546"/>
+          </a:xfrm>
+          <a:prstGeom prst="rect">
+            <a:avLst/>
+          </a:prstGeom>
+          <a:solidFill>
+            <a:schemeClr val="bg1"/>
+          </a:solidFill>
+        </p:spPr>
+        <p:style>
+          <a:lnRef idx="2">
+            <a:schemeClr val="accent1">
+              <a:shade val="15000"/>
+            </a:schemeClr>
+          </a:lnRef>
+          <a:fillRef idx="1">
+            <a:schemeClr val="accent1"/>
+          </a:fillRef>
+          <a:effectRef idx="0">
+            <a:schemeClr val="accent1"/>
+          </a:effectRef>
+          <a:fontRef idx="minor">
+            <a:schemeClr val="lt1"/>
+          </a:fontRef>
+        </p:style>
+        <p:txBody>
+          <a:bodyPr rtlCol="0" anchor="ctr"/>
+          <a:lstStyle/>
+          <a:p>
+            <a:pPr algn="ctr"/>
+            <a:endParaRPr lang="ko-KR" altLang="en-US"/>
+          </a:p>
+        </p:txBody>
+      </p:sp>
+      <p:sp>
+        <p:nvSpPr>
+          <p:cNvPr id="12" name="직사각형 11">
+            <a:extLst>
+              <a:ext uri="{FF2B5EF4-FFF2-40B4-BE49-F238E27FC236}">
+                <a16:creationId xmlns:a16="http://schemas.microsoft.com/office/drawing/2014/main" id="{9CD021B6-BB5E-F933-983D-4282CB532EF3}"/>
+              </a:ext>
+            </a:extLst>
+          </p:cNvPr>
+          <p:cNvSpPr/>
+          <p:nvPr/>
+        </p:nvSpPr>
+        <p:spPr>
+          <a:xfrm>
+            <a:off x="3611800" y="5474537"/>
+            <a:ext cx="315768" cy="138546"/>
+          </a:xfrm>
+          <a:prstGeom prst="rect">
+            <a:avLst/>
+          </a:prstGeom>
+          <a:solidFill>
+            <a:schemeClr val="bg1"/>
+          </a:solidFill>
+        </p:spPr>
+        <p:style>
+          <a:lnRef idx="2">
+            <a:schemeClr val="accent1">
+              <a:shade val="15000"/>
+            </a:schemeClr>
+          </a:lnRef>
+          <a:fillRef idx="1">
+            <a:schemeClr val="accent1"/>
+          </a:fillRef>
+          <a:effectRef idx="0">
+            <a:schemeClr val="accent1"/>
+          </a:effectRef>
+          <a:fontRef idx="minor">
+            <a:schemeClr val="lt1"/>
+          </a:fontRef>
+        </p:style>
+        <p:txBody>
+          <a:bodyPr rtlCol="0" anchor="ctr"/>
+          <a:lstStyle/>
+          <a:p>
+            <a:pPr algn="ctr"/>
+            <a:endParaRPr lang="ko-KR" altLang="en-US"/>
+          </a:p>
+        </p:txBody>
+      </p:sp>
+      <p:sp>
+        <p:nvSpPr>
+          <p:cNvPr id="15" name="직사각형 14">
+            <a:extLst>
+              <a:ext uri="{FF2B5EF4-FFF2-40B4-BE49-F238E27FC236}">
+                <a16:creationId xmlns:a16="http://schemas.microsoft.com/office/drawing/2014/main" id="{A0A7D737-F221-046F-94CD-FA142E6263C6}"/>
+              </a:ext>
+            </a:extLst>
+          </p:cNvPr>
+          <p:cNvSpPr/>
+          <p:nvPr/>
+        </p:nvSpPr>
+        <p:spPr>
+          <a:xfrm>
+            <a:off x="3607183" y="5654645"/>
+            <a:ext cx="315768" cy="138546"/>
+          </a:xfrm>
+          <a:prstGeom prst="rect">
+            <a:avLst/>
+          </a:prstGeom>
+          <a:solidFill>
+            <a:schemeClr val="bg1"/>
+          </a:solidFill>
+        </p:spPr>
+        <p:style>
+          <a:lnRef idx="2">
+            <a:schemeClr val="accent1">
+              <a:shade val="15000"/>
+            </a:schemeClr>
+          </a:lnRef>
+          <a:fillRef idx="1">
+            <a:schemeClr val="accent1"/>
+          </a:fillRef>
+          <a:effectRef idx="0">
+            <a:schemeClr val="accent1"/>
+          </a:effectRef>
+          <a:fontRef idx="minor">
+            <a:schemeClr val="lt1"/>
+          </a:fontRef>
+        </p:style>
+        <p:txBody>
+          <a:bodyPr rtlCol="0" anchor="ctr"/>
+          <a:lstStyle/>
+          <a:p>
+            <a:pPr algn="ctr"/>
+            <a:endParaRPr lang="ko-KR" altLang="en-US"/>
+          </a:p>
+        </p:txBody>
+      </p:sp>
+      <p:sp>
+        <p:nvSpPr>
+          <p:cNvPr id="16" name="직사각형 15">
+            <a:extLst>
+              <a:ext uri="{FF2B5EF4-FFF2-40B4-BE49-F238E27FC236}">
+                <a16:creationId xmlns:a16="http://schemas.microsoft.com/office/drawing/2014/main" id="{E1EE3B24-A7DF-9DA1-FD4C-893A2F3D10A0}"/>
+              </a:ext>
+            </a:extLst>
+          </p:cNvPr>
+          <p:cNvSpPr/>
+          <p:nvPr/>
+        </p:nvSpPr>
+        <p:spPr>
+          <a:xfrm>
+            <a:off x="3532404" y="3939971"/>
+            <a:ext cx="461819" cy="554183"/>
+          </a:xfrm>
+          <a:prstGeom prst="rect">
+            <a:avLst/>
+          </a:prstGeom>
+          <a:solidFill>
+            <a:schemeClr val="tx1">
+              <a:lumMod val="95000"/>
+              <a:lumOff val="5000"/>
+            </a:schemeClr>
+          </a:solidFill>
+        </p:spPr>
+        <p:style>
+          <a:lnRef idx="2">
+            <a:schemeClr val="accent1">
+              <a:shade val="15000"/>
+            </a:schemeClr>
+          </a:lnRef>
+          <a:fillRef idx="1">
+            <a:schemeClr val="accent1"/>
+          </a:fillRef>
+          <a:effectRef idx="0">
+            <a:schemeClr val="accent1"/>
+          </a:effectRef>
+          <a:fontRef idx="minor">
+            <a:schemeClr val="lt1"/>
+          </a:fontRef>
+        </p:style>
+        <p:txBody>
+          <a:bodyPr rtlCol="0" anchor="ctr"/>
+          <a:lstStyle/>
+          <a:p>
+            <a:pPr algn="ctr"/>
+            <a:endParaRPr lang="ko-KR" altLang="en-US"/>
+          </a:p>
+        </p:txBody>
+      </p:sp>
+      <p:sp>
+        <p:nvSpPr>
+          <p:cNvPr id="17" name="직사각형 16">
+            <a:extLst>
+              <a:ext uri="{FF2B5EF4-FFF2-40B4-BE49-F238E27FC236}">
+                <a16:creationId xmlns:a16="http://schemas.microsoft.com/office/drawing/2014/main" id="{5804288A-9739-14C6-C419-4406552E3179}"/>
+              </a:ext>
+            </a:extLst>
+          </p:cNvPr>
+          <p:cNvSpPr/>
+          <p:nvPr/>
+        </p:nvSpPr>
+        <p:spPr>
+          <a:xfrm>
+            <a:off x="3572325" y="3939971"/>
+            <a:ext cx="315768" cy="138546"/>
+          </a:xfrm>
+          <a:prstGeom prst="rect">
+            <a:avLst/>
+          </a:prstGeom>
+          <a:solidFill>
+            <a:schemeClr val="bg1"/>
+          </a:solidFill>
+        </p:spPr>
+        <p:style>
+          <a:lnRef idx="2">
+            <a:schemeClr val="accent1">
+              <a:shade val="15000"/>
+            </a:schemeClr>
+          </a:lnRef>
+          <a:fillRef idx="1">
+            <a:schemeClr val="accent1"/>
+          </a:fillRef>
+          <a:effectRef idx="0">
+            <a:schemeClr val="accent1"/>
+          </a:effectRef>
+          <a:fontRef idx="minor">
+            <a:schemeClr val="lt1"/>
+          </a:fontRef>
+        </p:style>
+        <p:txBody>
+          <a:bodyPr rtlCol="0" anchor="ctr"/>
+          <a:lstStyle/>
+          <a:p>
+            <a:pPr algn="ctr"/>
+            <a:endParaRPr lang="ko-KR" altLang="en-US"/>
+          </a:p>
+        </p:txBody>
+      </p:sp>
+      <p:sp>
+        <p:nvSpPr>
+          <p:cNvPr id="18" name="직사각형 17">
+            <a:extLst>
+              <a:ext uri="{FF2B5EF4-FFF2-40B4-BE49-F238E27FC236}">
+                <a16:creationId xmlns:a16="http://schemas.microsoft.com/office/drawing/2014/main" id="{FB7D56CE-44F4-6337-56B1-64D4199FD6CB}"/>
+              </a:ext>
+            </a:extLst>
+          </p:cNvPr>
+          <p:cNvSpPr/>
+          <p:nvPr/>
+        </p:nvSpPr>
+        <p:spPr>
+          <a:xfrm>
+            <a:off x="3576946" y="4129315"/>
+            <a:ext cx="315768" cy="138546"/>
+          </a:xfrm>
+          <a:prstGeom prst="rect">
+            <a:avLst/>
+          </a:prstGeom>
+          <a:solidFill>
+            <a:schemeClr val="bg1"/>
+          </a:solidFill>
+        </p:spPr>
+        <p:style>
+          <a:lnRef idx="2">
+            <a:schemeClr val="accent1">
+              <a:shade val="15000"/>
+            </a:schemeClr>
+          </a:lnRef>
+          <a:fillRef idx="1">
+            <a:schemeClr val="accent1"/>
+          </a:fillRef>
+          <a:effectRef idx="0">
+            <a:schemeClr val="accent1"/>
+          </a:effectRef>
+          <a:fontRef idx="minor">
+            <a:schemeClr val="lt1"/>
+          </a:fontRef>
+        </p:style>
+        <p:txBody>
+          <a:bodyPr rtlCol="0" anchor="ctr"/>
+          <a:lstStyle/>
+          <a:p>
+            <a:pPr algn="ctr"/>
+            <a:endParaRPr lang="ko-KR" altLang="en-US"/>
+          </a:p>
+        </p:txBody>
+      </p:sp>
+      <p:sp>
+        <p:nvSpPr>
+          <p:cNvPr id="19" name="직사각형 18">
+            <a:extLst>
+              <a:ext uri="{FF2B5EF4-FFF2-40B4-BE49-F238E27FC236}">
+                <a16:creationId xmlns:a16="http://schemas.microsoft.com/office/drawing/2014/main" id="{95FA2856-7B4C-3B85-0125-A2998DB9D6D5}"/>
+              </a:ext>
+            </a:extLst>
+          </p:cNvPr>
+          <p:cNvSpPr/>
+          <p:nvPr/>
+        </p:nvSpPr>
+        <p:spPr>
+          <a:xfrm>
+            <a:off x="3572329" y="4309423"/>
+            <a:ext cx="315768" cy="138546"/>
+          </a:xfrm>
+          <a:prstGeom prst="rect">
+            <a:avLst/>
+          </a:prstGeom>
+          <a:solidFill>
+            <a:schemeClr val="bg1"/>
+          </a:solidFill>
+        </p:spPr>
+        <p:style>
+          <a:lnRef idx="2">
+            <a:schemeClr val="accent1">
+              <a:shade val="15000"/>
+            </a:schemeClr>
+          </a:lnRef>
+          <a:fillRef idx="1">
+            <a:schemeClr val="accent1"/>
+          </a:fillRef>
+          <a:effectRef idx="0">
+            <a:schemeClr val="accent1"/>
+          </a:effectRef>
+          <a:fontRef idx="minor">
+            <a:schemeClr val="lt1"/>
+          </a:fontRef>
+        </p:style>
+        <p:txBody>
+          <a:bodyPr rtlCol="0" anchor="ctr"/>
+          <a:lstStyle/>
+          <a:p>
+            <a:pPr algn="ctr"/>
+            <a:endParaRPr lang="ko-KR" altLang="en-US"/>
+          </a:p>
+        </p:txBody>
+      </p:sp>
+      <p:sp>
+        <p:nvSpPr>
+          <p:cNvPr id="20" name="직사각형 19">
+            <a:extLst>
+              <a:ext uri="{FF2B5EF4-FFF2-40B4-BE49-F238E27FC236}">
+                <a16:creationId xmlns:a16="http://schemas.microsoft.com/office/drawing/2014/main" id="{B25EC3BB-3D02-90C3-3051-C8222FD5CBA7}"/>
+              </a:ext>
+            </a:extLst>
+          </p:cNvPr>
+          <p:cNvSpPr/>
+          <p:nvPr/>
+        </p:nvSpPr>
+        <p:spPr>
+          <a:xfrm>
+            <a:off x="3532400" y="2739909"/>
+            <a:ext cx="461819" cy="554183"/>
+          </a:xfrm>
+          <a:prstGeom prst="rect">
+            <a:avLst/>
+          </a:prstGeom>
+          <a:solidFill>
+            <a:schemeClr val="tx1">
+              <a:lumMod val="95000"/>
+              <a:lumOff val="5000"/>
+            </a:schemeClr>
+          </a:solidFill>
+        </p:spPr>
+        <p:style>
+          <a:lnRef idx="2">
+            <a:schemeClr val="accent1">
+              <a:shade val="15000"/>
+            </a:schemeClr>
+          </a:lnRef>
+          <a:fillRef idx="1">
+            <a:schemeClr val="accent1"/>
+          </a:fillRef>
+          <a:effectRef idx="0">
+            <a:schemeClr val="accent1"/>
+          </a:effectRef>
+          <a:fontRef idx="minor">
+            <a:schemeClr val="lt1"/>
+          </a:fontRef>
+        </p:style>
+        <p:txBody>
+          <a:bodyPr rtlCol="0" anchor="ctr"/>
+          <a:lstStyle/>
+          <a:p>
+            <a:pPr algn="ctr"/>
+            <a:endParaRPr lang="ko-KR" altLang="en-US"/>
+          </a:p>
+        </p:txBody>
+      </p:sp>
+      <p:sp>
+        <p:nvSpPr>
+          <p:cNvPr id="21" name="직사각형 20">
+            <a:extLst>
+              <a:ext uri="{FF2B5EF4-FFF2-40B4-BE49-F238E27FC236}">
+                <a16:creationId xmlns:a16="http://schemas.microsoft.com/office/drawing/2014/main" id="{11DB30D5-F3CB-4F50-3FC0-F49474034D6C}"/>
+              </a:ext>
+            </a:extLst>
+          </p:cNvPr>
+          <p:cNvSpPr/>
+          <p:nvPr/>
+        </p:nvSpPr>
+        <p:spPr>
+          <a:xfrm>
+            <a:off x="3572321" y="2739909"/>
+            <a:ext cx="315768" cy="138546"/>
+          </a:xfrm>
+          <a:prstGeom prst="rect">
+            <a:avLst/>
+          </a:prstGeom>
+          <a:solidFill>
+            <a:schemeClr val="bg1"/>
+          </a:solidFill>
+        </p:spPr>
+        <p:style>
+          <a:lnRef idx="2">
+            <a:schemeClr val="accent1">
+              <a:shade val="15000"/>
+            </a:schemeClr>
+          </a:lnRef>
+          <a:fillRef idx="1">
+            <a:schemeClr val="accent1"/>
+          </a:fillRef>
+          <a:effectRef idx="0">
+            <a:schemeClr val="accent1"/>
+          </a:effectRef>
+          <a:fontRef idx="minor">
+            <a:schemeClr val="lt1"/>
+          </a:fontRef>
+        </p:style>
+        <p:txBody>
+          <a:bodyPr rtlCol="0" anchor="ctr"/>
+          <a:lstStyle/>
+          <a:p>
+            <a:pPr algn="ctr"/>
+            <a:endParaRPr lang="ko-KR" altLang="en-US"/>
+          </a:p>
+        </p:txBody>
+      </p:sp>
+      <p:sp>
+        <p:nvSpPr>
+          <p:cNvPr id="22" name="직사각형 21">
+            <a:extLst>
+              <a:ext uri="{FF2B5EF4-FFF2-40B4-BE49-F238E27FC236}">
+                <a16:creationId xmlns:a16="http://schemas.microsoft.com/office/drawing/2014/main" id="{8F2E34DE-EDD5-9A80-82F9-2A74A9DFD418}"/>
+              </a:ext>
+            </a:extLst>
+          </p:cNvPr>
+          <p:cNvSpPr/>
+          <p:nvPr/>
+        </p:nvSpPr>
+        <p:spPr>
+          <a:xfrm>
+            <a:off x="3576942" y="2929253"/>
+            <a:ext cx="315768" cy="138546"/>
+          </a:xfrm>
+          <a:prstGeom prst="rect">
+            <a:avLst/>
+          </a:prstGeom>
+          <a:solidFill>
+            <a:schemeClr val="bg1"/>
+          </a:solidFill>
+        </p:spPr>
+        <p:style>
+          <a:lnRef idx="2">
+            <a:schemeClr val="accent1">
+              <a:shade val="15000"/>
+            </a:schemeClr>
+          </a:lnRef>
+          <a:fillRef idx="1">
+            <a:schemeClr val="accent1"/>
+          </a:fillRef>
+          <a:effectRef idx="0">
+            <a:schemeClr val="accent1"/>
+          </a:effectRef>
+          <a:fontRef idx="minor">
+            <a:schemeClr val="lt1"/>
+          </a:fontRef>
+        </p:style>
+        <p:txBody>
+          <a:bodyPr rtlCol="0" anchor="ctr"/>
+          <a:lstStyle/>
+          <a:p>
+            <a:pPr algn="ctr"/>
+            <a:endParaRPr lang="ko-KR" altLang="en-US"/>
+          </a:p>
+        </p:txBody>
+      </p:sp>
+      <p:sp>
+        <p:nvSpPr>
+          <p:cNvPr id="23" name="직사각형 22">
+            <a:extLst>
+              <a:ext uri="{FF2B5EF4-FFF2-40B4-BE49-F238E27FC236}">
+                <a16:creationId xmlns:a16="http://schemas.microsoft.com/office/drawing/2014/main" id="{78F8C6D8-9207-F650-732A-E7AC5047F2BF}"/>
+              </a:ext>
+            </a:extLst>
+          </p:cNvPr>
+          <p:cNvSpPr/>
+          <p:nvPr/>
+        </p:nvSpPr>
+        <p:spPr>
+          <a:xfrm>
+            <a:off x="3572325" y="3109361"/>
+            <a:ext cx="315768" cy="138546"/>
+          </a:xfrm>
+          <a:prstGeom prst="rect">
+            <a:avLst/>
+          </a:prstGeom>
+          <a:solidFill>
+            <a:schemeClr val="bg1"/>
+          </a:solidFill>
+        </p:spPr>
+        <p:style>
+          <a:lnRef idx="2">
+            <a:schemeClr val="accent1">
+              <a:shade val="15000"/>
+            </a:schemeClr>
+          </a:lnRef>
+          <a:fillRef idx="1">
+            <a:schemeClr val="accent1"/>
+          </a:fillRef>
+          <a:effectRef idx="0">
+            <a:schemeClr val="accent1"/>
+          </a:effectRef>
+          <a:fontRef idx="minor">
+            <a:schemeClr val="lt1"/>
+          </a:fontRef>
+        </p:style>
+        <p:txBody>
+          <a:bodyPr rtlCol="0" anchor="ctr"/>
+          <a:lstStyle/>
+          <a:p>
+            <a:pPr algn="ctr"/>
+            <a:endParaRPr lang="ko-KR" altLang="en-US"/>
+          </a:p>
+        </p:txBody>
+      </p:sp>
+      <p:sp>
+        <p:nvSpPr>
+          <p:cNvPr id="24" name="직사각형 23">
+            <a:extLst>
+              <a:ext uri="{FF2B5EF4-FFF2-40B4-BE49-F238E27FC236}">
+                <a16:creationId xmlns:a16="http://schemas.microsoft.com/office/drawing/2014/main" id="{97E022F2-904B-2964-283A-EDB18C972BC8}"/>
+              </a:ext>
+            </a:extLst>
+          </p:cNvPr>
+          <p:cNvSpPr/>
+          <p:nvPr/>
+        </p:nvSpPr>
+        <p:spPr>
+          <a:xfrm>
+            <a:off x="3537017" y="1628573"/>
+            <a:ext cx="461819" cy="554183"/>
+          </a:xfrm>
+          <a:prstGeom prst="rect">
+            <a:avLst/>
+          </a:prstGeom>
+          <a:solidFill>
+            <a:schemeClr val="tx1">
+              <a:lumMod val="95000"/>
+              <a:lumOff val="5000"/>
+            </a:schemeClr>
+          </a:solidFill>
+        </p:spPr>
+        <p:style>
+          <a:lnRef idx="2">
+            <a:schemeClr val="accent1">
+              <a:shade val="15000"/>
+            </a:schemeClr>
+          </a:lnRef>
+          <a:fillRef idx="1">
+            <a:schemeClr val="accent1"/>
+          </a:fillRef>
+          <a:effectRef idx="0">
+            <a:schemeClr val="accent1"/>
+          </a:effectRef>
+          <a:fontRef idx="minor">
+            <a:schemeClr val="lt1"/>
+          </a:fontRef>
+        </p:style>
+        <p:txBody>
+          <a:bodyPr rtlCol="0" anchor="ctr"/>
+          <a:lstStyle/>
+          <a:p>
+            <a:pPr algn="ctr"/>
+            <a:endParaRPr lang="ko-KR" altLang="en-US"/>
+          </a:p>
+        </p:txBody>
+      </p:sp>
+      <p:sp>
+        <p:nvSpPr>
+          <p:cNvPr id="25" name="직사각형 24">
+            <a:extLst>
+              <a:ext uri="{FF2B5EF4-FFF2-40B4-BE49-F238E27FC236}">
+                <a16:creationId xmlns:a16="http://schemas.microsoft.com/office/drawing/2014/main" id="{C2B911DC-7F35-F7DA-4CDC-E2234A098D61}"/>
+              </a:ext>
+            </a:extLst>
+          </p:cNvPr>
+          <p:cNvSpPr/>
+          <p:nvPr/>
+        </p:nvSpPr>
+        <p:spPr>
+          <a:xfrm>
+            <a:off x="3576938" y="1628573"/>
+            <a:ext cx="315768" cy="138546"/>
+          </a:xfrm>
+          <a:prstGeom prst="rect">
+            <a:avLst/>
+          </a:prstGeom>
+          <a:solidFill>
+            <a:schemeClr val="bg1"/>
+          </a:solidFill>
+        </p:spPr>
+        <p:style>
+          <a:lnRef idx="2">
+            <a:schemeClr val="accent1">
+              <a:shade val="15000"/>
+            </a:schemeClr>
+          </a:lnRef>
+          <a:fillRef idx="1">
+            <a:schemeClr val="accent1"/>
+          </a:fillRef>
+          <a:effectRef idx="0">
+            <a:schemeClr val="accent1"/>
+          </a:effectRef>
+          <a:fontRef idx="minor">
+            <a:schemeClr val="lt1"/>
+          </a:fontRef>
+        </p:style>
+        <p:txBody>
+          <a:bodyPr rtlCol="0" anchor="ctr"/>
+          <a:lstStyle/>
+          <a:p>
+            <a:pPr algn="ctr"/>
+            <a:endParaRPr lang="ko-KR" altLang="en-US"/>
+          </a:p>
+        </p:txBody>
+      </p:sp>
+      <p:sp>
+        <p:nvSpPr>
+          <p:cNvPr id="26" name="직사각형 25">
+            <a:extLst>
+              <a:ext uri="{FF2B5EF4-FFF2-40B4-BE49-F238E27FC236}">
+                <a16:creationId xmlns:a16="http://schemas.microsoft.com/office/drawing/2014/main" id="{F171A8AB-CADE-4DD3-7D09-B41A6F989E0C}"/>
+              </a:ext>
+            </a:extLst>
+          </p:cNvPr>
+          <p:cNvSpPr/>
+          <p:nvPr/>
+        </p:nvSpPr>
+        <p:spPr>
+          <a:xfrm>
+            <a:off x="3581559" y="1817917"/>
+            <a:ext cx="315768" cy="138546"/>
+          </a:xfrm>
+          <a:prstGeom prst="rect">
+            <a:avLst/>
+          </a:prstGeom>
+          <a:solidFill>
+            <a:schemeClr val="bg1"/>
+          </a:solidFill>
+        </p:spPr>
+        <p:style>
+          <a:lnRef idx="2">
+            <a:schemeClr val="accent1">
+              <a:shade val="15000"/>
+            </a:schemeClr>
+          </a:lnRef>
+          <a:fillRef idx="1">
+            <a:schemeClr val="accent1"/>
+          </a:fillRef>
+          <a:effectRef idx="0">
+            <a:schemeClr val="accent1"/>
+          </a:effectRef>
+          <a:fontRef idx="minor">
+            <a:schemeClr val="lt1"/>
+          </a:fontRef>
+        </p:style>
+        <p:txBody>
+          <a:bodyPr rtlCol="0" anchor="ctr"/>
+          <a:lstStyle/>
+          <a:p>
+            <a:pPr algn="ctr"/>
+            <a:endParaRPr lang="ko-KR" altLang="en-US"/>
+          </a:p>
+        </p:txBody>
+      </p:sp>
+      <p:sp>
+        <p:nvSpPr>
+          <p:cNvPr id="27" name="직사각형 26">
+            <a:extLst>
+              <a:ext uri="{FF2B5EF4-FFF2-40B4-BE49-F238E27FC236}">
+                <a16:creationId xmlns:a16="http://schemas.microsoft.com/office/drawing/2014/main" id="{F40946BE-2723-5A6A-5DEB-D656D602D0A4}"/>
+              </a:ext>
+            </a:extLst>
+          </p:cNvPr>
+          <p:cNvSpPr/>
+          <p:nvPr/>
+        </p:nvSpPr>
+        <p:spPr>
+          <a:xfrm>
+            <a:off x="3576942" y="1998025"/>
+            <a:ext cx="315768" cy="138546"/>
+          </a:xfrm>
+          <a:prstGeom prst="rect">
+            <a:avLst/>
+          </a:prstGeom>
+          <a:solidFill>
+            <a:schemeClr val="bg1"/>
+          </a:solidFill>
+        </p:spPr>
+        <p:style>
+          <a:lnRef idx="2">
+            <a:schemeClr val="accent1">
+              <a:shade val="15000"/>
+            </a:schemeClr>
+          </a:lnRef>
+          <a:fillRef idx="1">
+            <a:schemeClr val="accent1"/>
+          </a:fillRef>
+          <a:effectRef idx="0">
+            <a:schemeClr val="accent1"/>
+          </a:effectRef>
+          <a:fontRef idx="minor">
+            <a:schemeClr val="lt1"/>
+          </a:fontRef>
+        </p:style>
+        <p:txBody>
+          <a:bodyPr rtlCol="0" anchor="ctr"/>
+          <a:lstStyle/>
+          <a:p>
+            <a:pPr algn="ctr"/>
+            <a:endParaRPr lang="ko-KR" altLang="en-US"/>
+          </a:p>
+        </p:txBody>
+      </p:sp>
+    </p:spTree>
+    <p:extLst>
+      <p:ext uri="{BB962C8B-B14F-4D97-AF65-F5344CB8AC3E}">
+        <p14:creationId xmlns:p14="http://schemas.microsoft.com/office/powerpoint/2010/main" val="2296525887"/>
+      </p:ext>
+    </p:extLst>
+  </p:cSld>
+  <p:clrMapOvr>
+    <a:masterClrMapping/>
+  </p:clrMapOvr>
+</p:sld>
+</file>
+
+<file path=ppt/slides/slide14.xml><?xml version="1.0" encoding="utf-8"?>
+<p:sld xmlns:a="http://schemas.openxmlformats.org/drawingml/2006/main" xmlns:r="http://schemas.openxmlformats.org/officeDocument/2006/relationships" xmlns:p="http://schemas.openxmlformats.org/presentationml/2006/main">
+  <p:cSld>
+    <p:spTree>
+      <p:nvGrpSpPr>
+        <p:cNvPr id="1" name="">
+          <a:extLst>
+            <a:ext uri="{FF2B5EF4-FFF2-40B4-BE49-F238E27FC236}">
+              <a16:creationId xmlns:a16="http://schemas.microsoft.com/office/drawing/2014/main" id="{805C35B7-EE91-8157-9C78-F43C303E6CAF}"/>
+            </a:ext>
+          </a:extLst>
+        </p:cNvPr>
+        <p:cNvGrpSpPr/>
+        <p:nvPr/>
+      </p:nvGrpSpPr>
+      <p:grpSpPr>
+        <a:xfrm>
+          <a:off x="0" y="0"/>
+          <a:ext cx="0" cy="0"/>
+          <a:chOff x="0" y="0"/>
+          <a:chExt cx="0" cy="0"/>
+        </a:xfrm>
+      </p:grpSpPr>
+      <p:sp>
+        <p:nvSpPr>
+          <p:cNvPr id="2" name="제목 1">
+            <a:extLst>
+              <a:ext uri="{FF2B5EF4-FFF2-40B4-BE49-F238E27FC236}">
+                <a16:creationId xmlns:a16="http://schemas.microsoft.com/office/drawing/2014/main" id="{EF4B8D3C-436E-C1D3-246A-23955650D0AB}"/>
+              </a:ext>
+            </a:extLst>
+          </p:cNvPr>
+          <p:cNvSpPr>
+            <a:spLocks noGrp="1"/>
+          </p:cNvSpPr>
+          <p:nvPr>
+            <p:ph type="title"/>
+          </p:nvPr>
+        </p:nvSpPr>
+        <p:spPr>
+          <a:xfrm>
+            <a:off x="81354" y="-113825"/>
+            <a:ext cx="10515600" cy="964911"/>
+          </a:xfrm>
+        </p:spPr>
+        <p:txBody>
+          <a:bodyPr>
+            <a:normAutofit/>
+          </a:bodyPr>
+          <a:lstStyle/>
+          <a:p>
+            <a:r>
+              <a:rPr lang="ko-KR" altLang="en-US" sz="2600" dirty="0"/>
+              <a:t>여러가지 사물 점프 맵</a:t>
+            </a:r>
+            <a:r>
+              <a:rPr lang="en-US" altLang="ko-KR" sz="2600" dirty="0"/>
+              <a:t>(</a:t>
+            </a:r>
+            <a:r>
+              <a:rPr lang="ko-KR" altLang="en-US" sz="2600" dirty="0"/>
+              <a:t>난이도</a:t>
+            </a:r>
+            <a:r>
+              <a:rPr lang="en-US" altLang="ko-KR" sz="2600" dirty="0"/>
+              <a:t>: </a:t>
+            </a:r>
+            <a:r>
+              <a:rPr lang="ko-KR" altLang="en-US" sz="2600" dirty="0"/>
+              <a:t>쉬움</a:t>
+            </a:r>
+            <a:r>
+              <a:rPr lang="en-US" altLang="ko-KR" sz="2600" dirty="0"/>
+              <a:t>)</a:t>
+            </a:r>
+            <a:endParaRPr lang="ko-KR" altLang="en-US" sz="2600" dirty="0"/>
+          </a:p>
+        </p:txBody>
+      </p:sp>
+      <p:sp>
+        <p:nvSpPr>
+          <p:cNvPr id="6" name="직사각형 5">
+            <a:extLst>
+              <a:ext uri="{FF2B5EF4-FFF2-40B4-BE49-F238E27FC236}">
+                <a16:creationId xmlns:a16="http://schemas.microsoft.com/office/drawing/2014/main" id="{A4E5EA8C-75C0-4315-FEFB-FA60C1603F9D}"/>
+              </a:ext>
+            </a:extLst>
+          </p:cNvPr>
+          <p:cNvSpPr/>
+          <p:nvPr/>
+        </p:nvSpPr>
+        <p:spPr>
+          <a:xfrm>
+            <a:off x="3896390" y="6132631"/>
+            <a:ext cx="434109" cy="530554"/>
+          </a:xfrm>
+          <a:prstGeom prst="rect">
+            <a:avLst/>
+          </a:prstGeom>
+          <a:solidFill>
+            <a:schemeClr val="accent2">
+              <a:lumMod val="50000"/>
+            </a:schemeClr>
+          </a:solidFill>
+        </p:spPr>
+        <p:style>
+          <a:lnRef idx="2">
+            <a:schemeClr val="accent1">
+              <a:shade val="15000"/>
+            </a:schemeClr>
+          </a:lnRef>
+          <a:fillRef idx="1">
+            <a:schemeClr val="accent1"/>
+          </a:fillRef>
+          <a:effectRef idx="0">
+            <a:schemeClr val="accent1"/>
+          </a:effectRef>
+          <a:fontRef idx="minor">
+            <a:schemeClr val="lt1"/>
+          </a:fontRef>
+        </p:style>
+        <p:txBody>
+          <a:bodyPr rtlCol="0" anchor="ctr"/>
+          <a:lstStyle/>
+          <a:p>
+            <a:pPr algn="ctr"/>
+            <a:endParaRPr lang="ko-KR" altLang="en-US"/>
+          </a:p>
+        </p:txBody>
+      </p:sp>
+      <p:sp>
+        <p:nvSpPr>
+          <p:cNvPr id="7" name="직사각형 6">
+            <a:extLst>
+              <a:ext uri="{FF2B5EF4-FFF2-40B4-BE49-F238E27FC236}">
+                <a16:creationId xmlns:a16="http://schemas.microsoft.com/office/drawing/2014/main" id="{4A2B9E34-DD6A-AF79-32C9-347D5EF2B121}"/>
+              </a:ext>
+            </a:extLst>
+          </p:cNvPr>
+          <p:cNvSpPr/>
+          <p:nvPr/>
+        </p:nvSpPr>
+        <p:spPr>
+          <a:xfrm>
+            <a:off x="3896389" y="5148778"/>
+            <a:ext cx="434109" cy="530554"/>
+          </a:xfrm>
+          <a:prstGeom prst="rect">
+            <a:avLst/>
+          </a:prstGeom>
+          <a:solidFill>
+            <a:schemeClr val="accent2">
+              <a:lumMod val="50000"/>
+            </a:schemeClr>
+          </a:solidFill>
+        </p:spPr>
+        <p:style>
+          <a:lnRef idx="2">
+            <a:schemeClr val="accent1">
+              <a:shade val="15000"/>
+            </a:schemeClr>
+          </a:lnRef>
+          <a:fillRef idx="1">
+            <a:schemeClr val="accent1"/>
+          </a:fillRef>
+          <a:effectRef idx="0">
+            <a:schemeClr val="accent1"/>
+          </a:effectRef>
+          <a:fontRef idx="minor">
+            <a:schemeClr val="lt1"/>
+          </a:fontRef>
+        </p:style>
+        <p:txBody>
+          <a:bodyPr rtlCol="0" anchor="ctr"/>
+          <a:lstStyle/>
+          <a:p>
+            <a:pPr algn="ctr"/>
+            <a:endParaRPr lang="ko-KR" altLang="en-US"/>
+          </a:p>
+        </p:txBody>
+      </p:sp>
+      <p:sp>
+        <p:nvSpPr>
+          <p:cNvPr id="11" name="화살표: 오른쪽 10">
+            <a:extLst>
+              <a:ext uri="{FF2B5EF4-FFF2-40B4-BE49-F238E27FC236}">
+                <a16:creationId xmlns:a16="http://schemas.microsoft.com/office/drawing/2014/main" id="{91EB5B14-EE1B-7044-0514-C31A3CB4A7EC}"/>
+              </a:ext>
+            </a:extLst>
+          </p:cNvPr>
+          <p:cNvSpPr/>
+          <p:nvPr/>
+        </p:nvSpPr>
+        <p:spPr>
+          <a:xfrm rot="13184321">
+            <a:off x="5801956" y="1709926"/>
+            <a:ext cx="566354" cy="261734"/>
+          </a:xfrm>
+          <a:prstGeom prst="rightArrow">
+            <a:avLst/>
+          </a:prstGeom>
+          <a:solidFill>
+            <a:schemeClr val="accent1">
+              <a:lumMod val="20000"/>
+              <a:lumOff val="80000"/>
+            </a:schemeClr>
+          </a:solidFill>
+        </p:spPr>
+        <p:style>
+          <a:lnRef idx="2">
+            <a:schemeClr val="accent1">
+              <a:shade val="15000"/>
+            </a:schemeClr>
+          </a:lnRef>
+          <a:fillRef idx="1">
+            <a:schemeClr val="accent1"/>
+          </a:fillRef>
+          <a:effectRef idx="0">
+            <a:schemeClr val="accent1"/>
+          </a:effectRef>
+          <a:fontRef idx="minor">
+            <a:schemeClr val="lt1"/>
+          </a:fontRef>
+        </p:style>
+        <p:txBody>
+          <a:bodyPr rtlCol="0" anchor="ctr"/>
+          <a:lstStyle/>
+          <a:p>
+            <a:pPr algn="ctr"/>
+            <a:endParaRPr lang="ko-KR" altLang="en-US"/>
+          </a:p>
+        </p:txBody>
+      </p:sp>
+      <p:sp>
+        <p:nvSpPr>
+          <p:cNvPr id="13" name="화살표: 오른쪽 12">
+            <a:extLst>
+              <a:ext uri="{FF2B5EF4-FFF2-40B4-BE49-F238E27FC236}">
+                <a16:creationId xmlns:a16="http://schemas.microsoft.com/office/drawing/2014/main" id="{AED2BB74-1430-7BCE-C633-34C11B5117D9}"/>
+              </a:ext>
+            </a:extLst>
+          </p:cNvPr>
+          <p:cNvSpPr/>
+          <p:nvPr/>
+        </p:nvSpPr>
+        <p:spPr>
+          <a:xfrm rot="18795109">
+            <a:off x="5562919" y="4483829"/>
+            <a:ext cx="566354" cy="261734"/>
+          </a:xfrm>
+          <a:prstGeom prst="rightArrow">
+            <a:avLst/>
+          </a:prstGeom>
+          <a:solidFill>
+            <a:schemeClr val="accent1">
+              <a:lumMod val="20000"/>
+              <a:lumOff val="80000"/>
+            </a:schemeClr>
+          </a:solidFill>
+        </p:spPr>
+        <p:style>
+          <a:lnRef idx="2">
+            <a:schemeClr val="accent1">
+              <a:shade val="15000"/>
+            </a:schemeClr>
+          </a:lnRef>
+          <a:fillRef idx="1">
+            <a:schemeClr val="accent1"/>
+          </a:fillRef>
+          <a:effectRef idx="0">
+            <a:schemeClr val="accent1"/>
+          </a:effectRef>
+          <a:fontRef idx="minor">
+            <a:schemeClr val="lt1"/>
+          </a:fontRef>
+        </p:style>
+        <p:txBody>
+          <a:bodyPr rtlCol="0" anchor="ctr"/>
+          <a:lstStyle/>
+          <a:p>
+            <a:pPr algn="ctr"/>
+            <a:endParaRPr lang="ko-KR" altLang="en-US"/>
+          </a:p>
+        </p:txBody>
+      </p:sp>
+      <p:sp>
+        <p:nvSpPr>
+          <p:cNvPr id="15" name="화살표: 오른쪽 14">
+            <a:extLst>
+              <a:ext uri="{FF2B5EF4-FFF2-40B4-BE49-F238E27FC236}">
+                <a16:creationId xmlns:a16="http://schemas.microsoft.com/office/drawing/2014/main" id="{8C4B20BE-F15C-6A03-7673-0AB45B6BCA24}"/>
+              </a:ext>
+            </a:extLst>
+          </p:cNvPr>
+          <p:cNvSpPr/>
+          <p:nvPr/>
+        </p:nvSpPr>
+        <p:spPr>
+          <a:xfrm rot="16200000">
+            <a:off x="4515967" y="5677690"/>
+            <a:ext cx="492419" cy="209408"/>
+          </a:xfrm>
+          <a:prstGeom prst="rightArrow">
+            <a:avLst/>
+          </a:prstGeom>
+          <a:solidFill>
+            <a:schemeClr val="accent1">
+              <a:lumMod val="20000"/>
+              <a:lumOff val="80000"/>
+            </a:schemeClr>
+          </a:solidFill>
+        </p:spPr>
+        <p:style>
+          <a:lnRef idx="2">
+            <a:schemeClr val="accent1">
+              <a:shade val="15000"/>
+            </a:schemeClr>
+          </a:lnRef>
+          <a:fillRef idx="1">
+            <a:schemeClr val="accent1"/>
+          </a:fillRef>
+          <a:effectRef idx="0">
+            <a:schemeClr val="accent1"/>
+          </a:effectRef>
+          <a:fontRef idx="minor">
+            <a:schemeClr val="lt1"/>
+          </a:fontRef>
+        </p:style>
+        <p:txBody>
+          <a:bodyPr rtlCol="0" anchor="ctr"/>
+          <a:lstStyle/>
+          <a:p>
+            <a:pPr algn="ctr"/>
+            <a:endParaRPr lang="ko-KR" altLang="en-US"/>
+          </a:p>
+        </p:txBody>
+      </p:sp>
+      <p:sp>
+        <p:nvSpPr>
+          <p:cNvPr id="17" name="직사각형 16">
+            <a:extLst>
+              <a:ext uri="{FF2B5EF4-FFF2-40B4-BE49-F238E27FC236}">
+                <a16:creationId xmlns:a16="http://schemas.microsoft.com/office/drawing/2014/main" id="{16B0D1DD-C1A5-6752-C1BA-6F8F1E195885}"/>
+              </a:ext>
+            </a:extLst>
+          </p:cNvPr>
+          <p:cNvSpPr/>
+          <p:nvPr/>
+        </p:nvSpPr>
+        <p:spPr>
+          <a:xfrm>
+            <a:off x="5539456" y="2775852"/>
+            <a:ext cx="434109" cy="530554"/>
+          </a:xfrm>
+          <a:prstGeom prst="rect">
+            <a:avLst/>
+          </a:prstGeom>
+          <a:solidFill>
+            <a:schemeClr val="accent2">
+              <a:lumMod val="50000"/>
+            </a:schemeClr>
+          </a:solidFill>
+        </p:spPr>
+        <p:style>
+          <a:lnRef idx="2">
+            <a:schemeClr val="accent1">
+              <a:shade val="15000"/>
+            </a:schemeClr>
+          </a:lnRef>
+          <a:fillRef idx="1">
+            <a:schemeClr val="accent1"/>
+          </a:fillRef>
+          <a:effectRef idx="0">
+            <a:schemeClr val="accent1"/>
+          </a:effectRef>
+          <a:fontRef idx="minor">
+            <a:schemeClr val="lt1"/>
+          </a:fontRef>
+        </p:style>
+        <p:txBody>
+          <a:bodyPr rtlCol="0" anchor="ctr"/>
+          <a:lstStyle/>
+          <a:p>
+            <a:pPr algn="ctr"/>
+            <a:endParaRPr lang="ko-KR" altLang="en-US"/>
+          </a:p>
+        </p:txBody>
+      </p:sp>
+      <p:sp>
+        <p:nvSpPr>
+          <p:cNvPr id="20" name="직사각형 19">
+            <a:extLst>
+              <a:ext uri="{FF2B5EF4-FFF2-40B4-BE49-F238E27FC236}">
+                <a16:creationId xmlns:a16="http://schemas.microsoft.com/office/drawing/2014/main" id="{A8814E64-614F-D86D-F810-3976D2229F01}"/>
+              </a:ext>
+            </a:extLst>
+          </p:cNvPr>
+          <p:cNvSpPr/>
+          <p:nvPr/>
+        </p:nvSpPr>
+        <p:spPr>
+          <a:xfrm>
+            <a:off x="3891056" y="797047"/>
+            <a:ext cx="434109" cy="530554"/>
+          </a:xfrm>
+          <a:prstGeom prst="rect">
+            <a:avLst/>
+          </a:prstGeom>
+          <a:solidFill>
+            <a:schemeClr val="accent2">
+              <a:lumMod val="50000"/>
+            </a:schemeClr>
+          </a:solidFill>
+        </p:spPr>
+        <p:style>
+          <a:lnRef idx="2">
+            <a:schemeClr val="accent1">
+              <a:shade val="15000"/>
+            </a:schemeClr>
+          </a:lnRef>
+          <a:fillRef idx="1">
+            <a:schemeClr val="accent1"/>
+          </a:fillRef>
+          <a:effectRef idx="0">
+            <a:schemeClr val="accent1"/>
+          </a:effectRef>
+          <a:fontRef idx="minor">
+            <a:schemeClr val="lt1"/>
+          </a:fontRef>
+        </p:style>
+        <p:txBody>
+          <a:bodyPr rtlCol="0" anchor="ctr"/>
+          <a:lstStyle/>
+          <a:p>
+            <a:pPr algn="ctr"/>
+            <a:endParaRPr lang="ko-KR" altLang="en-US"/>
+          </a:p>
+        </p:txBody>
+      </p:sp>
+      <p:sp>
+        <p:nvSpPr>
+          <p:cNvPr id="21" name="화살표: 오른쪽 20">
+            <a:extLst>
+              <a:ext uri="{FF2B5EF4-FFF2-40B4-BE49-F238E27FC236}">
+                <a16:creationId xmlns:a16="http://schemas.microsoft.com/office/drawing/2014/main" id="{9497FCB1-E733-BCB7-EC20-C236449FCA2D}"/>
+              </a:ext>
+            </a:extLst>
+          </p:cNvPr>
+          <p:cNvSpPr/>
+          <p:nvPr/>
+        </p:nvSpPr>
+        <p:spPr>
+          <a:xfrm rot="13184321">
+            <a:off x="4747919" y="955221"/>
+            <a:ext cx="566354" cy="261734"/>
+          </a:xfrm>
+          <a:prstGeom prst="rightArrow">
+            <a:avLst/>
+          </a:prstGeom>
+          <a:solidFill>
+            <a:schemeClr val="accent1">
+              <a:lumMod val="20000"/>
+              <a:lumOff val="80000"/>
+            </a:schemeClr>
+          </a:solidFill>
+        </p:spPr>
+        <p:style>
+          <a:lnRef idx="2">
+            <a:schemeClr val="accent1">
+              <a:shade val="15000"/>
+            </a:schemeClr>
+          </a:lnRef>
+          <a:fillRef idx="1">
+            <a:schemeClr val="accent1"/>
+          </a:fillRef>
+          <a:effectRef idx="0">
+            <a:schemeClr val="accent1"/>
+          </a:effectRef>
+          <a:fontRef idx="minor">
+            <a:schemeClr val="lt1"/>
+          </a:fontRef>
+        </p:style>
+        <p:txBody>
+          <a:bodyPr rtlCol="0" anchor="ctr"/>
+          <a:lstStyle/>
+          <a:p>
+            <a:pPr algn="ctr"/>
+            <a:endParaRPr lang="ko-KR" altLang="en-US"/>
+          </a:p>
+        </p:txBody>
+      </p:sp>
+      <p:graphicFrame>
+        <p:nvGraphicFramePr>
+          <p:cNvPr id="23" name="표 22">
+            <a:extLst>
+              <a:ext uri="{FF2B5EF4-FFF2-40B4-BE49-F238E27FC236}">
+                <a16:creationId xmlns:a16="http://schemas.microsoft.com/office/drawing/2014/main" id="{BC8A3724-D20C-0183-BFB1-F23750328621}"/>
+              </a:ext>
+            </a:extLst>
+          </p:cNvPr>
+          <p:cNvGraphicFramePr>
+            <a:graphicFrameLocks noGrp="1"/>
+          </p:cNvGraphicFramePr>
+          <p:nvPr>
+            <p:extLst>
+              <p:ext uri="{D42A27DB-BD31-4B8C-83A1-F6EECF244321}">
+                <p14:modId xmlns:p14="http://schemas.microsoft.com/office/powerpoint/2010/main" val="708065515"/>
+              </p:ext>
+            </p:extLst>
+          </p:nvPr>
+        </p:nvGraphicFramePr>
+        <p:xfrm>
+          <a:off x="7616632" y="125583"/>
+          <a:ext cx="4076442" cy="6007048"/>
+        </p:xfrm>
+        <a:graphic>
+          <a:graphicData uri="http://schemas.openxmlformats.org/drawingml/2006/table">
+            <a:tbl>
+              <a:tblPr firstRow="1" bandRow="1">
+                <a:tableStyleId>{5C22544A-7EE6-4342-B048-85BDC9FD1C3A}</a:tableStyleId>
+              </a:tblPr>
+              <a:tblGrid>
+                <a:gridCol w="1983230">
+                  <a:extLst>
+                    <a:ext uri="{9D8B030D-6E8A-4147-A177-3AD203B41FA5}">
+                      <a16:colId xmlns:a16="http://schemas.microsoft.com/office/drawing/2014/main" val="3816369926"/>
+                    </a:ext>
+                  </a:extLst>
+                </a:gridCol>
+                <a:gridCol w="2093212">
+                  <a:extLst>
+                    <a:ext uri="{9D8B030D-6E8A-4147-A177-3AD203B41FA5}">
+                      <a16:colId xmlns:a16="http://schemas.microsoft.com/office/drawing/2014/main" val="547672912"/>
+                    </a:ext>
+                  </a:extLst>
+                </a:gridCol>
+              </a:tblGrid>
+              <a:tr h="555732">
+                <a:tc>
+                  <a:txBody>
+                    <a:bodyPr/>
+                    <a:lstStyle/>
+                    <a:p>
+                      <a:pPr latinLnBrk="1"/>
+                      <a:r>
+                        <a:rPr lang="ko-KR" altLang="en-US" dirty="0"/>
+                        <a:t>등장 하는 사물</a:t>
+                      </a:r>
+                    </a:p>
+                  </a:txBody>
+                  <a:tcPr/>
+                </a:tc>
+                <a:tc>
+                  <a:txBody>
+                    <a:bodyPr/>
+                    <a:lstStyle/>
+                    <a:p>
+                      <a:pPr latinLnBrk="1"/>
+                      <a:r>
+                        <a:rPr lang="ko-KR" altLang="en-US" dirty="0"/>
+                        <a:t>사진</a:t>
+                      </a:r>
+                    </a:p>
+                  </a:txBody>
+                  <a:tcPr/>
+                </a:tc>
+                <a:extLst>
+                  <a:ext uri="{0D108BD9-81ED-4DB2-BD59-A6C34878D82A}">
+                    <a16:rowId xmlns:a16="http://schemas.microsoft.com/office/drawing/2014/main" val="2983487876"/>
+                  </a:ext>
+                </a:extLst>
+              </a:tr>
+              <a:tr h="1932720">
+                <a:tc>
+                  <a:txBody>
+                    <a:bodyPr/>
+                    <a:lstStyle/>
+                    <a:p>
+                      <a:pPr latinLnBrk="1"/>
+                      <a:endParaRPr lang="en-US" altLang="ko-KR" dirty="0"/>
+                    </a:p>
+                    <a:p>
+                      <a:pPr latinLnBrk="1"/>
+                      <a:endParaRPr lang="en-US" altLang="ko-KR" dirty="0"/>
+                    </a:p>
+                    <a:p>
+                      <a:pPr latinLnBrk="1"/>
+                      <a:endParaRPr lang="en-US" altLang="ko-KR" dirty="0"/>
+                    </a:p>
+                    <a:p>
+                      <a:pPr latinLnBrk="1"/>
+                      <a:r>
+                        <a:rPr lang="ko-KR" altLang="en-US" dirty="0"/>
+                        <a:t>나무 통</a:t>
+                      </a:r>
+                      <a:endParaRPr lang="en-US" altLang="ko-KR" dirty="0"/>
+                    </a:p>
+                  </a:txBody>
+                  <a:tcPr/>
+                </a:tc>
+                <a:tc>
+                  <a:txBody>
+                    <a:bodyPr/>
+                    <a:lstStyle/>
+                    <a:p>
+                      <a:pPr latinLnBrk="1"/>
+                      <a:endParaRPr lang="ko-KR" altLang="en-US" dirty="0"/>
+                    </a:p>
+                  </a:txBody>
+                  <a:tcPr/>
+                </a:tc>
+                <a:extLst>
+                  <a:ext uri="{0D108BD9-81ED-4DB2-BD59-A6C34878D82A}">
+                    <a16:rowId xmlns:a16="http://schemas.microsoft.com/office/drawing/2014/main" val="1475488419"/>
+                  </a:ext>
+                </a:extLst>
+              </a:tr>
+              <a:tr h="1585876">
+                <a:tc>
+                  <a:txBody>
+                    <a:bodyPr/>
+                    <a:lstStyle/>
+                    <a:p>
+                      <a:pPr latinLnBrk="1"/>
+                      <a:endParaRPr lang="en-US" altLang="ko-KR" dirty="0"/>
+                    </a:p>
+                    <a:p>
+                      <a:pPr latinLnBrk="1"/>
+                      <a:endParaRPr lang="en-US" altLang="ko-KR" dirty="0"/>
+                    </a:p>
+                    <a:p>
+                      <a:pPr latinLnBrk="1"/>
+                      <a:r>
+                        <a:rPr lang="ko-KR" altLang="en-US" dirty="0"/>
+                        <a:t>의자</a:t>
+                      </a:r>
+                      <a:endParaRPr lang="en-US" altLang="ko-KR" dirty="0"/>
+                    </a:p>
+                  </a:txBody>
+                  <a:tcPr/>
+                </a:tc>
+                <a:tc>
+                  <a:txBody>
+                    <a:bodyPr/>
+                    <a:lstStyle/>
+                    <a:p>
+                      <a:pPr latinLnBrk="1"/>
+                      <a:endParaRPr lang="ko-KR" altLang="en-US" dirty="0"/>
+                    </a:p>
+                  </a:txBody>
+                  <a:tcPr/>
+                </a:tc>
+                <a:extLst>
+                  <a:ext uri="{0D108BD9-81ED-4DB2-BD59-A6C34878D82A}">
+                    <a16:rowId xmlns:a16="http://schemas.microsoft.com/office/drawing/2014/main" val="3279451212"/>
+                  </a:ext>
+                </a:extLst>
+              </a:tr>
+              <a:tr h="1932720">
+                <a:tc>
+                  <a:txBody>
+                    <a:bodyPr/>
+                    <a:lstStyle/>
+                    <a:p>
+                      <a:pPr latinLnBrk="1"/>
+                      <a:endParaRPr lang="en-US" altLang="ko-KR" dirty="0"/>
+                    </a:p>
+                    <a:p>
+                      <a:pPr latinLnBrk="1"/>
+                      <a:endParaRPr lang="en-US" altLang="ko-KR" dirty="0"/>
+                    </a:p>
+                    <a:p>
+                      <a:pPr latinLnBrk="1"/>
+                      <a:endParaRPr lang="en-US" altLang="ko-KR" dirty="0"/>
+                    </a:p>
+                    <a:p>
+                      <a:pPr latinLnBrk="1"/>
+                      <a:r>
+                        <a:rPr lang="ko-KR" altLang="en-US" dirty="0"/>
+                        <a:t>나무 상자</a:t>
+                      </a:r>
+                      <a:endParaRPr lang="en-US" altLang="ko-KR" dirty="0"/>
+                    </a:p>
+                  </a:txBody>
+                  <a:tcPr/>
+                </a:tc>
+                <a:tc>
+                  <a:txBody>
+                    <a:bodyPr/>
+                    <a:lstStyle/>
+                    <a:p>
+                      <a:pPr latinLnBrk="1"/>
+                      <a:endParaRPr lang="ko-KR" altLang="en-US" dirty="0"/>
+                    </a:p>
+                  </a:txBody>
+                  <a:tcPr/>
+                </a:tc>
+                <a:extLst>
+                  <a:ext uri="{0D108BD9-81ED-4DB2-BD59-A6C34878D82A}">
+                    <a16:rowId xmlns:a16="http://schemas.microsoft.com/office/drawing/2014/main" val="3729409175"/>
+                  </a:ext>
+                </a:extLst>
+              </a:tr>
+            </a:tbl>
+          </a:graphicData>
+        </a:graphic>
+      </p:graphicFrame>
+      <p:pic>
+        <p:nvPicPr>
+          <p:cNvPr id="25" name="그림 24">
+            <a:extLst>
+              <a:ext uri="{FF2B5EF4-FFF2-40B4-BE49-F238E27FC236}">
+                <a16:creationId xmlns:a16="http://schemas.microsoft.com/office/drawing/2014/main" id="{88B08D91-5E00-07FC-504F-84F32FC3759A}"/>
+              </a:ext>
+            </a:extLst>
+          </p:cNvPr>
+          <p:cNvPicPr>
+            <a:picLocks noChangeAspect="1"/>
+          </p:cNvPicPr>
+          <p:nvPr/>
+        </p:nvPicPr>
+        <p:blipFill>
+          <a:blip r:embed="rId2"/>
+          <a:stretch>
+            <a:fillRect/>
+          </a:stretch>
+        </p:blipFill>
+        <p:spPr>
+          <a:xfrm>
+            <a:off x="9976746" y="696935"/>
+            <a:ext cx="1377054" cy="1901224"/>
+          </a:xfrm>
+          <a:prstGeom prst="rect">
+            <a:avLst/>
+          </a:prstGeom>
+        </p:spPr>
+      </p:pic>
+      <p:sp>
+        <p:nvSpPr>
+          <p:cNvPr id="26" name="TextBox 25">
+            <a:extLst>
+              <a:ext uri="{FF2B5EF4-FFF2-40B4-BE49-F238E27FC236}">
+                <a16:creationId xmlns:a16="http://schemas.microsoft.com/office/drawing/2014/main" id="{D0C8CD2F-07F0-3CE8-8CDA-14C084A77360}"/>
+              </a:ext>
+            </a:extLst>
+          </p:cNvPr>
+          <p:cNvSpPr txBox="1"/>
+          <p:nvPr/>
+        </p:nvSpPr>
+        <p:spPr>
+          <a:xfrm>
+            <a:off x="7416900" y="6152337"/>
+            <a:ext cx="4475905" cy="677108"/>
+          </a:xfrm>
+          <a:prstGeom prst="rect">
+            <a:avLst/>
+          </a:prstGeom>
+          <a:noFill/>
+        </p:spPr>
+        <p:txBody>
+          <a:bodyPr wrap="none" rtlCol="0">
+            <a:spAutoFit/>
+          </a:bodyPr>
+          <a:lstStyle/>
+          <a:p>
+            <a:r>
+              <a:rPr lang="ko-KR" altLang="en-US" sz="1900" dirty="0"/>
+              <a:t>의도</a:t>
+            </a:r>
+            <a:r>
+              <a:rPr lang="en-US" altLang="ko-KR" sz="1900" dirty="0"/>
+              <a:t>:</a:t>
+            </a:r>
+            <a:r>
+              <a:rPr lang="ko-KR" altLang="en-US" sz="1900" dirty="0"/>
+              <a:t> 여러가지 사물을 넣어 플레이어가</a:t>
+            </a:r>
+            <a:endParaRPr lang="en-US" altLang="ko-KR" sz="1900" dirty="0"/>
+          </a:p>
+          <a:p>
+            <a:r>
+              <a:rPr lang="ko-KR" altLang="en-US" sz="1900" dirty="0"/>
+              <a:t>색다르게 느끼도록 만든다</a:t>
+            </a:r>
+            <a:r>
+              <a:rPr lang="en-US" altLang="ko-KR" sz="1900" dirty="0"/>
+              <a:t>.</a:t>
+            </a:r>
+          </a:p>
+        </p:txBody>
+      </p:sp>
+      <p:pic>
+        <p:nvPicPr>
+          <p:cNvPr id="4" name="그림 3">
+            <a:extLst>
+              <a:ext uri="{FF2B5EF4-FFF2-40B4-BE49-F238E27FC236}">
+                <a16:creationId xmlns:a16="http://schemas.microsoft.com/office/drawing/2014/main" id="{5ECD8BC7-0850-F7AB-8886-443F70CFFB06}"/>
+              </a:ext>
+            </a:extLst>
+          </p:cNvPr>
+          <p:cNvPicPr>
+            <a:picLocks noChangeAspect="1"/>
+          </p:cNvPicPr>
+          <p:nvPr/>
+        </p:nvPicPr>
+        <p:blipFill>
+          <a:blip r:embed="rId3"/>
+          <a:stretch>
+            <a:fillRect/>
+          </a:stretch>
+        </p:blipFill>
+        <p:spPr>
+          <a:xfrm>
+            <a:off x="9903693" y="2709378"/>
+            <a:ext cx="1528087" cy="1439244"/>
+          </a:xfrm>
+          <a:prstGeom prst="rect">
+            <a:avLst/>
+          </a:prstGeom>
+        </p:spPr>
+      </p:pic>
+      <p:pic>
+        <p:nvPicPr>
+          <p:cNvPr id="24" name="그림 23">
+            <a:extLst>
+              <a:ext uri="{FF2B5EF4-FFF2-40B4-BE49-F238E27FC236}">
+                <a16:creationId xmlns:a16="http://schemas.microsoft.com/office/drawing/2014/main" id="{E52F082F-1F0E-B60D-E347-1CC3CD97A767}"/>
+              </a:ext>
+            </a:extLst>
+          </p:cNvPr>
+          <p:cNvPicPr>
+            <a:picLocks noChangeAspect="1"/>
+          </p:cNvPicPr>
+          <p:nvPr/>
+        </p:nvPicPr>
+        <p:blipFill>
+          <a:blip r:embed="rId4"/>
+          <a:stretch>
+            <a:fillRect/>
+          </a:stretch>
+        </p:blipFill>
+        <p:spPr>
+          <a:xfrm>
+            <a:off x="9614441" y="4182005"/>
+            <a:ext cx="1965027" cy="1835938"/>
+          </a:xfrm>
+          <a:prstGeom prst="rect">
+            <a:avLst/>
+          </a:prstGeom>
+        </p:spPr>
+      </p:pic>
+      <p:sp>
+        <p:nvSpPr>
+          <p:cNvPr id="27" name="직사각형 26">
+            <a:extLst>
+              <a:ext uri="{FF2B5EF4-FFF2-40B4-BE49-F238E27FC236}">
+                <a16:creationId xmlns:a16="http://schemas.microsoft.com/office/drawing/2014/main" id="{8223A65D-9C2F-E8FB-5B1B-60740BADC694}"/>
+              </a:ext>
+            </a:extLst>
+          </p:cNvPr>
+          <p:cNvSpPr/>
+          <p:nvPr/>
+        </p:nvSpPr>
+        <p:spPr>
+          <a:xfrm>
+            <a:off x="8994794" y="1318134"/>
+            <a:ext cx="434109" cy="530554"/>
+          </a:xfrm>
+          <a:prstGeom prst="rect">
+            <a:avLst/>
+          </a:prstGeom>
+          <a:solidFill>
+            <a:schemeClr val="accent2">
+              <a:lumMod val="50000"/>
+            </a:schemeClr>
+          </a:solidFill>
+        </p:spPr>
+        <p:style>
+          <a:lnRef idx="2">
+            <a:schemeClr val="accent1">
+              <a:shade val="15000"/>
+            </a:schemeClr>
+          </a:lnRef>
+          <a:fillRef idx="1">
+            <a:schemeClr val="accent1"/>
+          </a:fillRef>
+          <a:effectRef idx="0">
+            <a:schemeClr val="accent1"/>
+          </a:effectRef>
+          <a:fontRef idx="minor">
+            <a:schemeClr val="lt1"/>
+          </a:fontRef>
+        </p:style>
+        <p:txBody>
+          <a:bodyPr rtlCol="0" anchor="ctr"/>
+          <a:lstStyle/>
+          <a:p>
+            <a:pPr algn="ctr"/>
+            <a:endParaRPr lang="ko-KR" altLang="en-US"/>
+          </a:p>
+        </p:txBody>
+      </p:sp>
+      <p:sp>
+        <p:nvSpPr>
+          <p:cNvPr id="28" name="직사각형 27">
+            <a:extLst>
+              <a:ext uri="{FF2B5EF4-FFF2-40B4-BE49-F238E27FC236}">
+                <a16:creationId xmlns:a16="http://schemas.microsoft.com/office/drawing/2014/main" id="{C848EAAA-7256-E05F-F079-F3CC47979A31}"/>
+              </a:ext>
+            </a:extLst>
+          </p:cNvPr>
+          <p:cNvSpPr/>
+          <p:nvPr/>
+        </p:nvSpPr>
+        <p:spPr>
+          <a:xfrm>
+            <a:off x="9015585" y="3129107"/>
+            <a:ext cx="434109" cy="563329"/>
+          </a:xfrm>
+          <a:prstGeom prst="rect">
+            <a:avLst/>
+          </a:prstGeom>
+          <a:solidFill>
+            <a:schemeClr val="tx1"/>
+          </a:solidFill>
+        </p:spPr>
+        <p:style>
+          <a:lnRef idx="2">
+            <a:schemeClr val="accent1">
+              <a:shade val="15000"/>
+            </a:schemeClr>
+          </a:lnRef>
+          <a:fillRef idx="1">
+            <a:schemeClr val="accent1"/>
+          </a:fillRef>
+          <a:effectRef idx="0">
+            <a:schemeClr val="accent1"/>
+          </a:effectRef>
+          <a:fontRef idx="minor">
+            <a:schemeClr val="lt1"/>
+          </a:fontRef>
+        </p:style>
+        <p:txBody>
+          <a:bodyPr rtlCol="0" anchor="ctr"/>
+          <a:lstStyle/>
+          <a:p>
+            <a:pPr algn="ctr"/>
+            <a:endParaRPr lang="ko-KR" altLang="en-US"/>
+          </a:p>
+        </p:txBody>
+      </p:sp>
+      <p:sp>
+        <p:nvSpPr>
+          <p:cNvPr id="29" name="직사각형 28">
+            <a:extLst>
+              <a:ext uri="{FF2B5EF4-FFF2-40B4-BE49-F238E27FC236}">
+                <a16:creationId xmlns:a16="http://schemas.microsoft.com/office/drawing/2014/main" id="{AE16AA1E-DD78-22BB-AC76-7DE883EF5EA3}"/>
+              </a:ext>
+            </a:extLst>
+          </p:cNvPr>
+          <p:cNvSpPr/>
+          <p:nvPr/>
+        </p:nvSpPr>
+        <p:spPr>
+          <a:xfrm>
+            <a:off x="9032771" y="4972855"/>
+            <a:ext cx="434109" cy="563329"/>
+          </a:xfrm>
+          <a:prstGeom prst="rect">
+            <a:avLst/>
+          </a:prstGeom>
+          <a:solidFill>
+            <a:schemeClr val="accent2">
+              <a:lumMod val="60000"/>
+              <a:lumOff val="40000"/>
+            </a:schemeClr>
+          </a:solidFill>
+        </p:spPr>
+        <p:style>
+          <a:lnRef idx="2">
+            <a:schemeClr val="accent1">
+              <a:shade val="15000"/>
+            </a:schemeClr>
+          </a:lnRef>
+          <a:fillRef idx="1">
+            <a:schemeClr val="accent1"/>
+          </a:fillRef>
+          <a:effectRef idx="0">
+            <a:schemeClr val="accent1"/>
+          </a:effectRef>
+          <a:fontRef idx="minor">
+            <a:schemeClr val="lt1"/>
+          </a:fontRef>
+        </p:style>
+        <p:txBody>
+          <a:bodyPr rtlCol="0" anchor="ctr"/>
+          <a:lstStyle/>
+          <a:p>
+            <a:pPr algn="ctr"/>
+            <a:endParaRPr lang="ko-KR" altLang="en-US"/>
+          </a:p>
+        </p:txBody>
+      </p:sp>
+      <p:sp>
+        <p:nvSpPr>
+          <p:cNvPr id="30" name="직사각형 29">
+            <a:extLst>
+              <a:ext uri="{FF2B5EF4-FFF2-40B4-BE49-F238E27FC236}">
+                <a16:creationId xmlns:a16="http://schemas.microsoft.com/office/drawing/2014/main" id="{EDCD1653-36B5-DCBC-D6D9-3B11E7FC1CA2}"/>
+              </a:ext>
+            </a:extLst>
+          </p:cNvPr>
+          <p:cNvSpPr/>
+          <p:nvPr/>
+        </p:nvSpPr>
+        <p:spPr>
+          <a:xfrm>
+            <a:off x="5539456" y="3692436"/>
+            <a:ext cx="434109" cy="563329"/>
+          </a:xfrm>
+          <a:prstGeom prst="rect">
+            <a:avLst/>
+          </a:prstGeom>
+          <a:solidFill>
+            <a:schemeClr val="tx1"/>
+          </a:solidFill>
+        </p:spPr>
+        <p:style>
+          <a:lnRef idx="2">
+            <a:schemeClr val="accent1">
+              <a:shade val="15000"/>
+            </a:schemeClr>
+          </a:lnRef>
+          <a:fillRef idx="1">
+            <a:schemeClr val="accent1"/>
+          </a:fillRef>
+          <a:effectRef idx="0">
+            <a:schemeClr val="accent1"/>
+          </a:effectRef>
+          <a:fontRef idx="minor">
+            <a:schemeClr val="lt1"/>
+          </a:fontRef>
+        </p:style>
+        <p:txBody>
+          <a:bodyPr rtlCol="0" anchor="ctr"/>
+          <a:lstStyle/>
+          <a:p>
+            <a:pPr algn="ctr"/>
+            <a:endParaRPr lang="ko-KR" altLang="en-US"/>
+          </a:p>
+        </p:txBody>
+      </p:sp>
+      <p:sp>
+        <p:nvSpPr>
+          <p:cNvPr id="31" name="직사각형 30">
+            <a:extLst>
+              <a:ext uri="{FF2B5EF4-FFF2-40B4-BE49-F238E27FC236}">
+                <a16:creationId xmlns:a16="http://schemas.microsoft.com/office/drawing/2014/main" id="{241430C0-6854-F57B-DE7B-82E276102F30}"/>
+              </a:ext>
+            </a:extLst>
+          </p:cNvPr>
+          <p:cNvSpPr/>
+          <p:nvPr/>
+        </p:nvSpPr>
+        <p:spPr>
+          <a:xfrm>
+            <a:off x="4739181" y="4420121"/>
+            <a:ext cx="434109" cy="563329"/>
+          </a:xfrm>
+          <a:prstGeom prst="rect">
+            <a:avLst/>
+          </a:prstGeom>
+          <a:solidFill>
+            <a:schemeClr val="accent2">
+              <a:lumMod val="60000"/>
+              <a:lumOff val="40000"/>
+            </a:schemeClr>
+          </a:solidFill>
+        </p:spPr>
+        <p:style>
+          <a:lnRef idx="2">
+            <a:schemeClr val="accent1">
+              <a:shade val="15000"/>
+            </a:schemeClr>
+          </a:lnRef>
+          <a:fillRef idx="1">
+            <a:schemeClr val="accent1"/>
+          </a:fillRef>
+          <a:effectRef idx="0">
+            <a:schemeClr val="accent1"/>
+          </a:effectRef>
+          <a:fontRef idx="minor">
+            <a:schemeClr val="lt1"/>
+          </a:fontRef>
+        </p:style>
+        <p:txBody>
+          <a:bodyPr rtlCol="0" anchor="ctr"/>
+          <a:lstStyle/>
+          <a:p>
+            <a:pPr algn="ctr"/>
+            <a:endParaRPr lang="ko-KR" altLang="en-US"/>
+          </a:p>
+        </p:txBody>
+      </p:sp>
+      <p:sp>
+        <p:nvSpPr>
+          <p:cNvPr id="32" name="직사각형 31">
+            <a:extLst>
+              <a:ext uri="{FF2B5EF4-FFF2-40B4-BE49-F238E27FC236}">
+                <a16:creationId xmlns:a16="http://schemas.microsoft.com/office/drawing/2014/main" id="{8EAB5E27-694B-0963-0DC0-BD3873B3D2D2}"/>
+              </a:ext>
+            </a:extLst>
+          </p:cNvPr>
+          <p:cNvSpPr/>
+          <p:nvPr/>
+        </p:nvSpPr>
+        <p:spPr>
+          <a:xfrm>
+            <a:off x="5349610" y="1953216"/>
+            <a:ext cx="434109" cy="563329"/>
+          </a:xfrm>
+          <a:prstGeom prst="rect">
+            <a:avLst/>
+          </a:prstGeom>
+          <a:solidFill>
+            <a:schemeClr val="tx1"/>
+          </a:solidFill>
+        </p:spPr>
+        <p:style>
+          <a:lnRef idx="2">
+            <a:schemeClr val="accent1">
+              <a:shade val="15000"/>
+            </a:schemeClr>
+          </a:lnRef>
+          <a:fillRef idx="1">
+            <a:schemeClr val="accent1"/>
+          </a:fillRef>
+          <a:effectRef idx="0">
+            <a:schemeClr val="accent1"/>
+          </a:effectRef>
+          <a:fontRef idx="minor">
+            <a:schemeClr val="lt1"/>
+          </a:fontRef>
+        </p:style>
+        <p:txBody>
+          <a:bodyPr rtlCol="0" anchor="ctr"/>
+          <a:lstStyle/>
+          <a:p>
+            <a:pPr algn="ctr"/>
+            <a:endParaRPr lang="ko-KR" altLang="en-US"/>
+          </a:p>
+        </p:txBody>
+      </p:sp>
+      <p:sp>
+        <p:nvSpPr>
+          <p:cNvPr id="33" name="직사각형 32">
+            <a:extLst>
+              <a:ext uri="{FF2B5EF4-FFF2-40B4-BE49-F238E27FC236}">
+                <a16:creationId xmlns:a16="http://schemas.microsoft.com/office/drawing/2014/main" id="{817EEBC3-18F1-081E-E66B-15BCEE301ECC}"/>
+              </a:ext>
+            </a:extLst>
+          </p:cNvPr>
+          <p:cNvSpPr/>
+          <p:nvPr/>
+        </p:nvSpPr>
+        <p:spPr>
+          <a:xfrm>
+            <a:off x="4641579" y="1435736"/>
+            <a:ext cx="434109" cy="563329"/>
+          </a:xfrm>
+          <a:prstGeom prst="rect">
+            <a:avLst/>
+          </a:prstGeom>
+          <a:solidFill>
+            <a:schemeClr val="accent2">
+              <a:lumMod val="60000"/>
+              <a:lumOff val="40000"/>
+            </a:schemeClr>
+          </a:solidFill>
+        </p:spPr>
+        <p:style>
+          <a:lnRef idx="2">
+            <a:schemeClr val="accent1">
+              <a:shade val="15000"/>
+            </a:schemeClr>
+          </a:lnRef>
+          <a:fillRef idx="1">
+            <a:schemeClr val="accent1"/>
+          </a:fillRef>
+          <a:effectRef idx="0">
+            <a:schemeClr val="accent1"/>
+          </a:effectRef>
+          <a:fontRef idx="minor">
+            <a:schemeClr val="lt1"/>
+          </a:fontRef>
+        </p:style>
+        <p:txBody>
+          <a:bodyPr rtlCol="0" anchor="ctr"/>
+          <a:lstStyle/>
+          <a:p>
+            <a:pPr algn="ctr"/>
+            <a:endParaRPr lang="ko-KR" altLang="en-US"/>
+          </a:p>
+        </p:txBody>
+      </p:sp>
+      <p:sp>
+        <p:nvSpPr>
+          <p:cNvPr id="34" name="화살표: 오른쪽 33">
+            <a:extLst>
+              <a:ext uri="{FF2B5EF4-FFF2-40B4-BE49-F238E27FC236}">
+                <a16:creationId xmlns:a16="http://schemas.microsoft.com/office/drawing/2014/main" id="{A534BFC8-0567-12C2-3A2B-A19F9914802C}"/>
+              </a:ext>
+            </a:extLst>
+          </p:cNvPr>
+          <p:cNvSpPr/>
+          <p:nvPr/>
+        </p:nvSpPr>
+        <p:spPr>
+          <a:xfrm rot="16200000">
+            <a:off x="6148753" y="3017511"/>
+            <a:ext cx="492419" cy="209408"/>
+          </a:xfrm>
+          <a:prstGeom prst="rightArrow">
+            <a:avLst/>
+          </a:prstGeom>
+          <a:solidFill>
+            <a:schemeClr val="accent1">
+              <a:lumMod val="20000"/>
+              <a:lumOff val="80000"/>
+            </a:schemeClr>
+          </a:solidFill>
+        </p:spPr>
+        <p:style>
+          <a:lnRef idx="2">
+            <a:schemeClr val="accent1">
+              <a:shade val="15000"/>
+            </a:schemeClr>
+          </a:lnRef>
+          <a:fillRef idx="1">
+            <a:schemeClr val="accent1"/>
+          </a:fillRef>
+          <a:effectRef idx="0">
+            <a:schemeClr val="accent1"/>
+          </a:effectRef>
+          <a:fontRef idx="minor">
+            <a:schemeClr val="lt1"/>
+          </a:fontRef>
+        </p:style>
+        <p:txBody>
+          <a:bodyPr rtlCol="0" anchor="ctr"/>
+          <a:lstStyle/>
+          <a:p>
+            <a:pPr algn="ctr"/>
+            <a:endParaRPr lang="ko-KR" altLang="en-US"/>
+          </a:p>
+        </p:txBody>
+      </p:sp>
+      <p:sp>
+        <p:nvSpPr>
+          <p:cNvPr id="35" name="TextBox 34">
+            <a:extLst>
+              <a:ext uri="{FF2B5EF4-FFF2-40B4-BE49-F238E27FC236}">
+                <a16:creationId xmlns:a16="http://schemas.microsoft.com/office/drawing/2014/main" id="{CF879BB3-F6FD-B862-461C-EBC138AF2CAE}"/>
+              </a:ext>
+            </a:extLst>
+          </p:cNvPr>
+          <p:cNvSpPr txBox="1"/>
+          <p:nvPr/>
+        </p:nvSpPr>
+        <p:spPr>
+          <a:xfrm>
+            <a:off x="163253" y="619758"/>
+            <a:ext cx="1874231" cy="369332"/>
+          </a:xfrm>
+          <a:prstGeom prst="rect">
+            <a:avLst/>
+          </a:prstGeom>
+          <a:noFill/>
+        </p:spPr>
+        <p:txBody>
+          <a:bodyPr wrap="none" rtlCol="0">
+            <a:spAutoFit/>
+          </a:bodyPr>
+          <a:lstStyle/>
+          <a:p>
+            <a:r>
+              <a:rPr lang="en-US" altLang="ko-KR" dirty="0"/>
+              <a:t>(</a:t>
+            </a:r>
+            <a:r>
+              <a:rPr lang="ko-KR" altLang="en-US" dirty="0"/>
+              <a:t>위에서 봤을 때</a:t>
+            </a:r>
+            <a:r>
+              <a:rPr lang="en-US" altLang="ko-KR" dirty="0"/>
+              <a:t>)</a:t>
+            </a:r>
+            <a:endParaRPr lang="ko-KR" altLang="en-US" dirty="0"/>
+          </a:p>
+        </p:txBody>
+      </p:sp>
+    </p:spTree>
+    <p:extLst>
+      <p:ext uri="{BB962C8B-B14F-4D97-AF65-F5344CB8AC3E}">
+        <p14:creationId xmlns:p14="http://schemas.microsoft.com/office/powerpoint/2010/main" val="2984540831"/>
+      </p:ext>
+    </p:extLst>
+  </p:cSld>
+  <p:clrMapOvr>
+    <a:masterClrMapping/>
+  </p:clrMapOvr>
+</p:sld>
+</file>
+
+<file path=ppt/slides/slide15.xml><?xml version="1.0" encoding="utf-8"?>
+<p:sld xmlns:a="http://schemas.openxmlformats.org/drawingml/2006/main" xmlns:r="http://schemas.openxmlformats.org/officeDocument/2006/relationships" xmlns:p="http://schemas.openxmlformats.org/presentationml/2006/main">
+  <p:cSld>
+    <p:spTree>
+      <p:nvGrpSpPr>
+        <p:cNvPr id="1" name="">
+          <a:extLst>
+            <a:ext uri="{FF2B5EF4-FFF2-40B4-BE49-F238E27FC236}">
+              <a16:creationId xmlns:a16="http://schemas.microsoft.com/office/drawing/2014/main" id="{14C6DCFF-501F-CB83-2B7E-9D036BB0E31F}"/>
+            </a:ext>
+          </a:extLst>
+        </p:cNvPr>
+        <p:cNvGrpSpPr/>
+        <p:nvPr/>
+      </p:nvGrpSpPr>
+      <p:grpSpPr>
+        <a:xfrm>
+          <a:off x="0" y="0"/>
+          <a:ext cx="0" cy="0"/>
+          <a:chOff x="0" y="0"/>
+          <a:chExt cx="0" cy="0"/>
+        </a:xfrm>
+      </p:grpSpPr>
+      <p:sp>
+        <p:nvSpPr>
+          <p:cNvPr id="2" name="제목 1">
+            <a:extLst>
+              <a:ext uri="{FF2B5EF4-FFF2-40B4-BE49-F238E27FC236}">
+                <a16:creationId xmlns:a16="http://schemas.microsoft.com/office/drawing/2014/main" id="{26D13D24-3946-3D50-664B-EDFA0D26D224}"/>
+              </a:ext>
+            </a:extLst>
+          </p:cNvPr>
+          <p:cNvSpPr>
+            <a:spLocks noGrp="1"/>
+          </p:cNvSpPr>
+          <p:nvPr>
+            <p:ph type="title"/>
+          </p:nvPr>
+        </p:nvSpPr>
+        <p:spPr>
+          <a:xfrm>
+            <a:off x="6487684" y="-375"/>
+            <a:ext cx="5248704" cy="964911"/>
+          </a:xfrm>
+        </p:spPr>
+        <p:txBody>
+          <a:bodyPr>
+            <a:normAutofit/>
+          </a:bodyPr>
+          <a:lstStyle/>
+          <a:p>
+            <a:r>
+              <a:rPr lang="ko-KR" altLang="en-US" sz="2300" dirty="0"/>
+              <a:t>더 얇은 나무통 점프 맵</a:t>
+            </a:r>
+            <a:r>
+              <a:rPr lang="en-US" altLang="ko-KR" sz="2300" dirty="0"/>
+              <a:t>(</a:t>
+            </a:r>
+            <a:r>
+              <a:rPr lang="ko-KR" altLang="en-US" sz="2300" dirty="0"/>
+              <a:t>난이도</a:t>
+            </a:r>
+            <a:r>
+              <a:rPr lang="en-US" altLang="ko-KR" sz="2300" dirty="0"/>
+              <a:t>: </a:t>
+            </a:r>
+            <a:r>
+              <a:rPr lang="ko-KR" altLang="en-US" sz="2300" dirty="0"/>
+              <a:t>보통</a:t>
+            </a:r>
+            <a:r>
+              <a:rPr lang="en-US" altLang="ko-KR" sz="2300" dirty="0"/>
+              <a:t>)</a:t>
+            </a:r>
+            <a:endParaRPr lang="ko-KR" altLang="en-US" sz="2300" dirty="0"/>
+          </a:p>
+        </p:txBody>
+      </p:sp>
+      <p:sp>
+        <p:nvSpPr>
+          <p:cNvPr id="6" name="직사각형 5">
+            <a:extLst>
+              <a:ext uri="{FF2B5EF4-FFF2-40B4-BE49-F238E27FC236}">
+                <a16:creationId xmlns:a16="http://schemas.microsoft.com/office/drawing/2014/main" id="{AB7FB2EE-F29B-16E9-00E8-9FDDC870F746}"/>
+              </a:ext>
+            </a:extLst>
+          </p:cNvPr>
+          <p:cNvSpPr/>
+          <p:nvPr/>
+        </p:nvSpPr>
+        <p:spPr>
+          <a:xfrm>
+            <a:off x="3837561" y="6151251"/>
+            <a:ext cx="321759" cy="692728"/>
+          </a:xfrm>
+          <a:prstGeom prst="rect">
+            <a:avLst/>
+          </a:prstGeom>
+          <a:solidFill>
+            <a:schemeClr val="accent2">
+              <a:lumMod val="50000"/>
+            </a:schemeClr>
+          </a:solidFill>
+        </p:spPr>
+        <p:style>
+          <a:lnRef idx="2">
+            <a:schemeClr val="accent1">
+              <a:shade val="15000"/>
+            </a:schemeClr>
+          </a:lnRef>
+          <a:fillRef idx="1">
+            <a:schemeClr val="accent1"/>
+          </a:fillRef>
+          <a:effectRef idx="0">
+            <a:schemeClr val="accent1"/>
+          </a:effectRef>
+          <a:fontRef idx="minor">
+            <a:schemeClr val="lt1"/>
+          </a:fontRef>
+        </p:style>
+        <p:txBody>
+          <a:bodyPr rtlCol="0" anchor="ctr"/>
+          <a:lstStyle/>
+          <a:p>
+            <a:pPr algn="ctr"/>
+            <a:endParaRPr lang="ko-KR" altLang="en-US"/>
+          </a:p>
+        </p:txBody>
+      </p:sp>
+      <p:sp>
+        <p:nvSpPr>
+          <p:cNvPr id="7" name="직사각형 6">
+            <a:extLst>
+              <a:ext uri="{FF2B5EF4-FFF2-40B4-BE49-F238E27FC236}">
+                <a16:creationId xmlns:a16="http://schemas.microsoft.com/office/drawing/2014/main" id="{F6497D1C-7A5D-7D98-B9F1-B130284478E9}"/>
+              </a:ext>
+            </a:extLst>
+          </p:cNvPr>
+          <p:cNvSpPr/>
+          <p:nvPr/>
+        </p:nvSpPr>
+        <p:spPr>
+          <a:xfrm>
+            <a:off x="3837183" y="5054345"/>
+            <a:ext cx="321759" cy="692728"/>
+          </a:xfrm>
+          <a:prstGeom prst="rect">
+            <a:avLst/>
+          </a:prstGeom>
+          <a:solidFill>
+            <a:schemeClr val="accent2">
+              <a:lumMod val="50000"/>
+            </a:schemeClr>
+          </a:solidFill>
+        </p:spPr>
+        <p:style>
+          <a:lnRef idx="2">
+            <a:schemeClr val="accent1">
+              <a:shade val="15000"/>
+            </a:schemeClr>
+          </a:lnRef>
+          <a:fillRef idx="1">
+            <a:schemeClr val="accent1"/>
+          </a:fillRef>
+          <a:effectRef idx="0">
+            <a:schemeClr val="accent1"/>
+          </a:effectRef>
+          <a:fontRef idx="minor">
+            <a:schemeClr val="lt1"/>
+          </a:fontRef>
+        </p:style>
+        <p:txBody>
+          <a:bodyPr rtlCol="0" anchor="ctr"/>
+          <a:lstStyle/>
+          <a:p>
+            <a:pPr algn="ctr"/>
+            <a:endParaRPr lang="ko-KR" altLang="en-US"/>
+          </a:p>
+        </p:txBody>
+      </p:sp>
+      <p:sp>
+        <p:nvSpPr>
+          <p:cNvPr id="10" name="직사각형 9">
+            <a:extLst>
+              <a:ext uri="{FF2B5EF4-FFF2-40B4-BE49-F238E27FC236}">
+                <a16:creationId xmlns:a16="http://schemas.microsoft.com/office/drawing/2014/main" id="{DDC25DE8-BA09-4616-B69C-DE6FD6054F9F}"/>
+              </a:ext>
+            </a:extLst>
+          </p:cNvPr>
+          <p:cNvSpPr/>
+          <p:nvPr/>
+        </p:nvSpPr>
+        <p:spPr>
+          <a:xfrm>
+            <a:off x="3830778" y="2469538"/>
+            <a:ext cx="321759" cy="692728"/>
+          </a:xfrm>
+          <a:prstGeom prst="rect">
+            <a:avLst/>
+          </a:prstGeom>
+          <a:solidFill>
+            <a:schemeClr val="accent2">
+              <a:lumMod val="50000"/>
+            </a:schemeClr>
+          </a:solidFill>
+        </p:spPr>
+        <p:style>
+          <a:lnRef idx="2">
+            <a:schemeClr val="accent1">
+              <a:shade val="15000"/>
+            </a:schemeClr>
+          </a:lnRef>
+          <a:fillRef idx="1">
+            <a:schemeClr val="accent1"/>
+          </a:fillRef>
+          <a:effectRef idx="0">
+            <a:schemeClr val="accent1"/>
+          </a:effectRef>
+          <a:fontRef idx="minor">
+            <a:schemeClr val="lt1"/>
+          </a:fontRef>
+        </p:style>
+        <p:txBody>
+          <a:bodyPr rtlCol="0" anchor="ctr"/>
+          <a:lstStyle/>
+          <a:p>
+            <a:pPr algn="ctr"/>
+            <a:endParaRPr lang="ko-KR" altLang="en-US"/>
+          </a:p>
+        </p:txBody>
+      </p:sp>
+      <p:sp>
+        <p:nvSpPr>
+          <p:cNvPr id="15" name="화살표: 오른쪽 14">
+            <a:extLst>
+              <a:ext uri="{FF2B5EF4-FFF2-40B4-BE49-F238E27FC236}">
+                <a16:creationId xmlns:a16="http://schemas.microsoft.com/office/drawing/2014/main" id="{D3505823-1A2D-C7D5-73B4-49228BE913C7}"/>
+              </a:ext>
+            </a:extLst>
+          </p:cNvPr>
+          <p:cNvSpPr/>
+          <p:nvPr/>
+        </p:nvSpPr>
+        <p:spPr>
+          <a:xfrm rot="16200000">
+            <a:off x="4392561" y="5714713"/>
+            <a:ext cx="492419" cy="209408"/>
+          </a:xfrm>
+          <a:prstGeom prst="rightArrow">
+            <a:avLst/>
+          </a:prstGeom>
+          <a:solidFill>
+            <a:schemeClr val="accent1">
+              <a:lumMod val="20000"/>
+              <a:lumOff val="80000"/>
+            </a:schemeClr>
+          </a:solidFill>
+        </p:spPr>
+        <p:style>
+          <a:lnRef idx="2">
+            <a:schemeClr val="accent1">
+              <a:shade val="15000"/>
+            </a:schemeClr>
+          </a:lnRef>
+          <a:fillRef idx="1">
+            <a:schemeClr val="accent1"/>
+          </a:fillRef>
+          <a:effectRef idx="0">
+            <a:schemeClr val="accent1"/>
+          </a:effectRef>
+          <a:fontRef idx="minor">
+            <a:schemeClr val="lt1"/>
+          </a:fontRef>
+        </p:style>
+        <p:txBody>
+          <a:bodyPr rtlCol="0" anchor="ctr"/>
+          <a:lstStyle/>
+          <a:p>
+            <a:pPr algn="ctr"/>
+            <a:endParaRPr lang="ko-KR" altLang="en-US"/>
+          </a:p>
+        </p:txBody>
+      </p:sp>
+      <p:sp>
+        <p:nvSpPr>
+          <p:cNvPr id="17" name="직사각형 16">
+            <a:extLst>
+              <a:ext uri="{FF2B5EF4-FFF2-40B4-BE49-F238E27FC236}">
+                <a16:creationId xmlns:a16="http://schemas.microsoft.com/office/drawing/2014/main" id="{67F93600-E6F0-98BF-1049-FA334E1717C1}"/>
+              </a:ext>
+            </a:extLst>
+          </p:cNvPr>
+          <p:cNvSpPr/>
+          <p:nvPr/>
+        </p:nvSpPr>
+        <p:spPr>
+          <a:xfrm>
+            <a:off x="4770875" y="135716"/>
+            <a:ext cx="321759" cy="692728"/>
+          </a:xfrm>
+          <a:prstGeom prst="rect">
+            <a:avLst/>
+          </a:prstGeom>
+          <a:solidFill>
+            <a:schemeClr val="accent2">
+              <a:lumMod val="50000"/>
+            </a:schemeClr>
+          </a:solidFill>
+        </p:spPr>
+        <p:style>
+          <a:lnRef idx="2">
+            <a:schemeClr val="accent1">
+              <a:shade val="15000"/>
+            </a:schemeClr>
+          </a:lnRef>
+          <a:fillRef idx="1">
+            <a:schemeClr val="accent1"/>
+          </a:fillRef>
+          <a:effectRef idx="0">
+            <a:schemeClr val="accent1"/>
+          </a:effectRef>
+          <a:fontRef idx="minor">
+            <a:schemeClr val="lt1"/>
+          </a:fontRef>
+        </p:style>
+        <p:txBody>
+          <a:bodyPr rtlCol="0" anchor="ctr"/>
+          <a:lstStyle/>
+          <a:p>
+            <a:pPr algn="ctr"/>
+            <a:endParaRPr lang="ko-KR" altLang="en-US"/>
+          </a:p>
+        </p:txBody>
+      </p:sp>
+      <p:sp>
+        <p:nvSpPr>
+          <p:cNvPr id="18" name="직사각형 17">
+            <a:extLst>
+              <a:ext uri="{FF2B5EF4-FFF2-40B4-BE49-F238E27FC236}">
+                <a16:creationId xmlns:a16="http://schemas.microsoft.com/office/drawing/2014/main" id="{44CB68BA-D708-E5B6-CD92-35CDDC0A20EB}"/>
+              </a:ext>
+            </a:extLst>
+          </p:cNvPr>
+          <p:cNvSpPr/>
+          <p:nvPr/>
+        </p:nvSpPr>
+        <p:spPr>
+          <a:xfrm>
+            <a:off x="3832959" y="3780413"/>
+            <a:ext cx="321759" cy="692728"/>
+          </a:xfrm>
+          <a:prstGeom prst="rect">
+            <a:avLst/>
+          </a:prstGeom>
+          <a:solidFill>
+            <a:schemeClr val="accent2">
+              <a:lumMod val="50000"/>
+            </a:schemeClr>
+          </a:solidFill>
+        </p:spPr>
+        <p:style>
+          <a:lnRef idx="2">
+            <a:schemeClr val="accent1">
+              <a:shade val="15000"/>
+            </a:schemeClr>
+          </a:lnRef>
+          <a:fillRef idx="1">
+            <a:schemeClr val="accent1"/>
+          </a:fillRef>
+          <a:effectRef idx="0">
+            <a:schemeClr val="accent1"/>
+          </a:effectRef>
+          <a:fontRef idx="minor">
+            <a:schemeClr val="lt1"/>
+          </a:fontRef>
+        </p:style>
+        <p:txBody>
+          <a:bodyPr rtlCol="0" anchor="ctr"/>
+          <a:lstStyle/>
+          <a:p>
+            <a:pPr algn="ctr"/>
+            <a:endParaRPr lang="ko-KR" altLang="en-US"/>
+          </a:p>
+        </p:txBody>
+      </p:sp>
+      <p:sp>
+        <p:nvSpPr>
+          <p:cNvPr id="20" name="직사각형 19">
+            <a:extLst>
+              <a:ext uri="{FF2B5EF4-FFF2-40B4-BE49-F238E27FC236}">
+                <a16:creationId xmlns:a16="http://schemas.microsoft.com/office/drawing/2014/main" id="{7BF9BF3A-107F-B0F6-DD18-280B864C6B51}"/>
+              </a:ext>
+            </a:extLst>
+          </p:cNvPr>
+          <p:cNvSpPr/>
+          <p:nvPr/>
+        </p:nvSpPr>
+        <p:spPr>
+          <a:xfrm>
+            <a:off x="3850244" y="1189151"/>
+            <a:ext cx="321759" cy="692728"/>
+          </a:xfrm>
+          <a:prstGeom prst="rect">
+            <a:avLst/>
+          </a:prstGeom>
+          <a:solidFill>
+            <a:schemeClr val="accent2">
+              <a:lumMod val="50000"/>
+            </a:schemeClr>
+          </a:solidFill>
+        </p:spPr>
+        <p:style>
+          <a:lnRef idx="2">
+            <a:schemeClr val="accent1">
+              <a:shade val="15000"/>
+            </a:schemeClr>
+          </a:lnRef>
+          <a:fillRef idx="1">
+            <a:schemeClr val="accent1"/>
+          </a:fillRef>
+          <a:effectRef idx="0">
+            <a:schemeClr val="accent1"/>
+          </a:effectRef>
+          <a:fontRef idx="minor">
+            <a:schemeClr val="lt1"/>
+          </a:fontRef>
+        </p:style>
+        <p:txBody>
+          <a:bodyPr rtlCol="0" anchor="ctr"/>
+          <a:lstStyle/>
+          <a:p>
+            <a:pPr algn="ctr"/>
+            <a:endParaRPr lang="ko-KR" altLang="en-US"/>
+          </a:p>
+        </p:txBody>
+      </p:sp>
+      <p:graphicFrame>
+        <p:nvGraphicFramePr>
+          <p:cNvPr id="23" name="표 22">
+            <a:extLst>
+              <a:ext uri="{FF2B5EF4-FFF2-40B4-BE49-F238E27FC236}">
+                <a16:creationId xmlns:a16="http://schemas.microsoft.com/office/drawing/2014/main" id="{35B67331-BE46-56BA-085A-E832A2D7586F}"/>
+              </a:ext>
+            </a:extLst>
+          </p:cNvPr>
+          <p:cNvGraphicFramePr>
+            <a:graphicFrameLocks noGrp="1"/>
+          </p:cNvGraphicFramePr>
+          <p:nvPr/>
+        </p:nvGraphicFramePr>
+        <p:xfrm>
+          <a:off x="6555366" y="1345336"/>
+          <a:ext cx="4581923" cy="2668305"/>
+        </p:xfrm>
+        <a:graphic>
+          <a:graphicData uri="http://schemas.openxmlformats.org/drawingml/2006/table">
+            <a:tbl>
+              <a:tblPr firstRow="1" bandRow="1">
+                <a:tableStyleId>{5C22544A-7EE6-4342-B048-85BDC9FD1C3A}</a:tableStyleId>
+              </a:tblPr>
+              <a:tblGrid>
+                <a:gridCol w="2229152">
+                  <a:extLst>
+                    <a:ext uri="{9D8B030D-6E8A-4147-A177-3AD203B41FA5}">
+                      <a16:colId xmlns:a16="http://schemas.microsoft.com/office/drawing/2014/main" val="3816369926"/>
+                    </a:ext>
+                  </a:extLst>
+                </a:gridCol>
+                <a:gridCol w="2352771">
+                  <a:extLst>
+                    <a:ext uri="{9D8B030D-6E8A-4147-A177-3AD203B41FA5}">
+                      <a16:colId xmlns:a16="http://schemas.microsoft.com/office/drawing/2014/main" val="547672912"/>
+                    </a:ext>
+                  </a:extLst>
+                </a:gridCol>
+              </a:tblGrid>
+              <a:tr h="595898">
+                <a:tc>
+                  <a:txBody>
+                    <a:bodyPr/>
+                    <a:lstStyle/>
+                    <a:p>
+                      <a:pPr latinLnBrk="1"/>
+                      <a:r>
+                        <a:rPr lang="ko-KR" altLang="en-US" dirty="0"/>
+                        <a:t>등장 하는 사물</a:t>
+                      </a:r>
+                    </a:p>
+                  </a:txBody>
+                  <a:tcPr/>
+                </a:tc>
+                <a:tc>
+                  <a:txBody>
+                    <a:bodyPr/>
+                    <a:lstStyle/>
+                    <a:p>
+                      <a:pPr latinLnBrk="1"/>
+                      <a:r>
+                        <a:rPr lang="ko-KR" altLang="en-US" dirty="0"/>
+                        <a:t>사진</a:t>
+                      </a:r>
+                    </a:p>
+                  </a:txBody>
+                  <a:tcPr/>
+                </a:tc>
+                <a:extLst>
+                  <a:ext uri="{0D108BD9-81ED-4DB2-BD59-A6C34878D82A}">
+                    <a16:rowId xmlns:a16="http://schemas.microsoft.com/office/drawing/2014/main" val="2983487876"/>
+                  </a:ext>
+                </a:extLst>
+              </a:tr>
+              <a:tr h="2072407">
+                <a:tc>
+                  <a:txBody>
+                    <a:bodyPr/>
+                    <a:lstStyle/>
+                    <a:p>
+                      <a:pPr latinLnBrk="1"/>
+                      <a:endParaRPr lang="en-US" altLang="ko-KR" dirty="0"/>
+                    </a:p>
+                    <a:p>
+                      <a:pPr latinLnBrk="1"/>
+                      <a:endParaRPr lang="en-US" altLang="ko-KR" dirty="0"/>
+                    </a:p>
+                    <a:p>
+                      <a:pPr latinLnBrk="1"/>
+                      <a:endParaRPr lang="en-US" altLang="ko-KR" dirty="0"/>
+                    </a:p>
+                    <a:p>
+                      <a:pPr latinLnBrk="1"/>
+                      <a:r>
+                        <a:rPr lang="ko-KR" altLang="en-US" dirty="0"/>
+                        <a:t>나무 통</a:t>
+                      </a:r>
+                      <a:endParaRPr lang="en-US" altLang="ko-KR" dirty="0"/>
+                    </a:p>
+                  </a:txBody>
+                  <a:tcPr/>
+                </a:tc>
+                <a:tc>
+                  <a:txBody>
+                    <a:bodyPr/>
+                    <a:lstStyle/>
+                    <a:p>
+                      <a:pPr latinLnBrk="1"/>
+                      <a:endParaRPr lang="ko-KR" altLang="en-US" dirty="0"/>
+                    </a:p>
+                  </a:txBody>
+                  <a:tcPr/>
+                </a:tc>
+                <a:extLst>
+                  <a:ext uri="{0D108BD9-81ED-4DB2-BD59-A6C34878D82A}">
+                    <a16:rowId xmlns:a16="http://schemas.microsoft.com/office/drawing/2014/main" val="1475488419"/>
+                  </a:ext>
+                </a:extLst>
+              </a:tr>
+            </a:tbl>
+          </a:graphicData>
+        </a:graphic>
+      </p:graphicFrame>
+      <p:pic>
+        <p:nvPicPr>
+          <p:cNvPr id="25" name="그림 24">
+            <a:extLst>
+              <a:ext uri="{FF2B5EF4-FFF2-40B4-BE49-F238E27FC236}">
+                <a16:creationId xmlns:a16="http://schemas.microsoft.com/office/drawing/2014/main" id="{228B6BDD-C8E9-E8E5-53D6-241DF37754CD}"/>
+              </a:ext>
+            </a:extLst>
+          </p:cNvPr>
+          <p:cNvPicPr>
+            <a:picLocks noChangeAspect="1"/>
+          </p:cNvPicPr>
+          <p:nvPr/>
+        </p:nvPicPr>
+        <p:blipFill>
+          <a:blip r:embed="rId2"/>
+          <a:stretch>
+            <a:fillRect/>
+          </a:stretch>
+        </p:blipFill>
+        <p:spPr>
+          <a:xfrm>
+            <a:off x="9223092" y="1930751"/>
+            <a:ext cx="1476581" cy="2038635"/>
+          </a:xfrm>
+          <a:prstGeom prst="rect">
+            <a:avLst/>
+          </a:prstGeom>
+        </p:spPr>
+      </p:pic>
+      <p:sp>
+        <p:nvSpPr>
+          <p:cNvPr id="26" name="TextBox 25">
+            <a:extLst>
+              <a:ext uri="{FF2B5EF4-FFF2-40B4-BE49-F238E27FC236}">
+                <a16:creationId xmlns:a16="http://schemas.microsoft.com/office/drawing/2014/main" id="{C51F30DB-C1A2-FE61-377B-785F683DFA87}"/>
+              </a:ext>
+            </a:extLst>
+          </p:cNvPr>
+          <p:cNvSpPr txBox="1"/>
+          <p:nvPr/>
+        </p:nvSpPr>
+        <p:spPr>
+          <a:xfrm>
+            <a:off x="6487684" y="4691188"/>
+            <a:ext cx="5620449" cy="677108"/>
+          </a:xfrm>
+          <a:prstGeom prst="rect">
+            <a:avLst/>
+          </a:prstGeom>
+          <a:noFill/>
+        </p:spPr>
+        <p:txBody>
+          <a:bodyPr wrap="none" rtlCol="0">
+            <a:spAutoFit/>
+          </a:bodyPr>
+          <a:lstStyle/>
+          <a:p>
+            <a:r>
+              <a:rPr lang="ko-KR" altLang="en-US" sz="1900" dirty="0"/>
+              <a:t>의도</a:t>
+            </a:r>
+            <a:r>
+              <a:rPr lang="en-US" altLang="ko-KR" sz="1900" dirty="0"/>
+              <a:t>:</a:t>
+            </a:r>
+            <a:r>
+              <a:rPr lang="ko-KR" altLang="en-US" sz="1900" dirty="0"/>
+              <a:t>폭이 좁고 점프해야 하는 거리를 길게 만들어</a:t>
+            </a:r>
+            <a:endParaRPr lang="en-US" altLang="ko-KR" sz="1900" dirty="0"/>
+          </a:p>
+          <a:p>
+            <a:r>
+              <a:rPr lang="ko-KR" altLang="en-US" sz="1900" dirty="0"/>
+              <a:t>플레이어가 어려움을 느끼도록 만든다</a:t>
+            </a:r>
+            <a:r>
+              <a:rPr lang="en-US" altLang="ko-KR" sz="1900" dirty="0"/>
+              <a:t>.</a:t>
+            </a:r>
+            <a:endParaRPr lang="ko-KR" altLang="en-US" sz="1900" dirty="0"/>
+          </a:p>
+        </p:txBody>
+      </p:sp>
+      <p:sp>
+        <p:nvSpPr>
+          <p:cNvPr id="3" name="화살표: 오른쪽 2">
+            <a:extLst>
+              <a:ext uri="{FF2B5EF4-FFF2-40B4-BE49-F238E27FC236}">
+                <a16:creationId xmlns:a16="http://schemas.microsoft.com/office/drawing/2014/main" id="{4A5C351D-4CC4-3BB7-2C25-878FF67CCB4F}"/>
+              </a:ext>
+            </a:extLst>
+          </p:cNvPr>
+          <p:cNvSpPr/>
+          <p:nvPr/>
+        </p:nvSpPr>
+        <p:spPr>
+          <a:xfrm rot="16200000">
+            <a:off x="4392561" y="4415571"/>
+            <a:ext cx="492419" cy="209408"/>
+          </a:xfrm>
+          <a:prstGeom prst="rightArrow">
+            <a:avLst/>
+          </a:prstGeom>
+          <a:solidFill>
+            <a:schemeClr val="accent1">
+              <a:lumMod val="20000"/>
+              <a:lumOff val="80000"/>
+            </a:schemeClr>
+          </a:solidFill>
+        </p:spPr>
+        <p:style>
+          <a:lnRef idx="2">
+            <a:schemeClr val="accent1">
+              <a:shade val="15000"/>
+            </a:schemeClr>
+          </a:lnRef>
+          <a:fillRef idx="1">
+            <a:schemeClr val="accent1"/>
+          </a:fillRef>
+          <a:effectRef idx="0">
+            <a:schemeClr val="accent1"/>
+          </a:effectRef>
+          <a:fontRef idx="minor">
+            <a:schemeClr val="lt1"/>
+          </a:fontRef>
+        </p:style>
+        <p:txBody>
+          <a:bodyPr rtlCol="0" anchor="ctr"/>
+          <a:lstStyle/>
+          <a:p>
+            <a:pPr algn="ctr"/>
+            <a:endParaRPr lang="ko-KR" altLang="en-US"/>
+          </a:p>
+        </p:txBody>
+      </p:sp>
+      <p:sp>
+        <p:nvSpPr>
+          <p:cNvPr id="4" name="화살표: 오른쪽 3">
+            <a:extLst>
+              <a:ext uri="{FF2B5EF4-FFF2-40B4-BE49-F238E27FC236}">
+                <a16:creationId xmlns:a16="http://schemas.microsoft.com/office/drawing/2014/main" id="{91A430B3-CDA8-774D-C28D-6F14568FBA8D}"/>
+              </a:ext>
+            </a:extLst>
+          </p:cNvPr>
+          <p:cNvSpPr/>
+          <p:nvPr/>
+        </p:nvSpPr>
+        <p:spPr>
+          <a:xfrm rot="16200000">
+            <a:off x="4392562" y="3324295"/>
+            <a:ext cx="492419" cy="209408"/>
+          </a:xfrm>
+          <a:prstGeom prst="rightArrow">
+            <a:avLst/>
+          </a:prstGeom>
+          <a:solidFill>
+            <a:schemeClr val="accent1">
+              <a:lumMod val="20000"/>
+              <a:lumOff val="80000"/>
+            </a:schemeClr>
+          </a:solidFill>
+        </p:spPr>
+        <p:style>
+          <a:lnRef idx="2">
+            <a:schemeClr val="accent1">
+              <a:shade val="15000"/>
+            </a:schemeClr>
+          </a:lnRef>
+          <a:fillRef idx="1">
+            <a:schemeClr val="accent1"/>
+          </a:fillRef>
+          <a:effectRef idx="0">
+            <a:schemeClr val="accent1"/>
+          </a:effectRef>
+          <a:fontRef idx="minor">
+            <a:schemeClr val="lt1"/>
+          </a:fontRef>
+        </p:style>
+        <p:txBody>
+          <a:bodyPr rtlCol="0" anchor="ctr"/>
+          <a:lstStyle/>
+          <a:p>
+            <a:pPr algn="ctr"/>
+            <a:endParaRPr lang="ko-KR" altLang="en-US"/>
+          </a:p>
+        </p:txBody>
+      </p:sp>
+      <p:sp>
+        <p:nvSpPr>
+          <p:cNvPr id="5" name="화살표: 오른쪽 4">
+            <a:extLst>
+              <a:ext uri="{FF2B5EF4-FFF2-40B4-BE49-F238E27FC236}">
+                <a16:creationId xmlns:a16="http://schemas.microsoft.com/office/drawing/2014/main" id="{FCFF5B26-450A-3858-F00E-4FD1B10EF208}"/>
+              </a:ext>
+            </a:extLst>
+          </p:cNvPr>
+          <p:cNvSpPr/>
+          <p:nvPr/>
+        </p:nvSpPr>
+        <p:spPr>
+          <a:xfrm rot="18167186">
+            <a:off x="4497266" y="1240633"/>
+            <a:ext cx="492419" cy="209408"/>
+          </a:xfrm>
+          <a:prstGeom prst="rightArrow">
+            <a:avLst/>
+          </a:prstGeom>
+          <a:solidFill>
+            <a:schemeClr val="accent1">
+              <a:lumMod val="20000"/>
+              <a:lumOff val="80000"/>
+            </a:schemeClr>
+          </a:solidFill>
+        </p:spPr>
+        <p:style>
+          <a:lnRef idx="2">
+            <a:schemeClr val="accent1">
+              <a:shade val="15000"/>
+            </a:schemeClr>
+          </a:lnRef>
+          <a:fillRef idx="1">
+            <a:schemeClr val="accent1"/>
+          </a:fillRef>
+          <a:effectRef idx="0">
+            <a:schemeClr val="accent1"/>
+          </a:effectRef>
+          <a:fontRef idx="minor">
+            <a:schemeClr val="lt1"/>
+          </a:fontRef>
+        </p:style>
+        <p:txBody>
+          <a:bodyPr rtlCol="0" anchor="ctr"/>
+          <a:lstStyle/>
+          <a:p>
+            <a:pPr algn="ctr"/>
+            <a:endParaRPr lang="ko-KR" altLang="en-US"/>
+          </a:p>
+        </p:txBody>
+      </p:sp>
+      <p:sp>
+        <p:nvSpPr>
+          <p:cNvPr id="24" name="TextBox 23">
+            <a:extLst>
+              <a:ext uri="{FF2B5EF4-FFF2-40B4-BE49-F238E27FC236}">
+                <a16:creationId xmlns:a16="http://schemas.microsoft.com/office/drawing/2014/main" id="{CE4AA847-DE01-63AF-C732-F9D37EC79E5C}"/>
+              </a:ext>
+            </a:extLst>
+          </p:cNvPr>
+          <p:cNvSpPr txBox="1"/>
+          <p:nvPr/>
+        </p:nvSpPr>
+        <p:spPr>
+          <a:xfrm>
+            <a:off x="6425508" y="747594"/>
+            <a:ext cx="1874231" cy="369332"/>
+          </a:xfrm>
+          <a:prstGeom prst="rect">
+            <a:avLst/>
+          </a:prstGeom>
+          <a:noFill/>
+        </p:spPr>
+        <p:txBody>
+          <a:bodyPr wrap="none" rtlCol="0">
+            <a:spAutoFit/>
+          </a:bodyPr>
+          <a:lstStyle/>
+          <a:p>
+            <a:r>
+              <a:rPr lang="en-US" altLang="ko-KR" dirty="0"/>
+              <a:t>(</a:t>
+            </a:r>
+            <a:r>
+              <a:rPr lang="ko-KR" altLang="en-US" dirty="0"/>
+              <a:t>위에서 봤을 때</a:t>
+            </a:r>
+            <a:r>
+              <a:rPr lang="en-US" altLang="ko-KR" dirty="0"/>
+              <a:t>)</a:t>
+            </a:r>
+            <a:endParaRPr lang="ko-KR" altLang="en-US" dirty="0"/>
+          </a:p>
+        </p:txBody>
+      </p:sp>
+      <p:sp>
+        <p:nvSpPr>
+          <p:cNvPr id="27" name="화살표: 오른쪽 26">
+            <a:extLst>
+              <a:ext uri="{FF2B5EF4-FFF2-40B4-BE49-F238E27FC236}">
+                <a16:creationId xmlns:a16="http://schemas.microsoft.com/office/drawing/2014/main" id="{0CB8A71A-0C9B-1686-A8F3-C8CFF4E13273}"/>
+              </a:ext>
+            </a:extLst>
+          </p:cNvPr>
+          <p:cNvSpPr/>
+          <p:nvPr/>
+        </p:nvSpPr>
+        <p:spPr>
+          <a:xfrm rot="18167186">
+            <a:off x="5322600" y="167212"/>
+            <a:ext cx="492419" cy="209408"/>
+          </a:xfrm>
+          <a:prstGeom prst="rightArrow">
+            <a:avLst/>
+          </a:prstGeom>
+          <a:solidFill>
+            <a:schemeClr val="accent1">
+              <a:lumMod val="20000"/>
+              <a:lumOff val="80000"/>
+            </a:schemeClr>
+          </a:solidFill>
+        </p:spPr>
+        <p:style>
+          <a:lnRef idx="2">
+            <a:schemeClr val="accent1">
+              <a:shade val="15000"/>
+            </a:schemeClr>
+          </a:lnRef>
+          <a:fillRef idx="1">
+            <a:schemeClr val="accent1"/>
+          </a:fillRef>
+          <a:effectRef idx="0">
+            <a:schemeClr val="accent1"/>
+          </a:effectRef>
+          <a:fontRef idx="minor">
+            <a:schemeClr val="lt1"/>
+          </a:fontRef>
+        </p:style>
+        <p:txBody>
+          <a:bodyPr rtlCol="0" anchor="ctr"/>
+          <a:lstStyle/>
+          <a:p>
+            <a:pPr algn="ctr"/>
+            <a:endParaRPr lang="ko-KR" altLang="en-US"/>
+          </a:p>
+        </p:txBody>
+      </p:sp>
+    </p:spTree>
+    <p:extLst>
+      <p:ext uri="{BB962C8B-B14F-4D97-AF65-F5344CB8AC3E}">
+        <p14:creationId xmlns:p14="http://schemas.microsoft.com/office/powerpoint/2010/main" val="1222656799"/>
+      </p:ext>
+    </p:extLst>
+  </p:cSld>
+  <p:clrMapOvr>
+    <a:masterClrMapping/>
+  </p:clrMapOvr>
+</p:sld>
+</file>
+
+<file path=ppt/slides/slide16.xml><?xml version="1.0" encoding="utf-8"?>
+<p:sld xmlns:a="http://schemas.openxmlformats.org/drawingml/2006/main" xmlns:r="http://schemas.openxmlformats.org/officeDocument/2006/relationships" xmlns:p="http://schemas.openxmlformats.org/presentationml/2006/main">
+  <p:cSld>
+    <p:spTree>
+      <p:nvGrpSpPr>
+        <p:cNvPr id="1" name="">
+          <a:extLst>
+            <a:ext uri="{FF2B5EF4-FFF2-40B4-BE49-F238E27FC236}">
+              <a16:creationId xmlns:a16="http://schemas.microsoft.com/office/drawing/2014/main" id="{E814F900-144E-B9FA-0F8C-292A119198BA}"/>
+            </a:ext>
+          </a:extLst>
+        </p:cNvPr>
+        <p:cNvGrpSpPr/>
+        <p:nvPr/>
+      </p:nvGrpSpPr>
+      <p:grpSpPr>
+        <a:xfrm>
+          <a:off x="0" y="0"/>
+          <a:ext cx="0" cy="0"/>
+          <a:chOff x="0" y="0"/>
+          <a:chExt cx="0" cy="0"/>
+        </a:xfrm>
+      </p:grpSpPr>
+      <p:sp>
+        <p:nvSpPr>
+          <p:cNvPr id="2" name="제목 1">
+            <a:extLst>
+              <a:ext uri="{FF2B5EF4-FFF2-40B4-BE49-F238E27FC236}">
+                <a16:creationId xmlns:a16="http://schemas.microsoft.com/office/drawing/2014/main" id="{85903F20-4035-AEE3-11C0-D355D0E2B5B9}"/>
+              </a:ext>
+            </a:extLst>
+          </p:cNvPr>
+          <p:cNvSpPr>
+            <a:spLocks noGrp="1"/>
+          </p:cNvSpPr>
+          <p:nvPr>
+            <p:ph type="title"/>
+          </p:nvPr>
+        </p:nvSpPr>
+        <p:spPr>
+          <a:xfrm>
+            <a:off x="-1" y="0"/>
+            <a:ext cx="6160655" cy="964911"/>
+          </a:xfrm>
+        </p:spPr>
+        <p:txBody>
+          <a:bodyPr>
+            <a:normAutofit/>
+          </a:bodyPr>
+          <a:lstStyle/>
+          <a:p>
+            <a:r>
+              <a:rPr lang="ko-KR" altLang="en-US" sz="2300" dirty="0"/>
+              <a:t>사라지는 발판 구간</a:t>
+            </a:r>
+            <a:r>
+              <a:rPr lang="en-US" altLang="ko-KR" sz="2300" dirty="0"/>
+              <a:t>(</a:t>
+            </a:r>
+            <a:r>
+              <a:rPr lang="ko-KR" altLang="en-US" sz="2300" dirty="0"/>
+              <a:t>난이도</a:t>
+            </a:r>
+            <a:r>
+              <a:rPr lang="en-US" altLang="ko-KR" sz="2300" dirty="0"/>
+              <a:t>: </a:t>
+            </a:r>
+            <a:r>
+              <a:rPr lang="ko-KR" altLang="en-US" sz="2300" dirty="0"/>
+              <a:t>조금 어려움</a:t>
+            </a:r>
+            <a:r>
+              <a:rPr lang="en-US" altLang="ko-KR" sz="2300" dirty="0"/>
+              <a:t>)</a:t>
+            </a:r>
+            <a:endParaRPr lang="ko-KR" altLang="en-US" sz="2300" dirty="0"/>
+          </a:p>
+        </p:txBody>
+      </p:sp>
+      <p:sp>
+        <p:nvSpPr>
+          <p:cNvPr id="15" name="화살표: 오른쪽 14">
+            <a:extLst>
+              <a:ext uri="{FF2B5EF4-FFF2-40B4-BE49-F238E27FC236}">
+                <a16:creationId xmlns:a16="http://schemas.microsoft.com/office/drawing/2014/main" id="{268BF3B1-4A32-1B9B-32C3-93EEBA0A4C68}"/>
+              </a:ext>
+            </a:extLst>
+          </p:cNvPr>
+          <p:cNvSpPr/>
+          <p:nvPr/>
+        </p:nvSpPr>
+        <p:spPr>
+          <a:xfrm rot="16200000">
+            <a:off x="5516251" y="5583035"/>
+            <a:ext cx="492419" cy="209408"/>
+          </a:xfrm>
+          <a:prstGeom prst="rightArrow">
+            <a:avLst/>
+          </a:prstGeom>
+          <a:solidFill>
+            <a:schemeClr val="accent1">
+              <a:lumMod val="20000"/>
+              <a:lumOff val="80000"/>
+            </a:schemeClr>
+          </a:solidFill>
+        </p:spPr>
+        <p:style>
+          <a:lnRef idx="2">
+            <a:schemeClr val="accent1">
+              <a:shade val="15000"/>
+            </a:schemeClr>
+          </a:lnRef>
+          <a:fillRef idx="1">
+            <a:schemeClr val="accent1"/>
+          </a:fillRef>
+          <a:effectRef idx="0">
+            <a:schemeClr val="accent1"/>
+          </a:effectRef>
+          <a:fontRef idx="minor">
+            <a:schemeClr val="lt1"/>
+          </a:fontRef>
+        </p:style>
+        <p:txBody>
+          <a:bodyPr rtlCol="0" anchor="ctr"/>
+          <a:lstStyle/>
+          <a:p>
+            <a:pPr algn="ctr"/>
+            <a:endParaRPr lang="ko-KR" altLang="en-US"/>
+          </a:p>
+        </p:txBody>
+      </p:sp>
+      <p:graphicFrame>
+        <p:nvGraphicFramePr>
+          <p:cNvPr id="23" name="표 22">
+            <a:extLst>
+              <a:ext uri="{FF2B5EF4-FFF2-40B4-BE49-F238E27FC236}">
+                <a16:creationId xmlns:a16="http://schemas.microsoft.com/office/drawing/2014/main" id="{0BA52E08-79CD-76E2-D771-734ECDFD6AED}"/>
+              </a:ext>
+            </a:extLst>
+          </p:cNvPr>
+          <p:cNvGraphicFramePr>
+            <a:graphicFrameLocks noGrp="1"/>
+          </p:cNvGraphicFramePr>
+          <p:nvPr>
+            <p:extLst>
+              <p:ext uri="{D42A27DB-BD31-4B8C-83A1-F6EECF244321}">
+                <p14:modId xmlns:p14="http://schemas.microsoft.com/office/powerpoint/2010/main" val="2530926338"/>
+              </p:ext>
+            </p:extLst>
+          </p:nvPr>
+        </p:nvGraphicFramePr>
+        <p:xfrm>
+          <a:off x="6989475" y="1467357"/>
+          <a:ext cx="4581923" cy="1642273"/>
+        </p:xfrm>
+        <a:graphic>
+          <a:graphicData uri="http://schemas.openxmlformats.org/drawingml/2006/table">
+            <a:tbl>
+              <a:tblPr firstRow="1" bandRow="1">
+                <a:tableStyleId>{5C22544A-7EE6-4342-B048-85BDC9FD1C3A}</a:tableStyleId>
+              </a:tblPr>
+              <a:tblGrid>
+                <a:gridCol w="2229152">
+                  <a:extLst>
+                    <a:ext uri="{9D8B030D-6E8A-4147-A177-3AD203B41FA5}">
+                      <a16:colId xmlns:a16="http://schemas.microsoft.com/office/drawing/2014/main" val="3816369926"/>
+                    </a:ext>
+                  </a:extLst>
+                </a:gridCol>
+                <a:gridCol w="2352771">
+                  <a:extLst>
+                    <a:ext uri="{9D8B030D-6E8A-4147-A177-3AD203B41FA5}">
+                      <a16:colId xmlns:a16="http://schemas.microsoft.com/office/drawing/2014/main" val="547672912"/>
+                    </a:ext>
+                  </a:extLst>
+                </a:gridCol>
+              </a:tblGrid>
+              <a:tr h="366760">
+                <a:tc>
+                  <a:txBody>
+                    <a:bodyPr/>
+                    <a:lstStyle/>
+                    <a:p>
+                      <a:pPr latinLnBrk="1"/>
+                      <a:r>
+                        <a:rPr lang="ko-KR" altLang="en-US" dirty="0"/>
+                        <a:t>등장 하는 사물</a:t>
+                      </a:r>
+                    </a:p>
+                  </a:txBody>
+                  <a:tcPr/>
+                </a:tc>
+                <a:tc>
+                  <a:txBody>
+                    <a:bodyPr/>
+                    <a:lstStyle/>
+                    <a:p>
+                      <a:pPr latinLnBrk="1"/>
+                      <a:r>
+                        <a:rPr lang="ko-KR" altLang="en-US" dirty="0"/>
+                        <a:t>사진</a:t>
+                      </a:r>
+                    </a:p>
+                  </a:txBody>
+                  <a:tcPr/>
+                </a:tc>
+                <a:extLst>
+                  <a:ext uri="{0D108BD9-81ED-4DB2-BD59-A6C34878D82A}">
+                    <a16:rowId xmlns:a16="http://schemas.microsoft.com/office/drawing/2014/main" val="2983487876"/>
+                  </a:ext>
+                </a:extLst>
+              </a:tr>
+              <a:tr h="1275513">
+                <a:tc>
+                  <a:txBody>
+                    <a:bodyPr/>
+                    <a:lstStyle/>
+                    <a:p>
+                      <a:pPr latinLnBrk="1"/>
+                      <a:endParaRPr lang="en-US" altLang="ko-KR" dirty="0"/>
+                    </a:p>
+                    <a:p>
+                      <a:pPr latinLnBrk="1"/>
+                      <a:endParaRPr lang="en-US" altLang="ko-KR" dirty="0"/>
+                    </a:p>
+                    <a:p>
+                      <a:pPr latinLnBrk="1"/>
+                      <a:r>
+                        <a:rPr lang="ko-KR" altLang="en-US" dirty="0"/>
+                        <a:t>사라지는 발판</a:t>
+                      </a:r>
+                      <a:endParaRPr lang="en-US" altLang="ko-KR" dirty="0"/>
+                    </a:p>
+                  </a:txBody>
+                  <a:tcPr/>
+                </a:tc>
+                <a:tc>
+                  <a:txBody>
+                    <a:bodyPr/>
+                    <a:lstStyle/>
+                    <a:p>
+                      <a:pPr latinLnBrk="1"/>
+                      <a:endParaRPr lang="ko-KR" altLang="en-US" dirty="0"/>
+                    </a:p>
+                  </a:txBody>
+                  <a:tcPr/>
+                </a:tc>
+                <a:extLst>
+                  <a:ext uri="{0D108BD9-81ED-4DB2-BD59-A6C34878D82A}">
+                    <a16:rowId xmlns:a16="http://schemas.microsoft.com/office/drawing/2014/main" val="1475488419"/>
+                  </a:ext>
+                </a:extLst>
+              </a:tr>
+            </a:tbl>
+          </a:graphicData>
+        </a:graphic>
+      </p:graphicFrame>
+      <p:sp>
+        <p:nvSpPr>
+          <p:cNvPr id="26" name="TextBox 25">
+            <a:extLst>
+              <a:ext uri="{FF2B5EF4-FFF2-40B4-BE49-F238E27FC236}">
+                <a16:creationId xmlns:a16="http://schemas.microsoft.com/office/drawing/2014/main" id="{D1F46983-B117-ACB2-0D9A-A7B30758D471}"/>
+              </a:ext>
+            </a:extLst>
+          </p:cNvPr>
+          <p:cNvSpPr txBox="1"/>
+          <p:nvPr/>
+        </p:nvSpPr>
+        <p:spPr>
+          <a:xfrm>
+            <a:off x="6989475" y="4075282"/>
+            <a:ext cx="4963218" cy="677108"/>
+          </a:xfrm>
+          <a:prstGeom prst="rect">
+            <a:avLst/>
+          </a:prstGeom>
+          <a:noFill/>
+        </p:spPr>
+        <p:txBody>
+          <a:bodyPr wrap="none" rtlCol="0">
+            <a:spAutoFit/>
+          </a:bodyPr>
+          <a:lstStyle/>
+          <a:p>
+            <a:r>
+              <a:rPr lang="ko-KR" altLang="en-US" sz="1900" dirty="0"/>
+              <a:t>의도</a:t>
+            </a:r>
+            <a:r>
+              <a:rPr lang="en-US" altLang="ko-KR" sz="1900" dirty="0"/>
+              <a:t>:</a:t>
+            </a:r>
+            <a:r>
+              <a:rPr lang="ko-KR" altLang="en-US" sz="1900" dirty="0"/>
+              <a:t>새로운 유형의 함정을 통해 플레이어가</a:t>
+            </a:r>
+            <a:endParaRPr lang="en-US" altLang="ko-KR" sz="1900" dirty="0"/>
+          </a:p>
+          <a:p>
+            <a:r>
+              <a:rPr lang="ko-KR" altLang="en-US" sz="1900" dirty="0"/>
+              <a:t>어렵다고 느껴 도전욕구를 발생시킨다</a:t>
+            </a:r>
+            <a:r>
+              <a:rPr lang="en-US" altLang="ko-KR" sz="1900" dirty="0"/>
+              <a:t>.</a:t>
+            </a:r>
+          </a:p>
+        </p:txBody>
+      </p:sp>
+      <p:sp>
+        <p:nvSpPr>
+          <p:cNvPr id="24" name="TextBox 23">
+            <a:extLst>
+              <a:ext uri="{FF2B5EF4-FFF2-40B4-BE49-F238E27FC236}">
+                <a16:creationId xmlns:a16="http://schemas.microsoft.com/office/drawing/2014/main" id="{D80A7E4E-FC9E-0B2B-E306-7749C84F9723}"/>
+              </a:ext>
+            </a:extLst>
+          </p:cNvPr>
+          <p:cNvSpPr txBox="1"/>
+          <p:nvPr/>
+        </p:nvSpPr>
+        <p:spPr>
+          <a:xfrm>
+            <a:off x="45036" y="780245"/>
+            <a:ext cx="1874231" cy="369332"/>
+          </a:xfrm>
+          <a:prstGeom prst="rect">
+            <a:avLst/>
+          </a:prstGeom>
+          <a:noFill/>
+        </p:spPr>
+        <p:txBody>
+          <a:bodyPr wrap="none" rtlCol="0">
+            <a:spAutoFit/>
+          </a:bodyPr>
+          <a:lstStyle/>
+          <a:p>
+            <a:r>
+              <a:rPr lang="en-US" altLang="ko-KR" dirty="0"/>
+              <a:t>(</a:t>
+            </a:r>
+            <a:r>
+              <a:rPr lang="ko-KR" altLang="en-US" dirty="0"/>
+              <a:t>위에서 봤을 때</a:t>
+            </a:r>
+            <a:r>
+              <a:rPr lang="en-US" altLang="ko-KR" dirty="0"/>
+              <a:t>)</a:t>
+            </a:r>
+            <a:endParaRPr lang="ko-KR" altLang="en-US" dirty="0"/>
+          </a:p>
+        </p:txBody>
+      </p:sp>
+      <p:sp>
+        <p:nvSpPr>
+          <p:cNvPr id="8" name="직사각형 7">
+            <a:extLst>
+              <a:ext uri="{FF2B5EF4-FFF2-40B4-BE49-F238E27FC236}">
+                <a16:creationId xmlns:a16="http://schemas.microsoft.com/office/drawing/2014/main" id="{97F82DA6-FA16-E69B-E785-7C7F58B0BD74}"/>
+              </a:ext>
+            </a:extLst>
+          </p:cNvPr>
+          <p:cNvSpPr/>
+          <p:nvPr/>
+        </p:nvSpPr>
+        <p:spPr>
+          <a:xfrm>
+            <a:off x="9627388" y="2148470"/>
+            <a:ext cx="1514763" cy="770588"/>
+          </a:xfrm>
+          <a:prstGeom prst="rect">
+            <a:avLst/>
+          </a:prstGeom>
+          <a:solidFill>
+            <a:schemeClr val="bg2">
+              <a:lumMod val="50000"/>
+            </a:schemeClr>
+          </a:solidFill>
+        </p:spPr>
+        <p:style>
+          <a:lnRef idx="2">
+            <a:schemeClr val="accent1">
+              <a:shade val="15000"/>
+            </a:schemeClr>
+          </a:lnRef>
+          <a:fillRef idx="1">
+            <a:schemeClr val="accent1"/>
+          </a:fillRef>
+          <a:effectRef idx="0">
+            <a:schemeClr val="accent1"/>
+          </a:effectRef>
+          <a:fontRef idx="minor">
+            <a:schemeClr val="lt1"/>
+          </a:fontRef>
+        </p:style>
+        <p:txBody>
+          <a:bodyPr rtlCol="0" anchor="ctr"/>
+          <a:lstStyle/>
+          <a:p>
+            <a:pPr algn="ctr"/>
+            <a:endParaRPr lang="ko-KR" altLang="en-US"/>
+          </a:p>
+        </p:txBody>
+      </p:sp>
+      <p:sp>
+        <p:nvSpPr>
+          <p:cNvPr id="9" name="직사각형 8">
+            <a:extLst>
+              <a:ext uri="{FF2B5EF4-FFF2-40B4-BE49-F238E27FC236}">
+                <a16:creationId xmlns:a16="http://schemas.microsoft.com/office/drawing/2014/main" id="{70BE7472-4604-A6A6-69B9-942DE7F01C3A}"/>
+              </a:ext>
+            </a:extLst>
+          </p:cNvPr>
+          <p:cNvSpPr/>
+          <p:nvPr/>
+        </p:nvSpPr>
+        <p:spPr>
+          <a:xfrm>
+            <a:off x="3687763" y="5933949"/>
+            <a:ext cx="1514763" cy="770588"/>
+          </a:xfrm>
+          <a:prstGeom prst="rect">
+            <a:avLst/>
+          </a:prstGeom>
+          <a:solidFill>
+            <a:schemeClr val="bg2">
+              <a:lumMod val="50000"/>
+            </a:schemeClr>
+          </a:solidFill>
+        </p:spPr>
+        <p:style>
+          <a:lnRef idx="2">
+            <a:schemeClr val="accent1">
+              <a:shade val="15000"/>
+            </a:schemeClr>
+          </a:lnRef>
+          <a:fillRef idx="1">
+            <a:schemeClr val="accent1"/>
+          </a:fillRef>
+          <a:effectRef idx="0">
+            <a:schemeClr val="accent1"/>
+          </a:effectRef>
+          <a:fontRef idx="minor">
+            <a:schemeClr val="lt1"/>
+          </a:fontRef>
+        </p:style>
+        <p:txBody>
+          <a:bodyPr rtlCol="0" anchor="ctr"/>
+          <a:lstStyle/>
+          <a:p>
+            <a:pPr algn="ctr"/>
+            <a:endParaRPr lang="ko-KR" altLang="en-US"/>
+          </a:p>
+        </p:txBody>
+      </p:sp>
+      <p:sp>
+        <p:nvSpPr>
+          <p:cNvPr id="13" name="TextBox 12">
+            <a:extLst>
+              <a:ext uri="{FF2B5EF4-FFF2-40B4-BE49-F238E27FC236}">
+                <a16:creationId xmlns:a16="http://schemas.microsoft.com/office/drawing/2014/main" id="{7C0DA5E4-C2DF-A951-C478-DF8DF08CF311}"/>
+              </a:ext>
+            </a:extLst>
+          </p:cNvPr>
+          <p:cNvSpPr txBox="1"/>
+          <p:nvPr/>
+        </p:nvSpPr>
+        <p:spPr>
+          <a:xfrm>
+            <a:off x="6989475" y="3191516"/>
+            <a:ext cx="4435830" cy="369332"/>
+          </a:xfrm>
+          <a:prstGeom prst="rect">
+            <a:avLst/>
+          </a:prstGeom>
+          <a:noFill/>
+        </p:spPr>
+        <p:txBody>
+          <a:bodyPr wrap="none" rtlCol="0">
+            <a:spAutoFit/>
+          </a:bodyPr>
+          <a:lstStyle/>
+          <a:p>
+            <a:r>
+              <a:rPr lang="ko-KR" altLang="en-US" dirty="0"/>
+              <a:t>정해진 시간마다 나타남과 사라짐을 반복</a:t>
+            </a:r>
+          </a:p>
+        </p:txBody>
+      </p:sp>
+      <p:sp>
+        <p:nvSpPr>
+          <p:cNvPr id="14" name="직사각형 13">
+            <a:extLst>
+              <a:ext uri="{FF2B5EF4-FFF2-40B4-BE49-F238E27FC236}">
+                <a16:creationId xmlns:a16="http://schemas.microsoft.com/office/drawing/2014/main" id="{D3367ED1-22B0-5DAE-FFAB-FFF9E656F1E4}"/>
+              </a:ext>
+            </a:extLst>
+          </p:cNvPr>
+          <p:cNvSpPr/>
+          <p:nvPr/>
+        </p:nvSpPr>
+        <p:spPr>
+          <a:xfrm>
+            <a:off x="3687762" y="4569113"/>
+            <a:ext cx="1514763" cy="770588"/>
+          </a:xfrm>
+          <a:prstGeom prst="rect">
+            <a:avLst/>
+          </a:prstGeom>
+          <a:solidFill>
+            <a:schemeClr val="bg2">
+              <a:lumMod val="50000"/>
+            </a:schemeClr>
+          </a:solidFill>
+        </p:spPr>
+        <p:style>
+          <a:lnRef idx="2">
+            <a:schemeClr val="accent1">
+              <a:shade val="15000"/>
+            </a:schemeClr>
+          </a:lnRef>
+          <a:fillRef idx="1">
+            <a:schemeClr val="accent1"/>
+          </a:fillRef>
+          <a:effectRef idx="0">
+            <a:schemeClr val="accent1"/>
+          </a:effectRef>
+          <a:fontRef idx="minor">
+            <a:schemeClr val="lt1"/>
+          </a:fontRef>
+        </p:style>
+        <p:txBody>
+          <a:bodyPr rtlCol="0" anchor="ctr"/>
+          <a:lstStyle/>
+          <a:p>
+            <a:pPr algn="ctr"/>
+            <a:endParaRPr lang="ko-KR" altLang="en-US"/>
+          </a:p>
+        </p:txBody>
+      </p:sp>
+      <p:sp>
+        <p:nvSpPr>
+          <p:cNvPr id="16" name="직사각형 15">
+            <a:extLst>
+              <a:ext uri="{FF2B5EF4-FFF2-40B4-BE49-F238E27FC236}">
+                <a16:creationId xmlns:a16="http://schemas.microsoft.com/office/drawing/2014/main" id="{EFD2515B-82CD-49CF-F15F-B966DF7CBE1B}"/>
+              </a:ext>
+            </a:extLst>
+          </p:cNvPr>
+          <p:cNvSpPr/>
+          <p:nvPr/>
+        </p:nvSpPr>
+        <p:spPr>
+          <a:xfrm>
+            <a:off x="2625581" y="3191516"/>
+            <a:ext cx="1514763" cy="770588"/>
+          </a:xfrm>
+          <a:prstGeom prst="rect">
+            <a:avLst/>
+          </a:prstGeom>
+          <a:solidFill>
+            <a:schemeClr val="bg2">
+              <a:lumMod val="50000"/>
+            </a:schemeClr>
+          </a:solidFill>
+        </p:spPr>
+        <p:style>
+          <a:lnRef idx="2">
+            <a:schemeClr val="accent1">
+              <a:shade val="15000"/>
+            </a:schemeClr>
+          </a:lnRef>
+          <a:fillRef idx="1">
+            <a:schemeClr val="accent1"/>
+          </a:fillRef>
+          <a:effectRef idx="0">
+            <a:schemeClr val="accent1"/>
+          </a:effectRef>
+          <a:fontRef idx="minor">
+            <a:schemeClr val="lt1"/>
+          </a:fontRef>
+        </p:style>
+        <p:txBody>
+          <a:bodyPr rtlCol="0" anchor="ctr"/>
+          <a:lstStyle/>
+          <a:p>
+            <a:pPr algn="ctr"/>
+            <a:endParaRPr lang="ko-KR" altLang="en-US"/>
+          </a:p>
+        </p:txBody>
+      </p:sp>
+      <p:sp>
+        <p:nvSpPr>
+          <p:cNvPr id="19" name="직사각형 18">
+            <a:extLst>
+              <a:ext uri="{FF2B5EF4-FFF2-40B4-BE49-F238E27FC236}">
+                <a16:creationId xmlns:a16="http://schemas.microsoft.com/office/drawing/2014/main" id="{39EE8F4A-094E-21AD-0188-83F3164B1CA6}"/>
+              </a:ext>
+            </a:extLst>
+          </p:cNvPr>
+          <p:cNvSpPr/>
+          <p:nvPr/>
+        </p:nvSpPr>
+        <p:spPr>
+          <a:xfrm>
+            <a:off x="1695355" y="1903199"/>
+            <a:ext cx="1514763" cy="770588"/>
+          </a:xfrm>
+          <a:prstGeom prst="rect">
+            <a:avLst/>
+          </a:prstGeom>
+          <a:solidFill>
+            <a:schemeClr val="bg2">
+              <a:lumMod val="50000"/>
+            </a:schemeClr>
+          </a:solidFill>
+        </p:spPr>
+        <p:style>
+          <a:lnRef idx="2">
+            <a:schemeClr val="accent1">
+              <a:shade val="15000"/>
+            </a:schemeClr>
+          </a:lnRef>
+          <a:fillRef idx="1">
+            <a:schemeClr val="accent1"/>
+          </a:fillRef>
+          <a:effectRef idx="0">
+            <a:schemeClr val="accent1"/>
+          </a:effectRef>
+          <a:fontRef idx="minor">
+            <a:schemeClr val="lt1"/>
+          </a:fontRef>
+        </p:style>
+        <p:txBody>
+          <a:bodyPr rtlCol="0" anchor="ctr"/>
+          <a:lstStyle/>
+          <a:p>
+            <a:pPr algn="ctr"/>
+            <a:endParaRPr lang="ko-KR" altLang="en-US"/>
+          </a:p>
+        </p:txBody>
+      </p:sp>
+      <p:sp>
+        <p:nvSpPr>
+          <p:cNvPr id="28" name="화살표: 오른쪽 27">
+            <a:extLst>
+              <a:ext uri="{FF2B5EF4-FFF2-40B4-BE49-F238E27FC236}">
+                <a16:creationId xmlns:a16="http://schemas.microsoft.com/office/drawing/2014/main" id="{F2D746E2-BD68-7975-F7D9-8A4CC8552B21}"/>
+              </a:ext>
+            </a:extLst>
+          </p:cNvPr>
+          <p:cNvSpPr/>
+          <p:nvPr/>
+        </p:nvSpPr>
+        <p:spPr>
+          <a:xfrm rot="14080204">
+            <a:off x="4626915" y="3736064"/>
+            <a:ext cx="492419" cy="209408"/>
+          </a:xfrm>
+          <a:prstGeom prst="rightArrow">
+            <a:avLst/>
+          </a:prstGeom>
+          <a:solidFill>
+            <a:schemeClr val="accent1">
+              <a:lumMod val="20000"/>
+              <a:lumOff val="80000"/>
+            </a:schemeClr>
+          </a:solidFill>
+        </p:spPr>
+        <p:style>
+          <a:lnRef idx="2">
+            <a:schemeClr val="accent1">
+              <a:shade val="15000"/>
+            </a:schemeClr>
+          </a:lnRef>
+          <a:fillRef idx="1">
+            <a:schemeClr val="accent1"/>
+          </a:fillRef>
+          <a:effectRef idx="0">
+            <a:schemeClr val="accent1"/>
+          </a:effectRef>
+          <a:fontRef idx="minor">
+            <a:schemeClr val="lt1"/>
+          </a:fontRef>
+        </p:style>
+        <p:txBody>
+          <a:bodyPr rtlCol="0" anchor="ctr"/>
+          <a:lstStyle/>
+          <a:p>
+            <a:pPr algn="ctr"/>
+            <a:endParaRPr lang="ko-KR" altLang="en-US"/>
+          </a:p>
+        </p:txBody>
+      </p:sp>
+      <p:sp>
+        <p:nvSpPr>
+          <p:cNvPr id="30" name="화살표: 오른쪽 29">
+            <a:extLst>
+              <a:ext uri="{FF2B5EF4-FFF2-40B4-BE49-F238E27FC236}">
+                <a16:creationId xmlns:a16="http://schemas.microsoft.com/office/drawing/2014/main" id="{83F5CD33-8D57-CDD0-6866-B6FCAE23033F}"/>
+              </a:ext>
+            </a:extLst>
+          </p:cNvPr>
+          <p:cNvSpPr/>
+          <p:nvPr/>
+        </p:nvSpPr>
+        <p:spPr>
+          <a:xfrm rot="16200000">
+            <a:off x="2277871" y="1237168"/>
+            <a:ext cx="492419" cy="209408"/>
+          </a:xfrm>
+          <a:prstGeom prst="rightArrow">
+            <a:avLst/>
+          </a:prstGeom>
+          <a:solidFill>
+            <a:schemeClr val="accent1">
+              <a:lumMod val="20000"/>
+              <a:lumOff val="80000"/>
+            </a:schemeClr>
+          </a:solidFill>
+        </p:spPr>
+        <p:style>
+          <a:lnRef idx="2">
+            <a:schemeClr val="accent1">
+              <a:shade val="15000"/>
+            </a:schemeClr>
+          </a:lnRef>
+          <a:fillRef idx="1">
+            <a:schemeClr val="accent1"/>
+          </a:fillRef>
+          <a:effectRef idx="0">
+            <a:schemeClr val="accent1"/>
+          </a:effectRef>
+          <a:fontRef idx="minor">
+            <a:schemeClr val="lt1"/>
+          </a:fontRef>
+        </p:style>
+        <p:txBody>
+          <a:bodyPr rtlCol="0" anchor="ctr"/>
+          <a:lstStyle/>
+          <a:p>
+            <a:pPr algn="ctr"/>
+            <a:endParaRPr lang="ko-KR" altLang="en-US"/>
+          </a:p>
+        </p:txBody>
+      </p:sp>
+      <p:sp>
+        <p:nvSpPr>
+          <p:cNvPr id="31" name="화살표: 오른쪽 30">
+            <a:extLst>
+              <a:ext uri="{FF2B5EF4-FFF2-40B4-BE49-F238E27FC236}">
+                <a16:creationId xmlns:a16="http://schemas.microsoft.com/office/drawing/2014/main" id="{72E9711D-C274-090E-8EB0-E2225F213803}"/>
+              </a:ext>
+            </a:extLst>
+          </p:cNvPr>
+          <p:cNvSpPr/>
+          <p:nvPr/>
+        </p:nvSpPr>
+        <p:spPr>
+          <a:xfrm rot="14080204">
+            <a:off x="3666334" y="2448434"/>
+            <a:ext cx="492419" cy="209408"/>
+          </a:xfrm>
+          <a:prstGeom prst="rightArrow">
+            <a:avLst/>
+          </a:prstGeom>
+          <a:solidFill>
+            <a:schemeClr val="accent1">
+              <a:lumMod val="20000"/>
+              <a:lumOff val="80000"/>
+            </a:schemeClr>
+          </a:solidFill>
+        </p:spPr>
+        <p:style>
+          <a:lnRef idx="2">
+            <a:schemeClr val="accent1">
+              <a:shade val="15000"/>
+            </a:schemeClr>
+          </a:lnRef>
+          <a:fillRef idx="1">
+            <a:schemeClr val="accent1"/>
+          </a:fillRef>
+          <a:effectRef idx="0">
+            <a:schemeClr val="accent1"/>
+          </a:effectRef>
+          <a:fontRef idx="minor">
+            <a:schemeClr val="lt1"/>
+          </a:fontRef>
+        </p:style>
+        <p:txBody>
+          <a:bodyPr rtlCol="0" anchor="ctr"/>
+          <a:lstStyle/>
+          <a:p>
+            <a:pPr algn="ctr"/>
+            <a:endParaRPr lang="ko-KR" altLang="en-US"/>
+          </a:p>
+        </p:txBody>
+      </p:sp>
+    </p:spTree>
+    <p:extLst>
+      <p:ext uri="{BB962C8B-B14F-4D97-AF65-F5344CB8AC3E}">
+        <p14:creationId xmlns:p14="http://schemas.microsoft.com/office/powerpoint/2010/main" val="2517768927"/>
+      </p:ext>
+    </p:extLst>
+  </p:cSld>
+  <p:clrMapOvr>
+    <a:masterClrMapping/>
+  </p:clrMapOvr>
+</p:sld>
+</file>
+
+<file path=ppt/slides/slide17.xml><?xml version="1.0" encoding="utf-8"?>
+<p:sld xmlns:a="http://schemas.openxmlformats.org/drawingml/2006/main" xmlns:r="http://schemas.openxmlformats.org/officeDocument/2006/relationships" xmlns:p="http://schemas.openxmlformats.org/presentationml/2006/main">
+  <p:cSld>
+    <p:spTree>
+      <p:nvGrpSpPr>
+        <p:cNvPr id="1" name="">
+          <a:extLst>
+            <a:ext uri="{FF2B5EF4-FFF2-40B4-BE49-F238E27FC236}">
+              <a16:creationId xmlns:a16="http://schemas.microsoft.com/office/drawing/2014/main" id="{D4985522-A47A-2132-E1CF-627F00ABAB9C}"/>
+            </a:ext>
+          </a:extLst>
+        </p:cNvPr>
+        <p:cNvGrpSpPr/>
+        <p:nvPr/>
+      </p:nvGrpSpPr>
+      <p:grpSpPr>
+        <a:xfrm>
+          <a:off x="0" y="0"/>
+          <a:ext cx="0" cy="0"/>
+          <a:chOff x="0" y="0"/>
+          <a:chExt cx="0" cy="0"/>
+        </a:xfrm>
+      </p:grpSpPr>
+      <p:sp>
+        <p:nvSpPr>
+          <p:cNvPr id="2" name="제목 1">
+            <a:extLst>
+              <a:ext uri="{FF2B5EF4-FFF2-40B4-BE49-F238E27FC236}">
+                <a16:creationId xmlns:a16="http://schemas.microsoft.com/office/drawing/2014/main" id="{B1269224-1260-3C3E-94C7-F61E82152A10}"/>
+              </a:ext>
+            </a:extLst>
+          </p:cNvPr>
+          <p:cNvSpPr>
+            <a:spLocks noGrp="1"/>
+          </p:cNvSpPr>
+          <p:nvPr>
+            <p:ph type="title"/>
+          </p:nvPr>
+        </p:nvSpPr>
+        <p:spPr>
+          <a:xfrm>
+            <a:off x="-1" y="0"/>
+            <a:ext cx="6160655" cy="964911"/>
+          </a:xfrm>
+        </p:spPr>
+        <p:txBody>
+          <a:bodyPr>
+            <a:normAutofit/>
+          </a:bodyPr>
+          <a:lstStyle/>
+          <a:p>
+            <a:r>
+              <a:rPr lang="ko-KR" altLang="en-US" sz="2300" dirty="0"/>
+              <a:t>턱이 높은 계단</a:t>
+            </a:r>
+            <a:r>
+              <a:rPr lang="en-US" altLang="ko-KR" sz="2300" dirty="0"/>
+              <a:t>(</a:t>
+            </a:r>
+            <a:r>
+              <a:rPr lang="ko-KR" altLang="en-US" sz="2300" dirty="0"/>
+              <a:t>난이도</a:t>
+            </a:r>
+            <a:r>
+              <a:rPr lang="en-US" altLang="ko-KR" sz="2300" dirty="0"/>
+              <a:t>: </a:t>
+            </a:r>
+            <a:r>
+              <a:rPr lang="ko-KR" altLang="en-US" sz="2300" dirty="0"/>
+              <a:t>매우 쉬움</a:t>
+            </a:r>
+            <a:r>
+              <a:rPr lang="en-US" altLang="ko-KR" sz="2300" dirty="0"/>
+              <a:t>)</a:t>
+            </a:r>
+            <a:endParaRPr lang="ko-KR" altLang="en-US" sz="2300" dirty="0"/>
+          </a:p>
+        </p:txBody>
+      </p:sp>
+      <p:sp>
+        <p:nvSpPr>
+          <p:cNvPr id="15" name="화살표: 오른쪽 14">
+            <a:extLst>
+              <a:ext uri="{FF2B5EF4-FFF2-40B4-BE49-F238E27FC236}">
+                <a16:creationId xmlns:a16="http://schemas.microsoft.com/office/drawing/2014/main" id="{1C05623F-C16D-90C0-799D-A6EE7693AEC7}"/>
+              </a:ext>
+            </a:extLst>
+          </p:cNvPr>
+          <p:cNvSpPr/>
+          <p:nvPr/>
+        </p:nvSpPr>
+        <p:spPr>
+          <a:xfrm rot="16200000">
+            <a:off x="772589" y="5169501"/>
+            <a:ext cx="1538221" cy="340621"/>
+          </a:xfrm>
+          <a:prstGeom prst="rightArrow">
+            <a:avLst/>
+          </a:prstGeom>
+          <a:solidFill>
+            <a:schemeClr val="accent1">
+              <a:lumMod val="20000"/>
+              <a:lumOff val="80000"/>
+            </a:schemeClr>
+          </a:solidFill>
+        </p:spPr>
+        <p:style>
+          <a:lnRef idx="2">
+            <a:schemeClr val="accent1">
+              <a:shade val="15000"/>
+            </a:schemeClr>
+          </a:lnRef>
+          <a:fillRef idx="1">
+            <a:schemeClr val="accent1"/>
+          </a:fillRef>
+          <a:effectRef idx="0">
+            <a:schemeClr val="accent1"/>
+          </a:effectRef>
+          <a:fontRef idx="minor">
+            <a:schemeClr val="lt1"/>
+          </a:fontRef>
+        </p:style>
+        <p:txBody>
+          <a:bodyPr rtlCol="0" anchor="ctr"/>
+          <a:lstStyle/>
+          <a:p>
+            <a:pPr algn="ctr"/>
+            <a:endParaRPr lang="ko-KR" altLang="en-US"/>
+          </a:p>
+        </p:txBody>
+      </p:sp>
+      <p:graphicFrame>
+        <p:nvGraphicFramePr>
+          <p:cNvPr id="23" name="표 22">
+            <a:extLst>
+              <a:ext uri="{FF2B5EF4-FFF2-40B4-BE49-F238E27FC236}">
+                <a16:creationId xmlns:a16="http://schemas.microsoft.com/office/drawing/2014/main" id="{FDCF70ED-DFF7-FC08-F051-FB7364D689E5}"/>
+              </a:ext>
+            </a:extLst>
+          </p:cNvPr>
+          <p:cNvGraphicFramePr>
+            <a:graphicFrameLocks noGrp="1"/>
+          </p:cNvGraphicFramePr>
+          <p:nvPr>
+            <p:extLst>
+              <p:ext uri="{D42A27DB-BD31-4B8C-83A1-F6EECF244321}">
+                <p14:modId xmlns:p14="http://schemas.microsoft.com/office/powerpoint/2010/main" val="2937892031"/>
+              </p:ext>
+            </p:extLst>
+          </p:nvPr>
+        </p:nvGraphicFramePr>
+        <p:xfrm>
+          <a:off x="7072602" y="2079824"/>
+          <a:ext cx="4581923" cy="1642273"/>
+        </p:xfrm>
+        <a:graphic>
+          <a:graphicData uri="http://schemas.openxmlformats.org/drawingml/2006/table">
+            <a:tbl>
+              <a:tblPr firstRow="1" bandRow="1">
+                <a:tableStyleId>{5C22544A-7EE6-4342-B048-85BDC9FD1C3A}</a:tableStyleId>
+              </a:tblPr>
+              <a:tblGrid>
+                <a:gridCol w="2229152">
+                  <a:extLst>
+                    <a:ext uri="{9D8B030D-6E8A-4147-A177-3AD203B41FA5}">
+                      <a16:colId xmlns:a16="http://schemas.microsoft.com/office/drawing/2014/main" val="3816369926"/>
+                    </a:ext>
+                  </a:extLst>
+                </a:gridCol>
+                <a:gridCol w="2352771">
+                  <a:extLst>
+                    <a:ext uri="{9D8B030D-6E8A-4147-A177-3AD203B41FA5}">
+                      <a16:colId xmlns:a16="http://schemas.microsoft.com/office/drawing/2014/main" val="547672912"/>
+                    </a:ext>
+                  </a:extLst>
+                </a:gridCol>
+              </a:tblGrid>
+              <a:tr h="366760">
+                <a:tc>
+                  <a:txBody>
+                    <a:bodyPr/>
+                    <a:lstStyle/>
+                    <a:p>
+                      <a:pPr latinLnBrk="1"/>
+                      <a:r>
+                        <a:rPr lang="ko-KR" altLang="en-US" dirty="0"/>
+                        <a:t>등장 하는 사물</a:t>
+                      </a:r>
+                    </a:p>
+                  </a:txBody>
+                  <a:tcPr/>
+                </a:tc>
+                <a:tc>
+                  <a:txBody>
+                    <a:bodyPr/>
+                    <a:lstStyle/>
+                    <a:p>
+                      <a:pPr latinLnBrk="1"/>
+                      <a:r>
+                        <a:rPr lang="ko-KR" altLang="en-US" dirty="0"/>
+                        <a:t>사진</a:t>
+                      </a:r>
+                    </a:p>
+                  </a:txBody>
+                  <a:tcPr/>
+                </a:tc>
+                <a:extLst>
+                  <a:ext uri="{0D108BD9-81ED-4DB2-BD59-A6C34878D82A}">
+                    <a16:rowId xmlns:a16="http://schemas.microsoft.com/office/drawing/2014/main" val="2983487876"/>
+                  </a:ext>
+                </a:extLst>
+              </a:tr>
+              <a:tr h="1275513">
+                <a:tc>
+                  <a:txBody>
+                    <a:bodyPr/>
+                    <a:lstStyle/>
+                    <a:p>
+                      <a:pPr latinLnBrk="1"/>
+                      <a:endParaRPr lang="en-US" altLang="ko-KR" dirty="0"/>
+                    </a:p>
+                    <a:p>
+                      <a:pPr latinLnBrk="1"/>
+                      <a:endParaRPr lang="en-US" altLang="ko-KR" dirty="0"/>
+                    </a:p>
+                    <a:p>
+                      <a:pPr latinLnBrk="1"/>
+                      <a:r>
+                        <a:rPr lang="ko-KR" altLang="en-US" dirty="0"/>
+                        <a:t>계단</a:t>
+                      </a:r>
+                      <a:endParaRPr lang="en-US" altLang="ko-KR" dirty="0"/>
+                    </a:p>
+                  </a:txBody>
+                  <a:tcPr/>
+                </a:tc>
+                <a:tc>
+                  <a:txBody>
+                    <a:bodyPr/>
+                    <a:lstStyle/>
+                    <a:p>
+                      <a:pPr latinLnBrk="1"/>
+                      <a:endParaRPr lang="ko-KR" altLang="en-US" dirty="0"/>
+                    </a:p>
+                  </a:txBody>
+                  <a:tcPr/>
+                </a:tc>
+                <a:extLst>
+                  <a:ext uri="{0D108BD9-81ED-4DB2-BD59-A6C34878D82A}">
+                    <a16:rowId xmlns:a16="http://schemas.microsoft.com/office/drawing/2014/main" val="1475488419"/>
+                  </a:ext>
+                </a:extLst>
+              </a:tr>
+            </a:tbl>
+          </a:graphicData>
+        </a:graphic>
+      </p:graphicFrame>
+      <p:sp>
+        <p:nvSpPr>
+          <p:cNvPr id="26" name="TextBox 25">
+            <a:extLst>
+              <a:ext uri="{FF2B5EF4-FFF2-40B4-BE49-F238E27FC236}">
+                <a16:creationId xmlns:a16="http://schemas.microsoft.com/office/drawing/2014/main" id="{48A591A5-336C-CFBD-7223-9960CAE77D85}"/>
+              </a:ext>
+            </a:extLst>
+          </p:cNvPr>
+          <p:cNvSpPr txBox="1"/>
+          <p:nvPr/>
+        </p:nvSpPr>
+        <p:spPr>
+          <a:xfrm>
+            <a:off x="7072602" y="4341082"/>
+            <a:ext cx="4475905" cy="677108"/>
+          </a:xfrm>
+          <a:prstGeom prst="rect">
+            <a:avLst/>
+          </a:prstGeom>
+          <a:noFill/>
+        </p:spPr>
+        <p:txBody>
+          <a:bodyPr wrap="none" rtlCol="0">
+            <a:spAutoFit/>
+          </a:bodyPr>
+          <a:lstStyle/>
+          <a:p>
+            <a:r>
+              <a:rPr lang="ko-KR" altLang="en-US" sz="1900" dirty="0"/>
+              <a:t>의도</a:t>
+            </a:r>
+            <a:r>
+              <a:rPr lang="en-US" altLang="ko-KR" sz="1900" dirty="0"/>
+              <a:t>:</a:t>
+            </a:r>
+            <a:r>
+              <a:rPr lang="ko-KR" altLang="en-US" sz="1900" dirty="0"/>
+              <a:t>플레이어에게 휴식을 주고 구역을 </a:t>
+            </a:r>
+            <a:endParaRPr lang="en-US" altLang="ko-KR" sz="1900" dirty="0"/>
+          </a:p>
+          <a:p>
+            <a:r>
+              <a:rPr lang="ko-KR" altLang="en-US" sz="1900" dirty="0"/>
+              <a:t>나누기</a:t>
+            </a:r>
+            <a:r>
+              <a:rPr lang="en-US" altLang="ko-KR" sz="1900" dirty="0"/>
+              <a:t> </a:t>
+            </a:r>
+            <a:r>
+              <a:rPr lang="ko-KR" altLang="en-US" sz="1900" dirty="0"/>
+              <a:t>위해</a:t>
+            </a:r>
+            <a:r>
+              <a:rPr lang="en-US" altLang="ko-KR" sz="1900" dirty="0"/>
+              <a:t>.</a:t>
+            </a:r>
+          </a:p>
+        </p:txBody>
+      </p:sp>
+      <p:sp>
+        <p:nvSpPr>
+          <p:cNvPr id="24" name="TextBox 23">
+            <a:extLst>
+              <a:ext uri="{FF2B5EF4-FFF2-40B4-BE49-F238E27FC236}">
+                <a16:creationId xmlns:a16="http://schemas.microsoft.com/office/drawing/2014/main" id="{4DDEB7AE-C163-C65A-BD14-2F3051A31CFB}"/>
+              </a:ext>
+            </a:extLst>
+          </p:cNvPr>
+          <p:cNvSpPr txBox="1"/>
+          <p:nvPr/>
+        </p:nvSpPr>
+        <p:spPr>
+          <a:xfrm>
+            <a:off x="45036" y="780245"/>
+            <a:ext cx="1874231" cy="369332"/>
+          </a:xfrm>
+          <a:prstGeom prst="rect">
+            <a:avLst/>
+          </a:prstGeom>
+          <a:noFill/>
+        </p:spPr>
+        <p:txBody>
+          <a:bodyPr wrap="none" rtlCol="0">
+            <a:spAutoFit/>
+          </a:bodyPr>
+          <a:lstStyle/>
+          <a:p>
+            <a:r>
+              <a:rPr lang="en-US" altLang="ko-KR" dirty="0"/>
+              <a:t>(</a:t>
+            </a:r>
+            <a:r>
+              <a:rPr lang="ko-KR" altLang="en-US" dirty="0"/>
+              <a:t>앞에서 봤을 때</a:t>
+            </a:r>
+            <a:r>
+              <a:rPr lang="en-US" altLang="ko-KR" dirty="0"/>
+              <a:t>)</a:t>
+            </a:r>
+            <a:endParaRPr lang="ko-KR" altLang="en-US" dirty="0"/>
+          </a:p>
+        </p:txBody>
+      </p:sp>
+      <p:sp>
+        <p:nvSpPr>
+          <p:cNvPr id="9" name="직사각형 8">
+            <a:extLst>
+              <a:ext uri="{FF2B5EF4-FFF2-40B4-BE49-F238E27FC236}">
+                <a16:creationId xmlns:a16="http://schemas.microsoft.com/office/drawing/2014/main" id="{4D34ADEA-D639-81D9-9C72-030F21AEFCD4}"/>
+              </a:ext>
+            </a:extLst>
+          </p:cNvPr>
+          <p:cNvSpPr/>
+          <p:nvPr/>
+        </p:nvSpPr>
+        <p:spPr>
+          <a:xfrm>
+            <a:off x="1919266" y="5825226"/>
+            <a:ext cx="2754333" cy="505057"/>
+          </a:xfrm>
+          <a:prstGeom prst="rect">
+            <a:avLst/>
+          </a:prstGeom>
+          <a:solidFill>
+            <a:schemeClr val="bg2">
+              <a:lumMod val="75000"/>
+            </a:schemeClr>
+          </a:solidFill>
+        </p:spPr>
+        <p:style>
+          <a:lnRef idx="2">
+            <a:schemeClr val="accent1">
+              <a:shade val="15000"/>
+            </a:schemeClr>
+          </a:lnRef>
+          <a:fillRef idx="1">
+            <a:schemeClr val="accent1"/>
+          </a:fillRef>
+          <a:effectRef idx="0">
+            <a:schemeClr val="accent1"/>
+          </a:effectRef>
+          <a:fontRef idx="minor">
+            <a:schemeClr val="lt1"/>
+          </a:fontRef>
+        </p:style>
+        <p:txBody>
+          <a:bodyPr rtlCol="0" anchor="ctr"/>
+          <a:lstStyle/>
+          <a:p>
+            <a:pPr algn="ctr"/>
+            <a:endParaRPr lang="ko-KR" altLang="en-US"/>
+          </a:p>
+        </p:txBody>
+      </p:sp>
+      <p:sp>
+        <p:nvSpPr>
+          <p:cNvPr id="4" name="직사각형 3">
+            <a:extLst>
+              <a:ext uri="{FF2B5EF4-FFF2-40B4-BE49-F238E27FC236}">
+                <a16:creationId xmlns:a16="http://schemas.microsoft.com/office/drawing/2014/main" id="{FE29E1EC-437D-9948-260F-BDB663149FA5}"/>
+              </a:ext>
+            </a:extLst>
+          </p:cNvPr>
+          <p:cNvSpPr/>
+          <p:nvPr/>
+        </p:nvSpPr>
+        <p:spPr>
+          <a:xfrm>
+            <a:off x="1974682" y="5320169"/>
+            <a:ext cx="2625025" cy="505057"/>
+          </a:xfrm>
+          <a:prstGeom prst="rect">
+            <a:avLst/>
+          </a:prstGeom>
+          <a:solidFill>
+            <a:schemeClr val="bg2">
+              <a:lumMod val="75000"/>
+            </a:schemeClr>
+          </a:solidFill>
+        </p:spPr>
+        <p:style>
+          <a:lnRef idx="2">
+            <a:schemeClr val="accent1">
+              <a:shade val="15000"/>
+            </a:schemeClr>
+          </a:lnRef>
+          <a:fillRef idx="1">
+            <a:schemeClr val="accent1"/>
+          </a:fillRef>
+          <a:effectRef idx="0">
+            <a:schemeClr val="accent1"/>
+          </a:effectRef>
+          <a:fontRef idx="minor">
+            <a:schemeClr val="lt1"/>
+          </a:fontRef>
+        </p:style>
+        <p:txBody>
+          <a:bodyPr rtlCol="0" anchor="ctr"/>
+          <a:lstStyle/>
+          <a:p>
+            <a:pPr algn="ctr"/>
+            <a:endParaRPr lang="ko-KR" altLang="en-US"/>
+          </a:p>
+        </p:txBody>
+      </p:sp>
+      <p:sp>
+        <p:nvSpPr>
+          <p:cNvPr id="5" name="직사각형 4">
+            <a:extLst>
+              <a:ext uri="{FF2B5EF4-FFF2-40B4-BE49-F238E27FC236}">
+                <a16:creationId xmlns:a16="http://schemas.microsoft.com/office/drawing/2014/main" id="{0068A924-CF1A-C05E-775B-DD0C15F0FF00}"/>
+              </a:ext>
+            </a:extLst>
+          </p:cNvPr>
+          <p:cNvSpPr/>
+          <p:nvPr/>
+        </p:nvSpPr>
+        <p:spPr>
+          <a:xfrm>
+            <a:off x="2020861" y="4834755"/>
+            <a:ext cx="2514190" cy="505057"/>
+          </a:xfrm>
+          <a:prstGeom prst="rect">
+            <a:avLst/>
+          </a:prstGeom>
+          <a:solidFill>
+            <a:schemeClr val="bg2">
+              <a:lumMod val="75000"/>
+            </a:schemeClr>
+          </a:solidFill>
+        </p:spPr>
+        <p:style>
+          <a:lnRef idx="2">
+            <a:schemeClr val="accent1">
+              <a:shade val="15000"/>
+            </a:schemeClr>
+          </a:lnRef>
+          <a:fillRef idx="1">
+            <a:schemeClr val="accent1"/>
+          </a:fillRef>
+          <a:effectRef idx="0">
+            <a:schemeClr val="accent1"/>
+          </a:effectRef>
+          <a:fontRef idx="minor">
+            <a:schemeClr val="lt1"/>
+          </a:fontRef>
+        </p:style>
+        <p:txBody>
+          <a:bodyPr rtlCol="0" anchor="ctr"/>
+          <a:lstStyle/>
+          <a:p>
+            <a:pPr algn="ctr"/>
+            <a:endParaRPr lang="ko-KR" altLang="en-US"/>
+          </a:p>
+        </p:txBody>
+      </p:sp>
+      <p:sp>
+        <p:nvSpPr>
+          <p:cNvPr id="6" name="직사각형 5">
+            <a:extLst>
+              <a:ext uri="{FF2B5EF4-FFF2-40B4-BE49-F238E27FC236}">
+                <a16:creationId xmlns:a16="http://schemas.microsoft.com/office/drawing/2014/main" id="{56421988-4847-D1A1-B35C-8181A8896A3D}"/>
+              </a:ext>
+            </a:extLst>
+          </p:cNvPr>
+          <p:cNvSpPr/>
+          <p:nvPr/>
+        </p:nvSpPr>
+        <p:spPr>
+          <a:xfrm>
+            <a:off x="2094752" y="4341082"/>
+            <a:ext cx="2366408" cy="505057"/>
+          </a:xfrm>
+          <a:prstGeom prst="rect">
+            <a:avLst/>
+          </a:prstGeom>
+          <a:solidFill>
+            <a:schemeClr val="bg2">
+              <a:lumMod val="75000"/>
+            </a:schemeClr>
+          </a:solidFill>
+        </p:spPr>
+        <p:style>
+          <a:lnRef idx="2">
+            <a:schemeClr val="accent1">
+              <a:shade val="15000"/>
+            </a:schemeClr>
+          </a:lnRef>
+          <a:fillRef idx="1">
+            <a:schemeClr val="accent1"/>
+          </a:fillRef>
+          <a:effectRef idx="0">
+            <a:schemeClr val="accent1"/>
+          </a:effectRef>
+          <a:fontRef idx="minor">
+            <a:schemeClr val="lt1"/>
+          </a:fontRef>
+        </p:style>
+        <p:txBody>
+          <a:bodyPr rtlCol="0" anchor="ctr"/>
+          <a:lstStyle/>
+          <a:p>
+            <a:pPr algn="ctr"/>
+            <a:endParaRPr lang="ko-KR" altLang="en-US"/>
+          </a:p>
+        </p:txBody>
+      </p:sp>
+      <p:sp>
+        <p:nvSpPr>
+          <p:cNvPr id="7" name="직사각형 6">
+            <a:extLst>
+              <a:ext uri="{FF2B5EF4-FFF2-40B4-BE49-F238E27FC236}">
+                <a16:creationId xmlns:a16="http://schemas.microsoft.com/office/drawing/2014/main" id="{2909C460-CAC8-A44D-EC9B-909911463029}"/>
+              </a:ext>
+            </a:extLst>
+          </p:cNvPr>
+          <p:cNvSpPr/>
+          <p:nvPr/>
+        </p:nvSpPr>
+        <p:spPr>
+          <a:xfrm>
+            <a:off x="2154788" y="3872114"/>
+            <a:ext cx="2241718" cy="505057"/>
+          </a:xfrm>
+          <a:prstGeom prst="rect">
+            <a:avLst/>
+          </a:prstGeom>
+          <a:solidFill>
+            <a:schemeClr val="bg2">
+              <a:lumMod val="75000"/>
+            </a:schemeClr>
+          </a:solidFill>
+        </p:spPr>
+        <p:style>
+          <a:lnRef idx="2">
+            <a:schemeClr val="accent1">
+              <a:shade val="15000"/>
+            </a:schemeClr>
+          </a:lnRef>
+          <a:fillRef idx="1">
+            <a:schemeClr val="accent1"/>
+          </a:fillRef>
+          <a:effectRef idx="0">
+            <a:schemeClr val="accent1"/>
+          </a:effectRef>
+          <a:fontRef idx="minor">
+            <a:schemeClr val="lt1"/>
+          </a:fontRef>
+        </p:style>
+        <p:txBody>
+          <a:bodyPr rtlCol="0" anchor="ctr"/>
+          <a:lstStyle/>
+          <a:p>
+            <a:pPr algn="ctr"/>
+            <a:endParaRPr lang="ko-KR" altLang="en-US"/>
+          </a:p>
+        </p:txBody>
+      </p:sp>
+      <p:sp>
+        <p:nvSpPr>
+          <p:cNvPr id="10" name="직사각형 9">
+            <a:extLst>
+              <a:ext uri="{FF2B5EF4-FFF2-40B4-BE49-F238E27FC236}">
+                <a16:creationId xmlns:a16="http://schemas.microsoft.com/office/drawing/2014/main" id="{68D496B6-EEA8-5782-8224-77F96377E4D3}"/>
+              </a:ext>
+            </a:extLst>
+          </p:cNvPr>
+          <p:cNvSpPr/>
+          <p:nvPr/>
+        </p:nvSpPr>
+        <p:spPr>
+          <a:xfrm>
+            <a:off x="2214823" y="3350451"/>
+            <a:ext cx="2181683" cy="505057"/>
+          </a:xfrm>
+          <a:prstGeom prst="rect">
+            <a:avLst/>
+          </a:prstGeom>
+          <a:solidFill>
+            <a:schemeClr val="bg2">
+              <a:lumMod val="75000"/>
+            </a:schemeClr>
+          </a:solidFill>
+        </p:spPr>
+        <p:style>
+          <a:lnRef idx="2">
+            <a:schemeClr val="accent1">
+              <a:shade val="15000"/>
+            </a:schemeClr>
+          </a:lnRef>
+          <a:fillRef idx="1">
+            <a:schemeClr val="accent1"/>
+          </a:fillRef>
+          <a:effectRef idx="0">
+            <a:schemeClr val="accent1"/>
+          </a:effectRef>
+          <a:fontRef idx="minor">
+            <a:schemeClr val="lt1"/>
+          </a:fontRef>
+        </p:style>
+        <p:txBody>
+          <a:bodyPr rtlCol="0" anchor="ctr"/>
+          <a:lstStyle/>
+          <a:p>
+            <a:pPr algn="ctr"/>
+            <a:endParaRPr lang="ko-KR" altLang="en-US"/>
+          </a:p>
+        </p:txBody>
+      </p:sp>
+      <p:sp>
+        <p:nvSpPr>
+          <p:cNvPr id="11" name="직사각형 10">
+            <a:extLst>
+              <a:ext uri="{FF2B5EF4-FFF2-40B4-BE49-F238E27FC236}">
+                <a16:creationId xmlns:a16="http://schemas.microsoft.com/office/drawing/2014/main" id="{7D1BCE9A-4D61-3FF5-ACD6-56AC99C11153}"/>
+              </a:ext>
+            </a:extLst>
+          </p:cNvPr>
+          <p:cNvSpPr/>
+          <p:nvPr/>
+        </p:nvSpPr>
+        <p:spPr>
+          <a:xfrm>
+            <a:off x="2274859" y="2876207"/>
+            <a:ext cx="2043137" cy="505057"/>
+          </a:xfrm>
+          <a:prstGeom prst="rect">
+            <a:avLst/>
+          </a:prstGeom>
+          <a:solidFill>
+            <a:schemeClr val="bg2">
+              <a:lumMod val="75000"/>
+            </a:schemeClr>
+          </a:solidFill>
+        </p:spPr>
+        <p:style>
+          <a:lnRef idx="2">
+            <a:schemeClr val="accent1">
+              <a:shade val="15000"/>
+            </a:schemeClr>
+          </a:lnRef>
+          <a:fillRef idx="1">
+            <a:schemeClr val="accent1"/>
+          </a:fillRef>
+          <a:effectRef idx="0">
+            <a:schemeClr val="accent1"/>
+          </a:effectRef>
+          <a:fontRef idx="minor">
+            <a:schemeClr val="lt1"/>
+          </a:fontRef>
+        </p:style>
+        <p:txBody>
+          <a:bodyPr rtlCol="0" anchor="ctr"/>
+          <a:lstStyle/>
+          <a:p>
+            <a:pPr algn="ctr"/>
+            <a:endParaRPr lang="ko-KR" altLang="en-US"/>
+          </a:p>
+        </p:txBody>
+      </p:sp>
+      <p:sp>
+        <p:nvSpPr>
+          <p:cNvPr id="12" name="직사각형 11">
+            <a:extLst>
+              <a:ext uri="{FF2B5EF4-FFF2-40B4-BE49-F238E27FC236}">
+                <a16:creationId xmlns:a16="http://schemas.microsoft.com/office/drawing/2014/main" id="{704EB5D3-44E1-6030-B8C7-7C4754C75DAA}"/>
+              </a:ext>
+            </a:extLst>
+          </p:cNvPr>
+          <p:cNvSpPr/>
+          <p:nvPr/>
+        </p:nvSpPr>
+        <p:spPr>
+          <a:xfrm>
+            <a:off x="2341820" y="2371150"/>
+            <a:ext cx="1927687" cy="505057"/>
+          </a:xfrm>
+          <a:prstGeom prst="rect">
+            <a:avLst/>
+          </a:prstGeom>
+          <a:solidFill>
+            <a:schemeClr val="bg2">
+              <a:lumMod val="75000"/>
+            </a:schemeClr>
+          </a:solidFill>
+        </p:spPr>
+        <p:style>
+          <a:lnRef idx="2">
+            <a:schemeClr val="accent1">
+              <a:shade val="15000"/>
+            </a:schemeClr>
+          </a:lnRef>
+          <a:fillRef idx="1">
+            <a:schemeClr val="accent1"/>
+          </a:fillRef>
+          <a:effectRef idx="0">
+            <a:schemeClr val="accent1"/>
+          </a:effectRef>
+          <a:fontRef idx="minor">
+            <a:schemeClr val="lt1"/>
+          </a:fontRef>
+        </p:style>
+        <p:txBody>
+          <a:bodyPr rtlCol="0" anchor="ctr"/>
+          <a:lstStyle/>
+          <a:p>
+            <a:pPr algn="ctr"/>
+            <a:endParaRPr lang="ko-KR" altLang="en-US"/>
+          </a:p>
+        </p:txBody>
+      </p:sp>
+      <p:sp>
+        <p:nvSpPr>
+          <p:cNvPr id="17" name="직사각형 16">
+            <a:extLst>
+              <a:ext uri="{FF2B5EF4-FFF2-40B4-BE49-F238E27FC236}">
+                <a16:creationId xmlns:a16="http://schemas.microsoft.com/office/drawing/2014/main" id="{17B7E047-4FAD-12A2-FCC1-BD33D04C0716}"/>
+              </a:ext>
+            </a:extLst>
+          </p:cNvPr>
+          <p:cNvSpPr/>
+          <p:nvPr/>
+        </p:nvSpPr>
+        <p:spPr>
+          <a:xfrm>
+            <a:off x="2396664" y="1829688"/>
+            <a:ext cx="1757966" cy="505057"/>
+          </a:xfrm>
+          <a:prstGeom prst="rect">
+            <a:avLst/>
+          </a:prstGeom>
+          <a:solidFill>
+            <a:schemeClr val="bg2">
+              <a:lumMod val="75000"/>
+            </a:schemeClr>
+          </a:solidFill>
+        </p:spPr>
+        <p:style>
+          <a:lnRef idx="2">
+            <a:schemeClr val="accent1">
+              <a:shade val="15000"/>
+            </a:schemeClr>
+          </a:lnRef>
+          <a:fillRef idx="1">
+            <a:schemeClr val="accent1"/>
+          </a:fillRef>
+          <a:effectRef idx="0">
+            <a:schemeClr val="accent1"/>
+          </a:effectRef>
+          <a:fontRef idx="minor">
+            <a:schemeClr val="lt1"/>
+          </a:fontRef>
+        </p:style>
+        <p:txBody>
+          <a:bodyPr rtlCol="0" anchor="ctr"/>
+          <a:lstStyle/>
+          <a:p>
+            <a:pPr algn="ctr"/>
+            <a:endParaRPr lang="ko-KR" altLang="en-US"/>
+          </a:p>
+        </p:txBody>
+      </p:sp>
+      <p:sp>
+        <p:nvSpPr>
+          <p:cNvPr id="18" name="직사각형 17">
+            <a:extLst>
+              <a:ext uri="{FF2B5EF4-FFF2-40B4-BE49-F238E27FC236}">
+                <a16:creationId xmlns:a16="http://schemas.microsoft.com/office/drawing/2014/main" id="{58F3E969-C023-3E73-5DF3-DD27654743C9}"/>
+              </a:ext>
+            </a:extLst>
+          </p:cNvPr>
+          <p:cNvSpPr/>
+          <p:nvPr/>
+        </p:nvSpPr>
+        <p:spPr>
+          <a:xfrm>
+            <a:off x="2431876" y="1316328"/>
+            <a:ext cx="1687541" cy="505057"/>
+          </a:xfrm>
+          <a:prstGeom prst="rect">
+            <a:avLst/>
+          </a:prstGeom>
+          <a:solidFill>
+            <a:schemeClr val="bg2">
+              <a:lumMod val="75000"/>
+            </a:schemeClr>
+          </a:solidFill>
+        </p:spPr>
+        <p:style>
+          <a:lnRef idx="2">
+            <a:schemeClr val="accent1">
+              <a:shade val="15000"/>
+            </a:schemeClr>
+          </a:lnRef>
+          <a:fillRef idx="1">
+            <a:schemeClr val="accent1"/>
+          </a:fillRef>
+          <a:effectRef idx="0">
+            <a:schemeClr val="accent1"/>
+          </a:effectRef>
+          <a:fontRef idx="minor">
+            <a:schemeClr val="lt1"/>
+          </a:fontRef>
+        </p:style>
+        <p:txBody>
+          <a:bodyPr rtlCol="0" anchor="ctr"/>
+          <a:lstStyle/>
+          <a:p>
+            <a:pPr algn="ctr"/>
+            <a:endParaRPr lang="ko-KR" altLang="en-US"/>
+          </a:p>
+        </p:txBody>
+      </p:sp>
+      <p:sp>
+        <p:nvSpPr>
+          <p:cNvPr id="20" name="화살표: 오른쪽 19">
+            <a:extLst>
+              <a:ext uri="{FF2B5EF4-FFF2-40B4-BE49-F238E27FC236}">
+                <a16:creationId xmlns:a16="http://schemas.microsoft.com/office/drawing/2014/main" id="{E8FF2BCD-B8DD-8CA4-FAA4-436A56F718A6}"/>
+              </a:ext>
+            </a:extLst>
+          </p:cNvPr>
+          <p:cNvSpPr/>
+          <p:nvPr/>
+        </p:nvSpPr>
+        <p:spPr>
+          <a:xfrm rot="16200000">
+            <a:off x="772588" y="2886099"/>
+            <a:ext cx="1538221" cy="340621"/>
+          </a:xfrm>
+          <a:prstGeom prst="rightArrow">
+            <a:avLst/>
+          </a:prstGeom>
+          <a:solidFill>
+            <a:schemeClr val="accent1">
+              <a:lumMod val="20000"/>
+              <a:lumOff val="80000"/>
+            </a:schemeClr>
+          </a:solidFill>
+        </p:spPr>
+        <p:style>
+          <a:lnRef idx="2">
+            <a:schemeClr val="accent1">
+              <a:shade val="15000"/>
+            </a:schemeClr>
+          </a:lnRef>
+          <a:fillRef idx="1">
+            <a:schemeClr val="accent1"/>
+          </a:fillRef>
+          <a:effectRef idx="0">
+            <a:schemeClr val="accent1"/>
+          </a:effectRef>
+          <a:fontRef idx="minor">
+            <a:schemeClr val="lt1"/>
+          </a:fontRef>
+        </p:style>
+        <p:txBody>
+          <a:bodyPr rtlCol="0" anchor="ctr"/>
+          <a:lstStyle/>
+          <a:p>
+            <a:pPr algn="ctr"/>
+            <a:endParaRPr lang="ko-KR" altLang="en-US"/>
+          </a:p>
+        </p:txBody>
+      </p:sp>
+      <p:sp>
+        <p:nvSpPr>
+          <p:cNvPr id="35" name="직사각형 34">
+            <a:extLst>
+              <a:ext uri="{FF2B5EF4-FFF2-40B4-BE49-F238E27FC236}">
+                <a16:creationId xmlns:a16="http://schemas.microsoft.com/office/drawing/2014/main" id="{E5EBAA5D-A42D-1512-350B-E7BB9EC47632}"/>
+              </a:ext>
+            </a:extLst>
+          </p:cNvPr>
+          <p:cNvSpPr/>
+          <p:nvPr/>
+        </p:nvSpPr>
+        <p:spPr>
+          <a:xfrm>
+            <a:off x="9363563" y="2730106"/>
+            <a:ext cx="2181683" cy="505057"/>
+          </a:xfrm>
+          <a:prstGeom prst="rect">
+            <a:avLst/>
+          </a:prstGeom>
+          <a:solidFill>
+            <a:schemeClr val="bg2">
+              <a:lumMod val="75000"/>
+            </a:schemeClr>
+          </a:solidFill>
+        </p:spPr>
+        <p:style>
+          <a:lnRef idx="2">
+            <a:schemeClr val="accent1">
+              <a:shade val="15000"/>
+            </a:schemeClr>
+          </a:lnRef>
+          <a:fillRef idx="1">
+            <a:schemeClr val="accent1"/>
+          </a:fillRef>
+          <a:effectRef idx="0">
+            <a:schemeClr val="accent1"/>
+          </a:effectRef>
+          <a:fontRef idx="minor">
+            <a:schemeClr val="lt1"/>
+          </a:fontRef>
+        </p:style>
+        <p:txBody>
+          <a:bodyPr rtlCol="0" anchor="ctr"/>
+          <a:lstStyle/>
+          <a:p>
+            <a:pPr algn="ctr"/>
+            <a:endParaRPr lang="ko-KR" altLang="en-US"/>
+          </a:p>
+        </p:txBody>
+      </p:sp>
+    </p:spTree>
+    <p:extLst>
+      <p:ext uri="{BB962C8B-B14F-4D97-AF65-F5344CB8AC3E}">
+        <p14:creationId xmlns:p14="http://schemas.microsoft.com/office/powerpoint/2010/main" val="2422099924"/>
+      </p:ext>
+    </p:extLst>
+  </p:cSld>
+  <p:clrMapOvr>
+    <a:masterClrMapping/>
+  </p:clrMapOvr>
+</p:sld>
+</file>
+
+<file path=ppt/slides/slide18.xml><?xml version="1.0" encoding="utf-8"?>
+<p:sld xmlns:a="http://schemas.openxmlformats.org/drawingml/2006/main" xmlns:r="http://schemas.openxmlformats.org/officeDocument/2006/relationships" xmlns:p="http://schemas.openxmlformats.org/presentationml/2006/main">
+  <p:cSld>
+    <p:spTree>
+      <p:nvGrpSpPr>
+        <p:cNvPr id="1" name="">
+          <a:extLst>
+            <a:ext uri="{FF2B5EF4-FFF2-40B4-BE49-F238E27FC236}">
+              <a16:creationId xmlns:a16="http://schemas.microsoft.com/office/drawing/2014/main" id="{BE912D5B-1AE3-046B-9945-FCA785E5C820}"/>
+            </a:ext>
+          </a:extLst>
+        </p:cNvPr>
+        <p:cNvGrpSpPr/>
+        <p:nvPr/>
+      </p:nvGrpSpPr>
+      <p:grpSpPr>
+        <a:xfrm>
+          <a:off x="0" y="0"/>
+          <a:ext cx="0" cy="0"/>
+          <a:chOff x="0" y="0"/>
+          <a:chExt cx="0" cy="0"/>
+        </a:xfrm>
+      </p:grpSpPr>
+      <p:sp>
+        <p:nvSpPr>
+          <p:cNvPr id="2" name="제목 1">
+            <a:extLst>
+              <a:ext uri="{FF2B5EF4-FFF2-40B4-BE49-F238E27FC236}">
+                <a16:creationId xmlns:a16="http://schemas.microsoft.com/office/drawing/2014/main" id="{7CA96982-3B19-FA27-FBDC-EBE10C269357}"/>
+              </a:ext>
+            </a:extLst>
+          </p:cNvPr>
+          <p:cNvSpPr>
+            <a:spLocks noGrp="1"/>
+          </p:cNvSpPr>
+          <p:nvPr>
+            <p:ph type="title"/>
+          </p:nvPr>
+        </p:nvSpPr>
+        <p:spPr>
+          <a:xfrm>
+            <a:off x="6487684" y="-375"/>
+            <a:ext cx="5248704" cy="964911"/>
+          </a:xfrm>
+        </p:spPr>
+        <p:txBody>
+          <a:bodyPr>
+            <a:normAutofit/>
+          </a:bodyPr>
+          <a:lstStyle/>
+          <a:p>
+            <a:r>
+              <a:rPr lang="ko-KR" altLang="en-US" sz="2300" dirty="0"/>
+              <a:t>얇은 돌 발판 점프 맵</a:t>
+            </a:r>
+            <a:r>
+              <a:rPr lang="en-US" altLang="ko-KR" sz="2300" dirty="0"/>
+              <a:t>(</a:t>
+            </a:r>
+            <a:r>
+              <a:rPr lang="ko-KR" altLang="en-US" sz="2300" dirty="0"/>
+              <a:t>난이도</a:t>
+            </a:r>
+            <a:r>
+              <a:rPr lang="en-US" altLang="ko-KR" sz="2300" dirty="0"/>
+              <a:t>: </a:t>
+            </a:r>
+            <a:r>
+              <a:rPr lang="ko-KR" altLang="en-US" sz="2300" dirty="0"/>
+              <a:t>보통</a:t>
+            </a:r>
+            <a:r>
+              <a:rPr lang="en-US" altLang="ko-KR" sz="2300" dirty="0"/>
+              <a:t>)</a:t>
+            </a:r>
+            <a:endParaRPr lang="ko-KR" altLang="en-US" sz="2300" dirty="0"/>
+          </a:p>
+        </p:txBody>
+      </p:sp>
+      <p:graphicFrame>
+        <p:nvGraphicFramePr>
+          <p:cNvPr id="23" name="표 22">
+            <a:extLst>
+              <a:ext uri="{FF2B5EF4-FFF2-40B4-BE49-F238E27FC236}">
+                <a16:creationId xmlns:a16="http://schemas.microsoft.com/office/drawing/2014/main" id="{92045D1E-DC85-99CB-F982-A91AC1BC6A81}"/>
+              </a:ext>
+            </a:extLst>
+          </p:cNvPr>
+          <p:cNvGraphicFramePr>
+            <a:graphicFrameLocks noGrp="1"/>
+          </p:cNvGraphicFramePr>
+          <p:nvPr>
+            <p:extLst>
+              <p:ext uri="{D42A27DB-BD31-4B8C-83A1-F6EECF244321}">
+                <p14:modId xmlns:p14="http://schemas.microsoft.com/office/powerpoint/2010/main" val="2655096084"/>
+              </p:ext>
+            </p:extLst>
+          </p:nvPr>
+        </p:nvGraphicFramePr>
+        <p:xfrm>
+          <a:off x="6493168" y="1909947"/>
+          <a:ext cx="4581923" cy="1952046"/>
+        </p:xfrm>
+        <a:graphic>
+          <a:graphicData uri="http://schemas.openxmlformats.org/drawingml/2006/table">
+            <a:tbl>
+              <a:tblPr firstRow="1" bandRow="1">
+                <a:tableStyleId>{5C22544A-7EE6-4342-B048-85BDC9FD1C3A}</a:tableStyleId>
+              </a:tblPr>
+              <a:tblGrid>
+                <a:gridCol w="2229152">
+                  <a:extLst>
+                    <a:ext uri="{9D8B030D-6E8A-4147-A177-3AD203B41FA5}">
+                      <a16:colId xmlns:a16="http://schemas.microsoft.com/office/drawing/2014/main" val="3816369926"/>
+                    </a:ext>
+                  </a:extLst>
+                </a:gridCol>
+                <a:gridCol w="2352771">
+                  <a:extLst>
+                    <a:ext uri="{9D8B030D-6E8A-4147-A177-3AD203B41FA5}">
+                      <a16:colId xmlns:a16="http://schemas.microsoft.com/office/drawing/2014/main" val="547672912"/>
+                    </a:ext>
+                  </a:extLst>
+                </a:gridCol>
+              </a:tblGrid>
+              <a:tr h="435940">
+                <a:tc>
+                  <a:txBody>
+                    <a:bodyPr/>
+                    <a:lstStyle/>
+                    <a:p>
+                      <a:pPr latinLnBrk="1"/>
+                      <a:r>
+                        <a:rPr lang="ko-KR" altLang="en-US" dirty="0"/>
+                        <a:t>등장 하는 사물</a:t>
+                      </a:r>
+                    </a:p>
+                  </a:txBody>
+                  <a:tcPr/>
+                </a:tc>
+                <a:tc>
+                  <a:txBody>
+                    <a:bodyPr/>
+                    <a:lstStyle/>
+                    <a:p>
+                      <a:pPr latinLnBrk="1"/>
+                      <a:r>
+                        <a:rPr lang="ko-KR" altLang="en-US" dirty="0"/>
+                        <a:t>사진</a:t>
+                      </a:r>
+                    </a:p>
+                  </a:txBody>
+                  <a:tcPr/>
+                </a:tc>
+                <a:extLst>
+                  <a:ext uri="{0D108BD9-81ED-4DB2-BD59-A6C34878D82A}">
+                    <a16:rowId xmlns:a16="http://schemas.microsoft.com/office/drawing/2014/main" val="2983487876"/>
+                  </a:ext>
+                </a:extLst>
+              </a:tr>
+              <a:tr h="1516106">
+                <a:tc>
+                  <a:txBody>
+                    <a:bodyPr/>
+                    <a:lstStyle/>
+                    <a:p>
+                      <a:pPr latinLnBrk="1"/>
+                      <a:endParaRPr lang="en-US" altLang="ko-KR" dirty="0"/>
+                    </a:p>
+                    <a:p>
+                      <a:pPr latinLnBrk="1"/>
+                      <a:endParaRPr lang="en-US" altLang="ko-KR" dirty="0"/>
+                    </a:p>
+                    <a:p>
+                      <a:pPr latinLnBrk="1"/>
+                      <a:r>
+                        <a:rPr lang="ko-KR" altLang="en-US" dirty="0"/>
+                        <a:t>얇은 돌 발판</a:t>
+                      </a:r>
+                      <a:endParaRPr lang="en-US" altLang="ko-KR" dirty="0"/>
+                    </a:p>
+                  </a:txBody>
+                  <a:tcPr/>
+                </a:tc>
+                <a:tc>
+                  <a:txBody>
+                    <a:bodyPr/>
+                    <a:lstStyle/>
+                    <a:p>
+                      <a:pPr latinLnBrk="1"/>
+                      <a:endParaRPr lang="ko-KR" altLang="en-US" dirty="0"/>
+                    </a:p>
+                  </a:txBody>
+                  <a:tcPr/>
+                </a:tc>
+                <a:extLst>
+                  <a:ext uri="{0D108BD9-81ED-4DB2-BD59-A6C34878D82A}">
+                    <a16:rowId xmlns:a16="http://schemas.microsoft.com/office/drawing/2014/main" val="1475488419"/>
+                  </a:ext>
+                </a:extLst>
+              </a:tr>
+            </a:tbl>
+          </a:graphicData>
+        </a:graphic>
+      </p:graphicFrame>
+      <p:sp>
+        <p:nvSpPr>
+          <p:cNvPr id="26" name="TextBox 25">
+            <a:extLst>
+              <a:ext uri="{FF2B5EF4-FFF2-40B4-BE49-F238E27FC236}">
+                <a16:creationId xmlns:a16="http://schemas.microsoft.com/office/drawing/2014/main" id="{B1911E5F-ADF2-4651-DDE4-5C3A76D30CAA}"/>
+              </a:ext>
+            </a:extLst>
+          </p:cNvPr>
+          <p:cNvSpPr txBox="1"/>
+          <p:nvPr/>
+        </p:nvSpPr>
+        <p:spPr>
+          <a:xfrm>
+            <a:off x="6425508" y="4168265"/>
+            <a:ext cx="5099473" cy="677108"/>
+          </a:xfrm>
+          <a:prstGeom prst="rect">
+            <a:avLst/>
+          </a:prstGeom>
+          <a:noFill/>
+        </p:spPr>
+        <p:txBody>
+          <a:bodyPr wrap="none" rtlCol="0">
+            <a:spAutoFit/>
+          </a:bodyPr>
+          <a:lstStyle/>
+          <a:p>
+            <a:r>
+              <a:rPr lang="ko-KR" altLang="en-US" sz="1900" dirty="0"/>
+              <a:t>의도</a:t>
+            </a:r>
+            <a:r>
+              <a:rPr lang="en-US" altLang="ko-KR" sz="1900" dirty="0"/>
+              <a:t>:1-1 </a:t>
+            </a:r>
+            <a:r>
+              <a:rPr lang="ko-KR" altLang="en-US" sz="1900" dirty="0"/>
+              <a:t>구역에 있던 점프 맵 과 비슷하지만 </a:t>
+            </a:r>
+            <a:endParaRPr lang="en-US" altLang="ko-KR" sz="1900" dirty="0"/>
+          </a:p>
+          <a:p>
+            <a:r>
+              <a:rPr lang="ko-KR" altLang="en-US" sz="1900" dirty="0"/>
+              <a:t>더 어렵게 만들어 플레이어의 실력을 키운다</a:t>
+            </a:r>
+            <a:r>
+              <a:rPr lang="en-US" altLang="ko-KR" sz="1900" dirty="0"/>
+              <a:t>.</a:t>
+            </a:r>
+            <a:endParaRPr lang="ko-KR" altLang="en-US" sz="1900" dirty="0"/>
+          </a:p>
+        </p:txBody>
+      </p:sp>
+      <p:sp>
+        <p:nvSpPr>
+          <p:cNvPr id="5" name="화살표: 오른쪽 4">
+            <a:extLst>
+              <a:ext uri="{FF2B5EF4-FFF2-40B4-BE49-F238E27FC236}">
+                <a16:creationId xmlns:a16="http://schemas.microsoft.com/office/drawing/2014/main" id="{1C72805A-BB1A-97E8-8467-C2868DC11CA2}"/>
+              </a:ext>
+            </a:extLst>
+          </p:cNvPr>
+          <p:cNvSpPr/>
+          <p:nvPr/>
+        </p:nvSpPr>
+        <p:spPr>
+          <a:xfrm rot="16200000">
+            <a:off x="817777" y="5509803"/>
+            <a:ext cx="492419" cy="209408"/>
+          </a:xfrm>
+          <a:prstGeom prst="rightArrow">
+            <a:avLst/>
+          </a:prstGeom>
+          <a:solidFill>
+            <a:schemeClr val="accent1">
+              <a:lumMod val="20000"/>
+              <a:lumOff val="80000"/>
+            </a:schemeClr>
+          </a:solidFill>
+        </p:spPr>
+        <p:style>
+          <a:lnRef idx="2">
+            <a:schemeClr val="accent1">
+              <a:shade val="15000"/>
+            </a:schemeClr>
+          </a:lnRef>
+          <a:fillRef idx="1">
+            <a:schemeClr val="accent1"/>
+          </a:fillRef>
+          <a:effectRef idx="0">
+            <a:schemeClr val="accent1"/>
+          </a:effectRef>
+          <a:fontRef idx="minor">
+            <a:schemeClr val="lt1"/>
+          </a:fontRef>
+        </p:style>
+        <p:txBody>
+          <a:bodyPr rtlCol="0" anchor="ctr"/>
+          <a:lstStyle/>
+          <a:p>
+            <a:pPr algn="ctr"/>
+            <a:endParaRPr lang="ko-KR" altLang="en-US"/>
+          </a:p>
+        </p:txBody>
+      </p:sp>
+      <p:sp>
+        <p:nvSpPr>
+          <p:cNvPr id="24" name="TextBox 23">
+            <a:extLst>
+              <a:ext uri="{FF2B5EF4-FFF2-40B4-BE49-F238E27FC236}">
+                <a16:creationId xmlns:a16="http://schemas.microsoft.com/office/drawing/2014/main" id="{1F369518-DD0A-BB1A-2DDB-0F32E7548324}"/>
+              </a:ext>
+            </a:extLst>
+          </p:cNvPr>
+          <p:cNvSpPr txBox="1"/>
+          <p:nvPr/>
+        </p:nvSpPr>
+        <p:spPr>
+          <a:xfrm>
+            <a:off x="6425508" y="747594"/>
+            <a:ext cx="1874231" cy="369332"/>
+          </a:xfrm>
+          <a:prstGeom prst="rect">
+            <a:avLst/>
+          </a:prstGeom>
+          <a:noFill/>
+        </p:spPr>
+        <p:txBody>
+          <a:bodyPr wrap="none" rtlCol="0">
+            <a:spAutoFit/>
+          </a:bodyPr>
+          <a:lstStyle/>
+          <a:p>
+            <a:r>
+              <a:rPr lang="en-US" altLang="ko-KR" dirty="0"/>
+              <a:t>(</a:t>
+            </a:r>
+            <a:r>
+              <a:rPr lang="ko-KR" altLang="en-US" dirty="0"/>
+              <a:t>위에서 봤을 때</a:t>
+            </a:r>
+            <a:r>
+              <a:rPr lang="en-US" altLang="ko-KR" dirty="0"/>
+              <a:t>)</a:t>
+            </a:r>
+            <a:endParaRPr lang="ko-KR" altLang="en-US" dirty="0"/>
+          </a:p>
+        </p:txBody>
+      </p:sp>
+      <p:sp>
+        <p:nvSpPr>
+          <p:cNvPr id="12" name="직사각형 11">
+            <a:extLst>
+              <a:ext uri="{FF2B5EF4-FFF2-40B4-BE49-F238E27FC236}">
+                <a16:creationId xmlns:a16="http://schemas.microsoft.com/office/drawing/2014/main" id="{44F782FE-AB97-3FB6-D9BC-01C7A723A394}"/>
+              </a:ext>
+            </a:extLst>
+          </p:cNvPr>
+          <p:cNvSpPr/>
+          <p:nvPr/>
+        </p:nvSpPr>
+        <p:spPr>
+          <a:xfrm>
+            <a:off x="2015099" y="5996523"/>
+            <a:ext cx="183679" cy="861477"/>
+          </a:xfrm>
+          <a:prstGeom prst="rect">
+            <a:avLst/>
+          </a:prstGeom>
+          <a:solidFill>
+            <a:schemeClr val="bg2">
+              <a:lumMod val="90000"/>
+            </a:schemeClr>
+          </a:solidFill>
+        </p:spPr>
+        <p:style>
+          <a:lnRef idx="2">
+            <a:schemeClr val="accent1">
+              <a:shade val="15000"/>
+            </a:schemeClr>
+          </a:lnRef>
+          <a:fillRef idx="1">
+            <a:schemeClr val="accent1"/>
+          </a:fillRef>
+          <a:effectRef idx="0">
+            <a:schemeClr val="accent1"/>
+          </a:effectRef>
+          <a:fontRef idx="minor">
+            <a:schemeClr val="lt1"/>
+          </a:fontRef>
+        </p:style>
+        <p:txBody>
+          <a:bodyPr rtlCol="0" anchor="ctr"/>
+          <a:lstStyle/>
+          <a:p>
+            <a:pPr algn="ctr"/>
+            <a:endParaRPr lang="ko-KR" altLang="en-US" dirty="0"/>
+          </a:p>
+        </p:txBody>
+      </p:sp>
+      <p:sp>
+        <p:nvSpPr>
+          <p:cNvPr id="16" name="직사각형 15">
+            <a:extLst>
+              <a:ext uri="{FF2B5EF4-FFF2-40B4-BE49-F238E27FC236}">
+                <a16:creationId xmlns:a16="http://schemas.microsoft.com/office/drawing/2014/main" id="{D47C16E5-9DE8-C789-A0C6-FC5AFAD7F580}"/>
+              </a:ext>
+            </a:extLst>
+          </p:cNvPr>
+          <p:cNvSpPr/>
+          <p:nvPr/>
+        </p:nvSpPr>
+        <p:spPr>
+          <a:xfrm>
+            <a:off x="2025383" y="4506819"/>
+            <a:ext cx="183679" cy="861477"/>
+          </a:xfrm>
+          <a:prstGeom prst="rect">
+            <a:avLst/>
+          </a:prstGeom>
+          <a:solidFill>
+            <a:schemeClr val="bg2">
+              <a:lumMod val="90000"/>
+            </a:schemeClr>
+          </a:solidFill>
+        </p:spPr>
+        <p:style>
+          <a:lnRef idx="2">
+            <a:schemeClr val="accent1">
+              <a:shade val="15000"/>
+            </a:schemeClr>
+          </a:lnRef>
+          <a:fillRef idx="1">
+            <a:schemeClr val="accent1"/>
+          </a:fillRef>
+          <a:effectRef idx="0">
+            <a:schemeClr val="accent1"/>
+          </a:effectRef>
+          <a:fontRef idx="minor">
+            <a:schemeClr val="lt1"/>
+          </a:fontRef>
+        </p:style>
+        <p:txBody>
+          <a:bodyPr rtlCol="0" anchor="ctr"/>
+          <a:lstStyle/>
+          <a:p>
+            <a:pPr algn="ctr"/>
+            <a:endParaRPr lang="ko-KR" altLang="en-US" dirty="0"/>
+          </a:p>
+        </p:txBody>
+      </p:sp>
+      <p:sp>
+        <p:nvSpPr>
+          <p:cNvPr id="19" name="직사각형 18">
+            <a:extLst>
+              <a:ext uri="{FF2B5EF4-FFF2-40B4-BE49-F238E27FC236}">
+                <a16:creationId xmlns:a16="http://schemas.microsoft.com/office/drawing/2014/main" id="{2ED7DD05-5F54-5D3B-AE4C-62B27402490B}"/>
+              </a:ext>
+            </a:extLst>
+          </p:cNvPr>
+          <p:cNvSpPr/>
+          <p:nvPr/>
+        </p:nvSpPr>
+        <p:spPr>
+          <a:xfrm rot="5400000">
+            <a:off x="2025382" y="3447853"/>
+            <a:ext cx="183679" cy="861477"/>
+          </a:xfrm>
+          <a:prstGeom prst="rect">
+            <a:avLst/>
+          </a:prstGeom>
+          <a:solidFill>
+            <a:schemeClr val="bg2">
+              <a:lumMod val="90000"/>
+            </a:schemeClr>
+          </a:solidFill>
+        </p:spPr>
+        <p:style>
+          <a:lnRef idx="2">
+            <a:schemeClr val="accent1">
+              <a:shade val="15000"/>
+            </a:schemeClr>
+          </a:lnRef>
+          <a:fillRef idx="1">
+            <a:schemeClr val="accent1"/>
+          </a:fillRef>
+          <a:effectRef idx="0">
+            <a:schemeClr val="accent1"/>
+          </a:effectRef>
+          <a:fontRef idx="minor">
+            <a:schemeClr val="lt1"/>
+          </a:fontRef>
+        </p:style>
+        <p:txBody>
+          <a:bodyPr rtlCol="0" anchor="ctr"/>
+          <a:lstStyle/>
+          <a:p>
+            <a:pPr algn="ctr"/>
+            <a:endParaRPr lang="ko-KR" altLang="en-US" dirty="0"/>
+          </a:p>
+        </p:txBody>
+      </p:sp>
+      <p:sp>
+        <p:nvSpPr>
+          <p:cNvPr id="21" name="직사각형 20">
+            <a:extLst>
+              <a:ext uri="{FF2B5EF4-FFF2-40B4-BE49-F238E27FC236}">
+                <a16:creationId xmlns:a16="http://schemas.microsoft.com/office/drawing/2014/main" id="{6A0375BC-9358-5445-A9E2-70C6435A0F77}"/>
+              </a:ext>
+            </a:extLst>
+          </p:cNvPr>
+          <p:cNvSpPr/>
+          <p:nvPr/>
+        </p:nvSpPr>
+        <p:spPr>
+          <a:xfrm rot="5400000">
+            <a:off x="3569361" y="3446808"/>
+            <a:ext cx="183679" cy="861477"/>
+          </a:xfrm>
+          <a:prstGeom prst="rect">
+            <a:avLst/>
+          </a:prstGeom>
+          <a:solidFill>
+            <a:schemeClr val="bg2">
+              <a:lumMod val="90000"/>
+            </a:schemeClr>
+          </a:solidFill>
+        </p:spPr>
+        <p:style>
+          <a:lnRef idx="2">
+            <a:schemeClr val="accent1">
+              <a:shade val="15000"/>
+            </a:schemeClr>
+          </a:lnRef>
+          <a:fillRef idx="1">
+            <a:schemeClr val="accent1"/>
+          </a:fillRef>
+          <a:effectRef idx="0">
+            <a:schemeClr val="accent1"/>
+          </a:effectRef>
+          <a:fontRef idx="minor">
+            <a:schemeClr val="lt1"/>
+          </a:fontRef>
+        </p:style>
+        <p:txBody>
+          <a:bodyPr rtlCol="0" anchor="ctr"/>
+          <a:lstStyle/>
+          <a:p>
+            <a:pPr algn="ctr"/>
+            <a:endParaRPr lang="ko-KR" altLang="en-US" dirty="0"/>
+          </a:p>
+        </p:txBody>
+      </p:sp>
+      <p:sp>
+        <p:nvSpPr>
+          <p:cNvPr id="22" name="직사각형 21">
+            <a:extLst>
+              <a:ext uri="{FF2B5EF4-FFF2-40B4-BE49-F238E27FC236}">
+                <a16:creationId xmlns:a16="http://schemas.microsoft.com/office/drawing/2014/main" id="{51DD27AE-3E87-AAF9-21D5-F88B0BF913A1}"/>
+              </a:ext>
+            </a:extLst>
+          </p:cNvPr>
+          <p:cNvSpPr/>
+          <p:nvPr/>
+        </p:nvSpPr>
+        <p:spPr>
+          <a:xfrm rot="5400000">
+            <a:off x="5176396" y="3446807"/>
+            <a:ext cx="183679" cy="861477"/>
+          </a:xfrm>
+          <a:prstGeom prst="rect">
+            <a:avLst/>
+          </a:prstGeom>
+          <a:solidFill>
+            <a:schemeClr val="bg2">
+              <a:lumMod val="90000"/>
+            </a:schemeClr>
+          </a:solidFill>
+        </p:spPr>
+        <p:style>
+          <a:lnRef idx="2">
+            <a:schemeClr val="accent1">
+              <a:shade val="15000"/>
+            </a:schemeClr>
+          </a:lnRef>
+          <a:fillRef idx="1">
+            <a:schemeClr val="accent1"/>
+          </a:fillRef>
+          <a:effectRef idx="0">
+            <a:schemeClr val="accent1"/>
+          </a:effectRef>
+          <a:fontRef idx="minor">
+            <a:schemeClr val="lt1"/>
+          </a:fontRef>
+        </p:style>
+        <p:txBody>
+          <a:bodyPr rtlCol="0" anchor="ctr"/>
+          <a:lstStyle/>
+          <a:p>
+            <a:pPr algn="ctr"/>
+            <a:endParaRPr lang="ko-KR" altLang="en-US" dirty="0"/>
+          </a:p>
+        </p:txBody>
+      </p:sp>
+      <p:sp>
+        <p:nvSpPr>
+          <p:cNvPr id="27" name="직사각형 26">
+            <a:extLst>
+              <a:ext uri="{FF2B5EF4-FFF2-40B4-BE49-F238E27FC236}">
+                <a16:creationId xmlns:a16="http://schemas.microsoft.com/office/drawing/2014/main" id="{89A9619C-F057-85B4-8B6E-C2B674BD68EA}"/>
+              </a:ext>
+            </a:extLst>
+          </p:cNvPr>
+          <p:cNvSpPr/>
+          <p:nvPr/>
+        </p:nvSpPr>
+        <p:spPr>
+          <a:xfrm>
+            <a:off x="5176395" y="2519329"/>
+            <a:ext cx="183679" cy="861477"/>
+          </a:xfrm>
+          <a:prstGeom prst="rect">
+            <a:avLst/>
+          </a:prstGeom>
+          <a:solidFill>
+            <a:schemeClr val="bg2">
+              <a:lumMod val="90000"/>
+            </a:schemeClr>
+          </a:solidFill>
+        </p:spPr>
+        <p:style>
+          <a:lnRef idx="2">
+            <a:schemeClr val="accent1">
+              <a:shade val="15000"/>
+            </a:schemeClr>
+          </a:lnRef>
+          <a:fillRef idx="1">
+            <a:schemeClr val="accent1"/>
+          </a:fillRef>
+          <a:effectRef idx="0">
+            <a:schemeClr val="accent1"/>
+          </a:effectRef>
+          <a:fontRef idx="minor">
+            <a:schemeClr val="lt1"/>
+          </a:fontRef>
+        </p:style>
+        <p:txBody>
+          <a:bodyPr rtlCol="0" anchor="ctr"/>
+          <a:lstStyle/>
+          <a:p>
+            <a:pPr algn="ctr"/>
+            <a:endParaRPr lang="ko-KR" altLang="en-US" dirty="0"/>
+          </a:p>
+        </p:txBody>
+      </p:sp>
+      <p:sp>
+        <p:nvSpPr>
+          <p:cNvPr id="28" name="직사각형 27">
+            <a:extLst>
+              <a:ext uri="{FF2B5EF4-FFF2-40B4-BE49-F238E27FC236}">
+                <a16:creationId xmlns:a16="http://schemas.microsoft.com/office/drawing/2014/main" id="{C5BFFAE0-9F7F-68DB-148A-591B668A7C3E}"/>
+              </a:ext>
+            </a:extLst>
+          </p:cNvPr>
+          <p:cNvSpPr/>
+          <p:nvPr/>
+        </p:nvSpPr>
+        <p:spPr>
+          <a:xfrm>
+            <a:off x="5176395" y="1116926"/>
+            <a:ext cx="183679" cy="861477"/>
+          </a:xfrm>
+          <a:prstGeom prst="rect">
+            <a:avLst/>
+          </a:prstGeom>
+          <a:solidFill>
+            <a:schemeClr val="bg2">
+              <a:lumMod val="90000"/>
+            </a:schemeClr>
+          </a:solidFill>
+        </p:spPr>
+        <p:style>
+          <a:lnRef idx="2">
+            <a:schemeClr val="accent1">
+              <a:shade val="15000"/>
+            </a:schemeClr>
+          </a:lnRef>
+          <a:fillRef idx="1">
+            <a:schemeClr val="accent1"/>
+          </a:fillRef>
+          <a:effectRef idx="0">
+            <a:schemeClr val="accent1"/>
+          </a:effectRef>
+          <a:fontRef idx="minor">
+            <a:schemeClr val="lt1"/>
+          </a:fontRef>
+        </p:style>
+        <p:txBody>
+          <a:bodyPr rtlCol="0" anchor="ctr"/>
+          <a:lstStyle/>
+          <a:p>
+            <a:pPr algn="ctr"/>
+            <a:endParaRPr lang="ko-KR" altLang="en-US" dirty="0"/>
+          </a:p>
+        </p:txBody>
+      </p:sp>
+      <p:sp>
+        <p:nvSpPr>
+          <p:cNvPr id="29" name="직사각형 28">
+            <a:extLst>
+              <a:ext uri="{FF2B5EF4-FFF2-40B4-BE49-F238E27FC236}">
+                <a16:creationId xmlns:a16="http://schemas.microsoft.com/office/drawing/2014/main" id="{00B31606-A3C9-84BE-BE76-556EB5562943}"/>
+              </a:ext>
+            </a:extLst>
+          </p:cNvPr>
+          <p:cNvSpPr/>
+          <p:nvPr/>
+        </p:nvSpPr>
+        <p:spPr>
+          <a:xfrm rot="5400000">
+            <a:off x="5188086" y="218632"/>
+            <a:ext cx="183679" cy="861477"/>
+          </a:xfrm>
+          <a:prstGeom prst="rect">
+            <a:avLst/>
+          </a:prstGeom>
+          <a:solidFill>
+            <a:schemeClr val="bg2">
+              <a:lumMod val="90000"/>
+            </a:schemeClr>
+          </a:solidFill>
+        </p:spPr>
+        <p:style>
+          <a:lnRef idx="2">
+            <a:schemeClr val="accent1">
+              <a:shade val="15000"/>
+            </a:schemeClr>
+          </a:lnRef>
+          <a:fillRef idx="1">
+            <a:schemeClr val="accent1"/>
+          </a:fillRef>
+          <a:effectRef idx="0">
+            <a:schemeClr val="accent1"/>
+          </a:effectRef>
+          <a:fontRef idx="minor">
+            <a:schemeClr val="lt1"/>
+          </a:fontRef>
+        </p:style>
+        <p:txBody>
+          <a:bodyPr rtlCol="0" anchor="ctr"/>
+          <a:lstStyle/>
+          <a:p>
+            <a:pPr algn="ctr"/>
+            <a:endParaRPr lang="ko-KR" altLang="en-US" dirty="0"/>
+          </a:p>
+        </p:txBody>
+      </p:sp>
+      <p:sp>
+        <p:nvSpPr>
+          <p:cNvPr id="30" name="직사각형 29">
+            <a:extLst>
+              <a:ext uri="{FF2B5EF4-FFF2-40B4-BE49-F238E27FC236}">
+                <a16:creationId xmlns:a16="http://schemas.microsoft.com/office/drawing/2014/main" id="{D86AEF06-B728-92E5-604E-CFB21E137F11}"/>
+              </a:ext>
+            </a:extLst>
+          </p:cNvPr>
+          <p:cNvSpPr/>
+          <p:nvPr/>
+        </p:nvSpPr>
+        <p:spPr>
+          <a:xfrm rot="5400000">
+            <a:off x="3571814" y="193130"/>
+            <a:ext cx="183679" cy="861477"/>
+          </a:xfrm>
+          <a:prstGeom prst="rect">
+            <a:avLst/>
+          </a:prstGeom>
+          <a:solidFill>
+            <a:schemeClr val="bg2">
+              <a:lumMod val="90000"/>
+            </a:schemeClr>
+          </a:solidFill>
+        </p:spPr>
+        <p:style>
+          <a:lnRef idx="2">
+            <a:schemeClr val="accent1">
+              <a:shade val="15000"/>
+            </a:schemeClr>
+          </a:lnRef>
+          <a:fillRef idx="1">
+            <a:schemeClr val="accent1"/>
+          </a:fillRef>
+          <a:effectRef idx="0">
+            <a:schemeClr val="accent1"/>
+          </a:effectRef>
+          <a:fontRef idx="minor">
+            <a:schemeClr val="lt1"/>
+          </a:fontRef>
+        </p:style>
+        <p:txBody>
+          <a:bodyPr rtlCol="0" anchor="ctr"/>
+          <a:lstStyle/>
+          <a:p>
+            <a:pPr algn="ctr"/>
+            <a:endParaRPr lang="ko-KR" altLang="en-US" dirty="0"/>
+          </a:p>
+        </p:txBody>
+      </p:sp>
+      <p:sp>
+        <p:nvSpPr>
+          <p:cNvPr id="31" name="직사각형 30">
+            <a:extLst>
+              <a:ext uri="{FF2B5EF4-FFF2-40B4-BE49-F238E27FC236}">
+                <a16:creationId xmlns:a16="http://schemas.microsoft.com/office/drawing/2014/main" id="{3CCAD3D5-57BB-2995-77FB-F64106BEF82B}"/>
+              </a:ext>
+            </a:extLst>
+          </p:cNvPr>
+          <p:cNvSpPr/>
+          <p:nvPr/>
+        </p:nvSpPr>
+        <p:spPr>
+          <a:xfrm rot="5400000">
+            <a:off x="2025382" y="205218"/>
+            <a:ext cx="183679" cy="861477"/>
+          </a:xfrm>
+          <a:prstGeom prst="rect">
+            <a:avLst/>
+          </a:prstGeom>
+          <a:solidFill>
+            <a:schemeClr val="bg2">
+              <a:lumMod val="90000"/>
+            </a:schemeClr>
+          </a:solidFill>
+        </p:spPr>
+        <p:style>
+          <a:lnRef idx="2">
+            <a:schemeClr val="accent1">
+              <a:shade val="15000"/>
+            </a:schemeClr>
+          </a:lnRef>
+          <a:fillRef idx="1">
+            <a:schemeClr val="accent1"/>
+          </a:fillRef>
+          <a:effectRef idx="0">
+            <a:schemeClr val="accent1"/>
+          </a:effectRef>
+          <a:fontRef idx="minor">
+            <a:schemeClr val="lt1"/>
+          </a:fontRef>
+        </p:style>
+        <p:txBody>
+          <a:bodyPr rtlCol="0" anchor="ctr"/>
+          <a:lstStyle/>
+          <a:p>
+            <a:pPr algn="ctr"/>
+            <a:endParaRPr lang="ko-KR" altLang="en-US" dirty="0"/>
+          </a:p>
+        </p:txBody>
+      </p:sp>
+      <p:sp>
+        <p:nvSpPr>
+          <p:cNvPr id="32" name="화살표: 오른쪽 31">
+            <a:extLst>
+              <a:ext uri="{FF2B5EF4-FFF2-40B4-BE49-F238E27FC236}">
+                <a16:creationId xmlns:a16="http://schemas.microsoft.com/office/drawing/2014/main" id="{03EBFEE1-EADF-129D-D384-7F793CC114B8}"/>
+              </a:ext>
+            </a:extLst>
+          </p:cNvPr>
+          <p:cNvSpPr/>
+          <p:nvPr/>
+        </p:nvSpPr>
+        <p:spPr>
+          <a:xfrm rot="16200000">
+            <a:off x="1883878" y="171219"/>
+            <a:ext cx="492419" cy="209408"/>
+          </a:xfrm>
+          <a:prstGeom prst="rightArrow">
+            <a:avLst/>
+          </a:prstGeom>
+          <a:solidFill>
+            <a:schemeClr val="accent1">
+              <a:lumMod val="20000"/>
+              <a:lumOff val="80000"/>
+            </a:schemeClr>
+          </a:solidFill>
+        </p:spPr>
+        <p:style>
+          <a:lnRef idx="2">
+            <a:schemeClr val="accent1">
+              <a:shade val="15000"/>
+            </a:schemeClr>
+          </a:lnRef>
+          <a:fillRef idx="1">
+            <a:schemeClr val="accent1"/>
+          </a:fillRef>
+          <a:effectRef idx="0">
+            <a:schemeClr val="accent1"/>
+          </a:effectRef>
+          <a:fontRef idx="minor">
+            <a:schemeClr val="lt1"/>
+          </a:fontRef>
+        </p:style>
+        <p:txBody>
+          <a:bodyPr rtlCol="0" anchor="ctr"/>
+          <a:lstStyle/>
+          <a:p>
+            <a:pPr algn="ctr"/>
+            <a:endParaRPr lang="ko-KR" altLang="en-US"/>
+          </a:p>
+        </p:txBody>
+      </p:sp>
+      <p:sp>
+        <p:nvSpPr>
+          <p:cNvPr id="33" name="화살표: 오른쪽 32">
+            <a:extLst>
+              <a:ext uri="{FF2B5EF4-FFF2-40B4-BE49-F238E27FC236}">
+                <a16:creationId xmlns:a16="http://schemas.microsoft.com/office/drawing/2014/main" id="{6243A630-B5CA-AEAA-523B-777F63D45D60}"/>
+              </a:ext>
+            </a:extLst>
+          </p:cNvPr>
+          <p:cNvSpPr/>
+          <p:nvPr/>
+        </p:nvSpPr>
+        <p:spPr>
+          <a:xfrm>
+            <a:off x="1860728" y="3231505"/>
+            <a:ext cx="492419" cy="209408"/>
+          </a:xfrm>
+          <a:prstGeom prst="rightArrow">
+            <a:avLst/>
+          </a:prstGeom>
+          <a:solidFill>
+            <a:schemeClr val="accent1">
+              <a:lumMod val="20000"/>
+              <a:lumOff val="80000"/>
+            </a:schemeClr>
+          </a:solidFill>
+        </p:spPr>
+        <p:style>
+          <a:lnRef idx="2">
+            <a:schemeClr val="accent1">
+              <a:shade val="15000"/>
+            </a:schemeClr>
+          </a:lnRef>
+          <a:fillRef idx="1">
+            <a:schemeClr val="accent1"/>
+          </a:fillRef>
+          <a:effectRef idx="0">
+            <a:schemeClr val="accent1"/>
+          </a:effectRef>
+          <a:fontRef idx="minor">
+            <a:schemeClr val="lt1"/>
+          </a:fontRef>
+        </p:style>
+        <p:txBody>
+          <a:bodyPr rtlCol="0" anchor="ctr"/>
+          <a:lstStyle/>
+          <a:p>
+            <a:pPr algn="ctr"/>
+            <a:endParaRPr lang="ko-KR" altLang="en-US"/>
+          </a:p>
+        </p:txBody>
+      </p:sp>
+      <p:sp>
+        <p:nvSpPr>
+          <p:cNvPr id="34" name="화살표: 오른쪽 33">
+            <a:extLst>
+              <a:ext uri="{FF2B5EF4-FFF2-40B4-BE49-F238E27FC236}">
+                <a16:creationId xmlns:a16="http://schemas.microsoft.com/office/drawing/2014/main" id="{A9834B6C-BCD3-87C2-7328-82A221324D4D}"/>
+              </a:ext>
+            </a:extLst>
+          </p:cNvPr>
+          <p:cNvSpPr/>
+          <p:nvPr/>
+        </p:nvSpPr>
+        <p:spPr>
+          <a:xfrm rot="16200000">
+            <a:off x="5759232" y="2414625"/>
+            <a:ext cx="492419" cy="209408"/>
+          </a:xfrm>
+          <a:prstGeom prst="rightArrow">
+            <a:avLst/>
+          </a:prstGeom>
+          <a:solidFill>
+            <a:schemeClr val="accent1">
+              <a:lumMod val="20000"/>
+              <a:lumOff val="80000"/>
+            </a:schemeClr>
+          </a:solidFill>
+        </p:spPr>
+        <p:style>
+          <a:lnRef idx="2">
+            <a:schemeClr val="accent1">
+              <a:shade val="15000"/>
+            </a:schemeClr>
+          </a:lnRef>
+          <a:fillRef idx="1">
+            <a:schemeClr val="accent1"/>
+          </a:fillRef>
+          <a:effectRef idx="0">
+            <a:schemeClr val="accent1"/>
+          </a:effectRef>
+          <a:fontRef idx="minor">
+            <a:schemeClr val="lt1"/>
+          </a:fontRef>
+        </p:style>
+        <p:txBody>
+          <a:bodyPr rtlCol="0" anchor="ctr"/>
+          <a:lstStyle/>
+          <a:p>
+            <a:pPr algn="ctr"/>
+            <a:endParaRPr lang="ko-KR" altLang="en-US"/>
+          </a:p>
+        </p:txBody>
+      </p:sp>
+      <p:sp>
+        <p:nvSpPr>
+          <p:cNvPr id="35" name="화살표: 오른쪽 34">
+            <a:extLst>
+              <a:ext uri="{FF2B5EF4-FFF2-40B4-BE49-F238E27FC236}">
+                <a16:creationId xmlns:a16="http://schemas.microsoft.com/office/drawing/2014/main" id="{8FB4EE4D-27BF-7681-67E7-E76ABEF0C89D}"/>
+              </a:ext>
+            </a:extLst>
+          </p:cNvPr>
+          <p:cNvSpPr/>
+          <p:nvPr/>
+        </p:nvSpPr>
+        <p:spPr>
+          <a:xfrm rot="10800000">
+            <a:off x="3414990" y="1012222"/>
+            <a:ext cx="492419" cy="209408"/>
+          </a:xfrm>
+          <a:prstGeom prst="rightArrow">
+            <a:avLst/>
+          </a:prstGeom>
+          <a:solidFill>
+            <a:schemeClr val="accent1">
+              <a:lumMod val="20000"/>
+              <a:lumOff val="80000"/>
+            </a:schemeClr>
+          </a:solidFill>
+        </p:spPr>
+        <p:style>
+          <a:lnRef idx="2">
+            <a:schemeClr val="accent1">
+              <a:shade val="15000"/>
+            </a:schemeClr>
+          </a:lnRef>
+          <a:fillRef idx="1">
+            <a:schemeClr val="accent1"/>
+          </a:fillRef>
+          <a:effectRef idx="0">
+            <a:schemeClr val="accent1"/>
+          </a:effectRef>
+          <a:fontRef idx="minor">
+            <a:schemeClr val="lt1"/>
+          </a:fontRef>
+        </p:style>
+        <p:txBody>
+          <a:bodyPr rtlCol="0" anchor="ctr"/>
+          <a:lstStyle/>
+          <a:p>
+            <a:pPr algn="ctr"/>
+            <a:endParaRPr lang="ko-KR" altLang="en-US"/>
+          </a:p>
+        </p:txBody>
+      </p:sp>
+      <p:pic>
+        <p:nvPicPr>
+          <p:cNvPr id="39" name="그림 38">
+            <a:extLst>
+              <a:ext uri="{FF2B5EF4-FFF2-40B4-BE49-F238E27FC236}">
+                <a16:creationId xmlns:a16="http://schemas.microsoft.com/office/drawing/2014/main" id="{1A438CC8-9F21-CA34-8DE9-F1DF9F84CCFB}"/>
+              </a:ext>
+            </a:extLst>
+          </p:cNvPr>
+          <p:cNvPicPr>
+            <a:picLocks noChangeAspect="1"/>
+          </p:cNvPicPr>
+          <p:nvPr/>
+        </p:nvPicPr>
+        <p:blipFill>
+          <a:blip r:embed="rId2"/>
+          <a:srcRect l="5345" t="47486" r="10025" b="17145"/>
+          <a:stretch/>
+        </p:blipFill>
+        <p:spPr>
+          <a:xfrm>
+            <a:off x="8749293" y="2714998"/>
+            <a:ext cx="2260800" cy="509685"/>
+          </a:xfrm>
+          <a:prstGeom prst="rect">
+            <a:avLst/>
+          </a:prstGeom>
+        </p:spPr>
+      </p:pic>
+    </p:spTree>
+    <p:extLst>
+      <p:ext uri="{BB962C8B-B14F-4D97-AF65-F5344CB8AC3E}">
+        <p14:creationId xmlns:p14="http://schemas.microsoft.com/office/powerpoint/2010/main" val="2234171436"/>
+      </p:ext>
+    </p:extLst>
+  </p:cSld>
+  <p:clrMapOvr>
+    <a:masterClrMapping/>
+  </p:clrMapOvr>
+</p:sld>
+</file>
+
+<file path=ppt/slides/slide19.xml><?xml version="1.0" encoding="utf-8"?>
+<p:sld xmlns:a="http://schemas.openxmlformats.org/drawingml/2006/main" xmlns:r="http://schemas.openxmlformats.org/officeDocument/2006/relationships" xmlns:p="http://schemas.openxmlformats.org/presentationml/2006/main">
+  <p:cSld>
+    <p:spTree>
+      <p:nvGrpSpPr>
+        <p:cNvPr id="1" name="">
+          <a:extLst>
+            <a:ext uri="{FF2B5EF4-FFF2-40B4-BE49-F238E27FC236}">
+              <a16:creationId xmlns:a16="http://schemas.microsoft.com/office/drawing/2014/main" id="{5C0168B2-EA1B-F72D-3351-7185133A527A}"/>
+            </a:ext>
+          </a:extLst>
+        </p:cNvPr>
+        <p:cNvGrpSpPr/>
+        <p:nvPr/>
+      </p:nvGrpSpPr>
+      <p:grpSpPr>
+        <a:xfrm>
+          <a:off x="0" y="0"/>
+          <a:ext cx="0" cy="0"/>
+          <a:chOff x="0" y="0"/>
+          <a:chExt cx="0" cy="0"/>
+        </a:xfrm>
+      </p:grpSpPr>
+      <p:sp>
+        <p:nvSpPr>
+          <p:cNvPr id="2" name="제목 1">
+            <a:extLst>
+              <a:ext uri="{FF2B5EF4-FFF2-40B4-BE49-F238E27FC236}">
+                <a16:creationId xmlns:a16="http://schemas.microsoft.com/office/drawing/2014/main" id="{ECB926F5-4F61-6F2E-406F-781FD539513D}"/>
+              </a:ext>
+            </a:extLst>
+          </p:cNvPr>
+          <p:cNvSpPr>
+            <a:spLocks noGrp="1"/>
+          </p:cNvSpPr>
+          <p:nvPr>
+            <p:ph type="title"/>
+          </p:nvPr>
+        </p:nvSpPr>
+        <p:spPr>
+          <a:xfrm>
+            <a:off x="-1" y="0"/>
+            <a:ext cx="6160655" cy="964911"/>
+          </a:xfrm>
+        </p:spPr>
+        <p:txBody>
+          <a:bodyPr>
+            <a:normAutofit/>
+          </a:bodyPr>
+          <a:lstStyle/>
+          <a:p>
+            <a:r>
+              <a:rPr lang="ko-KR" altLang="en-US" sz="2300" dirty="0"/>
+              <a:t>대포 구간</a:t>
+            </a:r>
+            <a:r>
+              <a:rPr lang="en-US" altLang="ko-KR" sz="2300" dirty="0"/>
+              <a:t>(</a:t>
+            </a:r>
+            <a:r>
+              <a:rPr lang="ko-KR" altLang="en-US" sz="2300" dirty="0"/>
+              <a:t>난이도</a:t>
+            </a:r>
+            <a:r>
+              <a:rPr lang="en-US" altLang="ko-KR" sz="2300" dirty="0"/>
+              <a:t>: </a:t>
+            </a:r>
+            <a:r>
+              <a:rPr lang="ko-KR" altLang="en-US" sz="2300" dirty="0"/>
+              <a:t>매우 쉬움</a:t>
+            </a:r>
+            <a:r>
+              <a:rPr lang="en-US" altLang="ko-KR" sz="2300" dirty="0"/>
+              <a:t>)</a:t>
+            </a:r>
+            <a:endParaRPr lang="ko-KR" altLang="en-US" sz="2300" dirty="0"/>
+          </a:p>
+        </p:txBody>
+      </p:sp>
+      <p:graphicFrame>
+        <p:nvGraphicFramePr>
+          <p:cNvPr id="23" name="표 22">
+            <a:extLst>
+              <a:ext uri="{FF2B5EF4-FFF2-40B4-BE49-F238E27FC236}">
+                <a16:creationId xmlns:a16="http://schemas.microsoft.com/office/drawing/2014/main" id="{0DC1A2AB-B4BD-789E-FF0A-90628B357C17}"/>
+              </a:ext>
+            </a:extLst>
+          </p:cNvPr>
+          <p:cNvGraphicFramePr>
+            <a:graphicFrameLocks noGrp="1"/>
+          </p:cNvGraphicFramePr>
+          <p:nvPr>
+            <p:extLst>
+              <p:ext uri="{D42A27DB-BD31-4B8C-83A1-F6EECF244321}">
+                <p14:modId xmlns:p14="http://schemas.microsoft.com/office/powerpoint/2010/main" val="1972637139"/>
+              </p:ext>
+            </p:extLst>
+          </p:nvPr>
+        </p:nvGraphicFramePr>
+        <p:xfrm>
+          <a:off x="7064167" y="942135"/>
+          <a:ext cx="4581923" cy="2701925"/>
+        </p:xfrm>
+        <a:graphic>
+          <a:graphicData uri="http://schemas.openxmlformats.org/drawingml/2006/table">
+            <a:tbl>
+              <a:tblPr firstRow="1" bandRow="1">
+                <a:tableStyleId>{5C22544A-7EE6-4342-B048-85BDC9FD1C3A}</a:tableStyleId>
+              </a:tblPr>
+              <a:tblGrid>
+                <a:gridCol w="2229152">
+                  <a:extLst>
+                    <a:ext uri="{9D8B030D-6E8A-4147-A177-3AD203B41FA5}">
+                      <a16:colId xmlns:a16="http://schemas.microsoft.com/office/drawing/2014/main" val="3816369926"/>
+                    </a:ext>
+                  </a:extLst>
+                </a:gridCol>
+                <a:gridCol w="2352771">
+                  <a:extLst>
+                    <a:ext uri="{9D8B030D-6E8A-4147-A177-3AD203B41FA5}">
+                      <a16:colId xmlns:a16="http://schemas.microsoft.com/office/drawing/2014/main" val="547672912"/>
+                    </a:ext>
+                  </a:extLst>
+                </a:gridCol>
+              </a:tblGrid>
+              <a:tr h="603407">
+                <a:tc>
+                  <a:txBody>
+                    <a:bodyPr/>
+                    <a:lstStyle/>
+                    <a:p>
+                      <a:pPr latinLnBrk="1"/>
+                      <a:r>
+                        <a:rPr lang="ko-KR" altLang="en-US" dirty="0"/>
+                        <a:t>등장 하는 사물</a:t>
+                      </a:r>
+                    </a:p>
+                  </a:txBody>
+                  <a:tcPr/>
+                </a:tc>
+                <a:tc>
+                  <a:txBody>
+                    <a:bodyPr/>
+                    <a:lstStyle/>
+                    <a:p>
+                      <a:pPr latinLnBrk="1"/>
+                      <a:r>
+                        <a:rPr lang="ko-KR" altLang="en-US" dirty="0"/>
+                        <a:t>사진</a:t>
+                      </a:r>
+                    </a:p>
+                  </a:txBody>
+                  <a:tcPr/>
+                </a:tc>
+                <a:extLst>
+                  <a:ext uri="{0D108BD9-81ED-4DB2-BD59-A6C34878D82A}">
+                    <a16:rowId xmlns:a16="http://schemas.microsoft.com/office/drawing/2014/main" val="2983487876"/>
+                  </a:ext>
+                </a:extLst>
+              </a:tr>
+              <a:tr h="2098518">
+                <a:tc>
+                  <a:txBody>
+                    <a:bodyPr/>
+                    <a:lstStyle/>
+                    <a:p>
+                      <a:pPr latinLnBrk="1"/>
+                      <a:endParaRPr lang="en-US" altLang="ko-KR" dirty="0"/>
+                    </a:p>
+                    <a:p>
+                      <a:pPr latinLnBrk="1"/>
+                      <a:endParaRPr lang="en-US" altLang="ko-KR" dirty="0"/>
+                    </a:p>
+                    <a:p>
+                      <a:pPr latinLnBrk="1"/>
+                      <a:endParaRPr lang="en-US" altLang="ko-KR" dirty="0"/>
+                    </a:p>
+                    <a:p>
+                      <a:pPr latinLnBrk="1"/>
+                      <a:r>
+                        <a:rPr lang="ko-KR" altLang="en-US" dirty="0"/>
+                        <a:t>대포</a:t>
+                      </a:r>
+                      <a:endParaRPr lang="en-US" altLang="ko-KR" dirty="0"/>
+                    </a:p>
+                  </a:txBody>
+                  <a:tcPr/>
+                </a:tc>
+                <a:tc>
+                  <a:txBody>
+                    <a:bodyPr/>
+                    <a:lstStyle/>
+                    <a:p>
+                      <a:pPr latinLnBrk="1"/>
+                      <a:endParaRPr lang="ko-KR" altLang="en-US" dirty="0"/>
+                    </a:p>
+                  </a:txBody>
+                  <a:tcPr/>
+                </a:tc>
+                <a:extLst>
+                  <a:ext uri="{0D108BD9-81ED-4DB2-BD59-A6C34878D82A}">
+                    <a16:rowId xmlns:a16="http://schemas.microsoft.com/office/drawing/2014/main" val="1475488419"/>
+                  </a:ext>
+                </a:extLst>
+              </a:tr>
+            </a:tbl>
+          </a:graphicData>
+        </a:graphic>
+      </p:graphicFrame>
+      <p:sp>
+        <p:nvSpPr>
+          <p:cNvPr id="26" name="TextBox 25">
+            <a:extLst>
+              <a:ext uri="{FF2B5EF4-FFF2-40B4-BE49-F238E27FC236}">
+                <a16:creationId xmlns:a16="http://schemas.microsoft.com/office/drawing/2014/main" id="{1E70BE3A-FA48-B5AA-D325-BB7FF1DE07E2}"/>
+              </a:ext>
+            </a:extLst>
+          </p:cNvPr>
+          <p:cNvSpPr txBox="1"/>
+          <p:nvPr/>
+        </p:nvSpPr>
+        <p:spPr>
+          <a:xfrm>
+            <a:off x="6968753" y="4242652"/>
+            <a:ext cx="4878259" cy="969496"/>
+          </a:xfrm>
+          <a:prstGeom prst="rect">
+            <a:avLst/>
+          </a:prstGeom>
+          <a:noFill/>
+        </p:spPr>
+        <p:txBody>
+          <a:bodyPr wrap="none" rtlCol="0">
+            <a:spAutoFit/>
+          </a:bodyPr>
+          <a:lstStyle/>
+          <a:p>
+            <a:r>
+              <a:rPr lang="ko-KR" altLang="en-US" sz="1900" dirty="0"/>
+              <a:t>의도</a:t>
+            </a:r>
+            <a:r>
+              <a:rPr lang="en-US" altLang="ko-KR" sz="1900" dirty="0"/>
+              <a:t>:</a:t>
+            </a:r>
+            <a:r>
+              <a:rPr lang="ko-KR" altLang="en-US" sz="1900" dirty="0"/>
+              <a:t>플레이어에게 대포로 날아가는 재미를</a:t>
+            </a:r>
+            <a:endParaRPr lang="en-US" altLang="ko-KR" sz="1900" dirty="0"/>
+          </a:p>
+          <a:p>
+            <a:r>
+              <a:rPr lang="ko-KR" altLang="en-US" sz="1900" dirty="0"/>
+              <a:t>주고 쉽게 높이 올라간다는 생각이</a:t>
+            </a:r>
+            <a:endParaRPr lang="en-US" altLang="ko-KR" sz="1900" dirty="0"/>
+          </a:p>
+          <a:p>
+            <a:r>
+              <a:rPr lang="ko-KR" altLang="en-US" sz="1900" dirty="0"/>
+              <a:t>들게 만든다</a:t>
+            </a:r>
+            <a:r>
+              <a:rPr lang="en-US" altLang="ko-KR" sz="1900" dirty="0"/>
+              <a:t>.</a:t>
+            </a:r>
+          </a:p>
+        </p:txBody>
+      </p:sp>
+      <p:pic>
+        <p:nvPicPr>
+          <p:cNvPr id="1026" name="Picture 2" descr="대포 일러스트 삽화, 대포, 입체 대포, 아름다운 대포 PNG 일러스트 및 PSD 이미지 무료 다운로드 - Pngtree">
+            <a:extLst>
+              <a:ext uri="{FF2B5EF4-FFF2-40B4-BE49-F238E27FC236}">
+                <a16:creationId xmlns:a16="http://schemas.microsoft.com/office/drawing/2014/main" id="{C84130E8-2CBA-32EF-CD59-76307B75876C}"/>
+              </a:ext>
+            </a:extLst>
+          </p:cNvPr>
+          <p:cNvPicPr>
+            <a:picLocks noChangeAspect="1" noChangeArrowheads="1"/>
+          </p:cNvPicPr>
+          <p:nvPr/>
+        </p:nvPicPr>
+        <p:blipFill>
+          <a:blip r:embed="rId2">
+            <a:extLst>
+              <a:ext uri="{28A0092B-C50C-407E-A947-70E740481C1C}">
+                <a14:useLocalDpi xmlns:a14="http://schemas.microsoft.com/office/drawing/2010/main" val="0"/>
+              </a:ext>
+            </a:extLst>
+          </a:blip>
+          <a:srcRect/>
+          <a:stretch>
+            <a:fillRect/>
+          </a:stretch>
+        </p:blipFill>
+        <p:spPr bwMode="auto">
+          <a:xfrm>
+            <a:off x="9429020" y="1540727"/>
+            <a:ext cx="2015638" cy="2015638"/>
+          </a:xfrm>
+          <a:prstGeom prst="rect">
+            <a:avLst/>
+          </a:prstGeom>
+          <a:noFill/>
+          <a:extLst>
+            <a:ext uri="{909E8E84-426E-40DD-AFC4-6F175D3DCCD1}">
+              <a14:hiddenFill xmlns:a14="http://schemas.microsoft.com/office/drawing/2010/main">
+                <a:solidFill>
+                  <a:srgbClr val="FFFFFF"/>
+                </a:solidFill>
+              </a14:hiddenFill>
+            </a:ext>
+          </a:extLst>
+        </p:spPr>
+      </p:pic>
+      <p:pic>
+        <p:nvPicPr>
+          <p:cNvPr id="3" name="Picture 2" descr="대포 일러스트 삽화, 대포, 입체 대포, 아름다운 대포 PNG 일러스트 및 PSD 이미지 무료 다운로드 - Pngtree">
+            <a:extLst>
+              <a:ext uri="{FF2B5EF4-FFF2-40B4-BE49-F238E27FC236}">
+                <a16:creationId xmlns:a16="http://schemas.microsoft.com/office/drawing/2014/main" id="{6DD6544F-7A39-3DD7-4491-FFA2561D6B8A}"/>
+              </a:ext>
+            </a:extLst>
+          </p:cNvPr>
+          <p:cNvPicPr>
+            <a:picLocks noChangeAspect="1" noChangeArrowheads="1"/>
+          </p:cNvPicPr>
+          <p:nvPr/>
+        </p:nvPicPr>
+        <p:blipFill>
+          <a:blip r:embed="rId2">
+            <a:extLst>
+              <a:ext uri="{28A0092B-C50C-407E-A947-70E740481C1C}">
+                <a14:useLocalDpi xmlns:a14="http://schemas.microsoft.com/office/drawing/2010/main" val="0"/>
+              </a:ext>
+            </a:extLst>
+          </a:blip>
+          <a:srcRect/>
+          <a:stretch>
+            <a:fillRect/>
+          </a:stretch>
+        </p:blipFill>
+        <p:spPr bwMode="auto">
+          <a:xfrm>
+            <a:off x="1639143" y="4799524"/>
+            <a:ext cx="1780110" cy="1780110"/>
+          </a:xfrm>
+          <a:prstGeom prst="rect">
+            <a:avLst/>
+          </a:prstGeom>
+          <a:noFill/>
+          <a:extLst>
+            <a:ext uri="{909E8E84-426E-40DD-AFC4-6F175D3DCCD1}">
+              <a14:hiddenFill xmlns:a14="http://schemas.microsoft.com/office/drawing/2010/main">
+                <a:solidFill>
+                  <a:srgbClr val="FFFFFF"/>
+                </a:solidFill>
+              </a14:hiddenFill>
+            </a:ext>
+          </a:extLst>
+        </p:spPr>
+      </p:pic>
+      <p:sp>
+        <p:nvSpPr>
+          <p:cNvPr id="13" name="직사각형 12">
+            <a:extLst>
+              <a:ext uri="{FF2B5EF4-FFF2-40B4-BE49-F238E27FC236}">
+                <a16:creationId xmlns:a16="http://schemas.microsoft.com/office/drawing/2014/main" id="{34D74FF8-9C19-6C4D-085B-F0E5FCEB962D}"/>
+              </a:ext>
+            </a:extLst>
+          </p:cNvPr>
+          <p:cNvSpPr/>
+          <p:nvPr/>
+        </p:nvSpPr>
+        <p:spPr>
+          <a:xfrm>
+            <a:off x="1978070" y="942135"/>
+            <a:ext cx="1102256" cy="505057"/>
+          </a:xfrm>
+          <a:prstGeom prst="rect">
+            <a:avLst/>
+          </a:prstGeom>
+          <a:solidFill>
+            <a:schemeClr val="bg2">
+              <a:lumMod val="75000"/>
+            </a:schemeClr>
+          </a:solidFill>
+        </p:spPr>
+        <p:style>
+          <a:lnRef idx="2">
+            <a:schemeClr val="accent1">
+              <a:shade val="15000"/>
+            </a:schemeClr>
+          </a:lnRef>
+          <a:fillRef idx="1">
+            <a:schemeClr val="accent1"/>
+          </a:fillRef>
+          <a:effectRef idx="0">
+            <a:schemeClr val="accent1"/>
+          </a:effectRef>
+          <a:fontRef idx="minor">
+            <a:schemeClr val="lt1"/>
+          </a:fontRef>
+        </p:style>
+        <p:txBody>
+          <a:bodyPr rtlCol="0" anchor="ctr"/>
+          <a:lstStyle/>
+          <a:p>
+            <a:pPr algn="ctr"/>
+            <a:endParaRPr lang="ko-KR" altLang="en-US"/>
+          </a:p>
+        </p:txBody>
+      </p:sp>
+      <p:sp>
+        <p:nvSpPr>
+          <p:cNvPr id="14" name="화살표: 오른쪽 13">
+            <a:extLst>
+              <a:ext uri="{FF2B5EF4-FFF2-40B4-BE49-F238E27FC236}">
+                <a16:creationId xmlns:a16="http://schemas.microsoft.com/office/drawing/2014/main" id="{B8D4F58E-E234-D8D2-A22F-32B9632CA642}"/>
+              </a:ext>
+            </a:extLst>
+          </p:cNvPr>
+          <p:cNvSpPr/>
+          <p:nvPr/>
+        </p:nvSpPr>
+        <p:spPr>
+          <a:xfrm rot="16200000">
+            <a:off x="1918706" y="3747589"/>
+            <a:ext cx="1222566" cy="340621"/>
+          </a:xfrm>
+          <a:prstGeom prst="rightArrow">
+            <a:avLst/>
+          </a:prstGeom>
+          <a:solidFill>
+            <a:schemeClr val="accent1">
+              <a:lumMod val="20000"/>
+              <a:lumOff val="80000"/>
+            </a:schemeClr>
+          </a:solidFill>
+        </p:spPr>
+        <p:style>
+          <a:lnRef idx="2">
+            <a:schemeClr val="accent1">
+              <a:shade val="15000"/>
+            </a:schemeClr>
+          </a:lnRef>
+          <a:fillRef idx="1">
+            <a:schemeClr val="accent1"/>
+          </a:fillRef>
+          <a:effectRef idx="0">
+            <a:schemeClr val="accent1"/>
+          </a:effectRef>
+          <a:fontRef idx="minor">
+            <a:schemeClr val="lt1"/>
+          </a:fontRef>
+        </p:style>
+        <p:txBody>
+          <a:bodyPr rtlCol="0" anchor="ctr"/>
+          <a:lstStyle/>
+          <a:p>
+            <a:pPr algn="ctr"/>
+            <a:endParaRPr lang="ko-KR" altLang="en-US"/>
+          </a:p>
+        </p:txBody>
+      </p:sp>
+      <p:sp>
+        <p:nvSpPr>
+          <p:cNvPr id="16" name="화살표: 오른쪽 15">
+            <a:extLst>
+              <a:ext uri="{FF2B5EF4-FFF2-40B4-BE49-F238E27FC236}">
+                <a16:creationId xmlns:a16="http://schemas.microsoft.com/office/drawing/2014/main" id="{AFBE3E0F-7474-9E87-1DDA-D5F3D8334F39}"/>
+              </a:ext>
+            </a:extLst>
+          </p:cNvPr>
+          <p:cNvSpPr/>
+          <p:nvPr/>
+        </p:nvSpPr>
+        <p:spPr>
+          <a:xfrm rot="16200000">
+            <a:off x="1918707" y="2158506"/>
+            <a:ext cx="1222566" cy="340621"/>
+          </a:xfrm>
+          <a:prstGeom prst="rightArrow">
+            <a:avLst/>
+          </a:prstGeom>
+          <a:solidFill>
+            <a:schemeClr val="accent1">
+              <a:lumMod val="20000"/>
+              <a:lumOff val="80000"/>
+            </a:schemeClr>
+          </a:solidFill>
+        </p:spPr>
+        <p:style>
+          <a:lnRef idx="2">
+            <a:schemeClr val="accent1">
+              <a:shade val="15000"/>
+            </a:schemeClr>
+          </a:lnRef>
+          <a:fillRef idx="1">
+            <a:schemeClr val="accent1"/>
+          </a:fillRef>
+          <a:effectRef idx="0">
+            <a:schemeClr val="accent1"/>
+          </a:effectRef>
+          <a:fontRef idx="minor">
+            <a:schemeClr val="lt1"/>
+          </a:fontRef>
+        </p:style>
+        <p:txBody>
+          <a:bodyPr rtlCol="0" anchor="ctr"/>
+          <a:lstStyle/>
+          <a:p>
+            <a:pPr algn="ctr"/>
+            <a:endParaRPr lang="ko-KR" altLang="en-US"/>
+          </a:p>
+        </p:txBody>
+      </p:sp>
+      <p:sp>
+        <p:nvSpPr>
+          <p:cNvPr id="19" name="TextBox 18">
+            <a:extLst>
+              <a:ext uri="{FF2B5EF4-FFF2-40B4-BE49-F238E27FC236}">
+                <a16:creationId xmlns:a16="http://schemas.microsoft.com/office/drawing/2014/main" id="{36DDA7E8-3F36-0E2F-F881-5AAE94F88FFE}"/>
+              </a:ext>
+            </a:extLst>
+          </p:cNvPr>
+          <p:cNvSpPr txBox="1"/>
+          <p:nvPr/>
+        </p:nvSpPr>
+        <p:spPr>
+          <a:xfrm>
+            <a:off x="3611418" y="5689579"/>
+            <a:ext cx="3398687" cy="923330"/>
+          </a:xfrm>
+          <a:prstGeom prst="rect">
+            <a:avLst/>
+          </a:prstGeom>
+          <a:noFill/>
+        </p:spPr>
+        <p:txBody>
+          <a:bodyPr wrap="none" rtlCol="0">
+            <a:spAutoFit/>
+          </a:bodyPr>
+          <a:lstStyle/>
+          <a:p>
+            <a:r>
+              <a:rPr lang="ko-KR" altLang="en-US" dirty="0"/>
+              <a:t>플레이어가 대포에 탈 시</a:t>
+            </a:r>
+            <a:endParaRPr lang="en-US" altLang="ko-KR" dirty="0"/>
+          </a:p>
+          <a:p>
+            <a:r>
+              <a:rPr lang="ko-KR" altLang="en-US" dirty="0"/>
+              <a:t>위로 쏘아지며 빠르게 </a:t>
+            </a:r>
+            <a:r>
+              <a:rPr lang="en-US" altLang="ko-KR" dirty="0"/>
+              <a:t>1-3</a:t>
+            </a:r>
+            <a:r>
+              <a:rPr lang="ko-KR" altLang="en-US" dirty="0"/>
+              <a:t>구역 </a:t>
+            </a:r>
+            <a:endParaRPr lang="en-US" altLang="ko-KR" dirty="0"/>
+          </a:p>
+          <a:p>
+            <a:r>
+              <a:rPr lang="ko-KR" altLang="en-US" dirty="0"/>
+              <a:t>시작 지점으로 가진다</a:t>
+            </a:r>
+            <a:r>
+              <a:rPr lang="en-US" altLang="ko-KR" dirty="0"/>
+              <a:t>.</a:t>
+            </a:r>
+            <a:endParaRPr lang="ko-KR" altLang="en-US" dirty="0"/>
+          </a:p>
+        </p:txBody>
+      </p:sp>
+    </p:spTree>
+    <p:extLst>
+      <p:ext uri="{BB962C8B-B14F-4D97-AF65-F5344CB8AC3E}">
+        <p14:creationId xmlns:p14="http://schemas.microsoft.com/office/powerpoint/2010/main" val="1432003484"/>
+      </p:ext>
+    </p:extLst>
+  </p:cSld>
+  <p:clrMapOvr>
+    <a:masterClrMapping/>
+  </p:clrMapOvr>
+</p:sld>
+</file>
+
+<file path=ppt/slides/slide2.xml><?xml version="1.0" encoding="utf-8"?>
+<p:sld xmlns:a="http://schemas.openxmlformats.org/drawingml/2006/main" xmlns:r="http://schemas.openxmlformats.org/officeDocument/2006/relationships" xmlns:p="http://schemas.openxmlformats.org/presentationml/2006/main">
+  <p:cSld>
+    <p:spTree>
+      <p:nvGrpSpPr>
+        <p:cNvPr id="1" name=""/>
+        <p:cNvGrpSpPr/>
+        <p:nvPr/>
+      </p:nvGrpSpPr>
+      <p:grpSpPr>
+        <a:xfrm>
+          <a:off x="0" y="0"/>
+          <a:ext cx="0" cy="0"/>
+          <a:chOff x="0" y="0"/>
+          <a:chExt cx="0" cy="0"/>
+        </a:xfrm>
+      </p:grpSpPr>
+      <p:sp>
+        <p:nvSpPr>
           <p:cNvPr id="4" name="직사각형 3">
             <a:extLst>
               <a:ext uri="{FF2B5EF4-FFF2-40B4-BE49-F238E27FC236}">
@@ -5261,7 +15018,7 @@
 </p:sld>
 </file>
 
-<file path=ppt/slides/slide2.xml><?xml version="1.0" encoding="utf-8"?>
+<file path=ppt/slides/slide3.xml><?xml version="1.0" encoding="utf-8"?>
 <p:sld xmlns:a="http://schemas.openxmlformats.org/drawingml/2006/main" xmlns:r="http://schemas.openxmlformats.org/officeDocument/2006/relationships" xmlns:p="http://schemas.openxmlformats.org/presentationml/2006/main">
   <p:cSld>
     <p:spTree>
@@ -6289,7 +16046,7 @@
 </p:sld>
 </file>
 
-<file path=ppt/slides/slide3.xml><?xml version="1.0" encoding="utf-8"?>
+<file path=ppt/slides/slide4.xml><?xml version="1.0" encoding="utf-8"?>
 <p:sld xmlns:a="http://schemas.openxmlformats.org/drawingml/2006/main" xmlns:r="http://schemas.openxmlformats.org/officeDocument/2006/relationships" xmlns:p="http://schemas.openxmlformats.org/presentationml/2006/main">
   <p:cSld>
     <p:spTree>
@@ -6952,7 +16709,7 @@
 </p:sld>
 </file>
 
-<file path=ppt/slides/slide4.xml><?xml version="1.0" encoding="utf-8"?>
+<file path=ppt/slides/slide5.xml><?xml version="1.0" encoding="utf-8"?>
 <p:sld xmlns:a="http://schemas.openxmlformats.org/drawingml/2006/main" xmlns:r="http://schemas.openxmlformats.org/officeDocument/2006/relationships" xmlns:p="http://schemas.openxmlformats.org/presentationml/2006/main">
   <p:cSld>
     <p:spTree>
@@ -8761,7 +18518,7 @@
 </p:sld>
 </file>
 
-<file path=ppt/slides/slide5.xml><?xml version="1.0" encoding="utf-8"?>
+<file path=ppt/slides/slide6.xml><?xml version="1.0" encoding="utf-8"?>
 <p:sld xmlns:a="http://schemas.openxmlformats.org/drawingml/2006/main" xmlns:r="http://schemas.openxmlformats.org/officeDocument/2006/relationships" xmlns:p="http://schemas.openxmlformats.org/presentationml/2006/main">
   <p:cSld>
     <p:spTree>
@@ -10803,7 +20560,7 @@
 </p:sld>
 </file>
 
-<file path=ppt/slides/slide6.xml><?xml version="1.0" encoding="utf-8"?>
+<file path=ppt/slides/slide7.xml><?xml version="1.0" encoding="utf-8"?>
 <p:sld xmlns:a="http://schemas.openxmlformats.org/drawingml/2006/main" xmlns:r="http://schemas.openxmlformats.org/officeDocument/2006/relationships" xmlns:p="http://schemas.openxmlformats.org/presentationml/2006/main">
   <p:cSld>
     <p:spTree>
@@ -11988,7 +21745,7 @@
 </p:sld>
 </file>
 
-<file path=ppt/slides/slide7.xml><?xml version="1.0" encoding="utf-8"?>
+<file path=ppt/slides/slide8.xml><?xml version="1.0" encoding="utf-8"?>
 <p:sld xmlns:a="http://schemas.openxmlformats.org/drawingml/2006/main" xmlns:r="http://schemas.openxmlformats.org/officeDocument/2006/relationships" xmlns:p="http://schemas.openxmlformats.org/presentationml/2006/main">
   <p:cSld>
     <p:spTree>
@@ -13704,7 +23461,7 @@
 </p:sld>
 </file>
 
-<file path=ppt/slides/slide8.xml><?xml version="1.0" encoding="utf-8"?>
+<file path=ppt/slides/slide9.xml><?xml version="1.0" encoding="utf-8"?>
 <p:sld xmlns:a="http://schemas.openxmlformats.org/drawingml/2006/main" xmlns:r="http://schemas.openxmlformats.org/officeDocument/2006/relationships" xmlns:p="http://schemas.openxmlformats.org/presentationml/2006/main">
   <p:cSld>
     <p:spTree>
@@ -13745,7 +23502,7 @@
         </p:nvSpPr>
         <p:spPr>
           <a:xfrm>
-            <a:off x="838200" y="198870"/>
+            <a:off x="745837" y="149845"/>
             <a:ext cx="10515600" cy="964911"/>
           </a:xfrm>
         </p:spPr>
@@ -13777,9 +23534,12 @@
             </a:r>
             <a:r>
               <a:rPr lang="en-US" altLang="ko-KR" sz="3000" dirty="0"/>
-              <a:t>)</a:t>
-            </a:r>
-            <a:endParaRPr lang="ko-KR" altLang="en-US" sz="3000" dirty="0"/>
+              <a:t>) </a:t>
+            </a:r>
+            <a:r>
+              <a:rPr lang="ko-KR" altLang="en-US" sz="2000" dirty="0"/>
+              <a:t>중간발표 이후에 구현</a:t>
+            </a:r>
           </a:p>
         </p:txBody>
       </p:sp>
